--- a/documentation/Update- YggFinance.pptx
+++ b/documentation/Update- YggFinance.pptx
@@ -25,23 +25,25 @@
     <p:sldId id="270" r:id="rId20"/>
     <p:sldId id="271" r:id="rId21"/>
     <p:sldId id="272" r:id="rId22"/>
+    <p:sldId id="273" r:id="rId23"/>
+    <p:sldId id="274" r:id="rId24"/>
   </p:sldIdLst>
   <p:sldSz cy="5143500" cx="9144000"/>
   <p:notesSz cx="6858000" cy="9144000"/>
   <p:embeddedFontLst>
     <p:embeddedFont>
       <p:font typeface="Montserrat"/>
-      <p:regular r:id="rId23"/>
-      <p:bold r:id="rId24"/>
-      <p:italic r:id="rId25"/>
-      <p:boldItalic r:id="rId26"/>
+      <p:regular r:id="rId25"/>
+      <p:bold r:id="rId26"/>
+      <p:italic r:id="rId27"/>
+      <p:boldItalic r:id="rId28"/>
     </p:embeddedFont>
     <p:embeddedFont>
       <p:font typeface="Lato"/>
-      <p:regular r:id="rId27"/>
-      <p:bold r:id="rId28"/>
-      <p:italic r:id="rId29"/>
-      <p:boldItalic r:id="rId30"/>
+      <p:regular r:id="rId29"/>
+      <p:bold r:id="rId30"/>
+      <p:italic r:id="rId31"/>
+      <p:boldItalic r:id="rId32"/>
     </p:embeddedFont>
   </p:embeddedFontLst>
   <p:defaultTextStyle>
@@ -822,7 +824,7 @@
   <p:cSld>
     <p:spTree>
       <p:nvGrpSpPr>
-        <p:cNvPr id="187" name="Shape 187"/>
+        <p:cNvPr id="191" name="Shape 191"/>
         <p:cNvGrpSpPr/>
         <p:nvPr/>
       </p:nvGrpSpPr>
@@ -836,7 +838,7 @@
       </p:grpSpPr>
       <p:sp>
         <p:nvSpPr>
-          <p:cNvPr id="188" name="Google Shape;188;gd09b1ad244_0_290:notes"/>
+          <p:cNvPr id="192" name="Google Shape;192;gd09b1ad244_0_270:notes"/>
           <p:cNvSpPr/>
           <p:nvPr>
             <p:ph idx="2" type="sldImg"/>
@@ -871,7 +873,7 @@
       </p:sp>
       <p:sp>
         <p:nvSpPr>
-          <p:cNvPr id="189" name="Google Shape;189;gd09b1ad244_0_290:notes"/>
+          <p:cNvPr id="193" name="Google Shape;193;gd09b1ad244_0_270:notes"/>
           <p:cNvSpPr txBox="1"/>
           <p:nvPr>
             <p:ph idx="1" type="body"/>
@@ -921,7 +923,7 @@
   <p:cSld>
     <p:spTree>
       <p:nvGrpSpPr>
-        <p:cNvPr id="194" name="Shape 194"/>
+        <p:cNvPr id="198" name="Shape 198"/>
         <p:cNvGrpSpPr/>
         <p:nvPr/>
       </p:nvGrpSpPr>
@@ -935,7 +937,7 @@
       </p:grpSpPr>
       <p:sp>
         <p:nvSpPr>
-          <p:cNvPr id="195" name="Google Shape;195;gd09b1ad244_0_295:notes"/>
+          <p:cNvPr id="199" name="Google Shape;199;gd09b1ad244_0_260:notes"/>
           <p:cNvSpPr/>
           <p:nvPr>
             <p:ph idx="2" type="sldImg"/>
@@ -970,7 +972,7 @@
       </p:sp>
       <p:sp>
         <p:nvSpPr>
-          <p:cNvPr id="196" name="Google Shape;196;gd09b1ad244_0_295:notes"/>
+          <p:cNvPr id="200" name="Google Shape;200;gd09b1ad244_0_260:notes"/>
           <p:cNvSpPr txBox="1"/>
           <p:nvPr>
             <p:ph idx="1" type="body"/>
@@ -1020,7 +1022,7 @@
   <p:cSld>
     <p:spTree>
       <p:nvGrpSpPr>
-        <p:cNvPr id="200" name="Shape 200"/>
+        <p:cNvPr id="204" name="Shape 204"/>
         <p:cNvGrpSpPr/>
         <p:nvPr/>
       </p:nvGrpSpPr>
@@ -1034,7 +1036,7 @@
       </p:grpSpPr>
       <p:sp>
         <p:nvSpPr>
-          <p:cNvPr id="201" name="Google Shape;201;gd09b1ad244_0_275:notes"/>
+          <p:cNvPr id="205" name="Google Shape;205;gd09b1ad244_0_250:notes"/>
           <p:cNvSpPr/>
           <p:nvPr>
             <p:ph idx="2" type="sldImg"/>
@@ -1069,7 +1071,7 @@
       </p:sp>
       <p:sp>
         <p:nvSpPr>
-          <p:cNvPr id="202" name="Google Shape;202;gd09b1ad244_0_275:notes"/>
+          <p:cNvPr id="206" name="Google Shape;206;gd09b1ad244_0_250:notes"/>
           <p:cNvSpPr txBox="1"/>
           <p:nvPr>
             <p:ph idx="1" type="body"/>
@@ -1119,7 +1121,7 @@
   <p:cSld>
     <p:spTree>
       <p:nvGrpSpPr>
-        <p:cNvPr id="206" name="Shape 206"/>
+        <p:cNvPr id="210" name="Shape 210"/>
         <p:cNvGrpSpPr/>
         <p:nvPr/>
       </p:nvGrpSpPr>
@@ -1133,7 +1135,7 @@
       </p:grpSpPr>
       <p:sp>
         <p:nvSpPr>
-          <p:cNvPr id="207" name="Google Shape;207;gd09b1ad244_0_305:notes"/>
+          <p:cNvPr id="211" name="Google Shape;211;gd09b1ad244_0_280:notes"/>
           <p:cNvSpPr/>
           <p:nvPr>
             <p:ph idx="2" type="sldImg"/>
@@ -1168,7 +1170,7 @@
       </p:sp>
       <p:sp>
         <p:nvSpPr>
-          <p:cNvPr id="208" name="Google Shape;208;gd09b1ad244_0_305:notes"/>
+          <p:cNvPr id="212" name="Google Shape;212;gd09b1ad244_0_280:notes"/>
           <p:cNvSpPr txBox="1"/>
           <p:nvPr>
             <p:ph idx="1" type="body"/>
@@ -1218,7 +1220,7 @@
   <p:cSld>
     <p:spTree>
       <p:nvGrpSpPr>
-        <p:cNvPr id="212" name="Shape 212"/>
+        <p:cNvPr id="216" name="Shape 216"/>
         <p:cNvGrpSpPr/>
         <p:nvPr/>
       </p:nvGrpSpPr>
@@ -1232,7 +1234,7 @@
       </p:grpSpPr>
       <p:sp>
         <p:nvSpPr>
-          <p:cNvPr id="213" name="Google Shape;213;gd09b1ad244_0_310:notes"/>
+          <p:cNvPr id="217" name="Google Shape;217;gd09b1ad244_2_0:notes"/>
           <p:cNvSpPr/>
           <p:nvPr>
             <p:ph idx="2" type="sldImg"/>
@@ -1267,7 +1269,7 @@
       </p:sp>
       <p:sp>
         <p:nvSpPr>
-          <p:cNvPr id="214" name="Google Shape;214;gd09b1ad244_0_310:notes"/>
+          <p:cNvPr id="218" name="Google Shape;218;gd09b1ad244_2_0:notes"/>
           <p:cNvSpPr txBox="1"/>
           <p:nvPr>
             <p:ph idx="1" type="body"/>
@@ -1317,7 +1319,7 @@
   <p:cSld>
     <p:spTree>
       <p:nvGrpSpPr>
-        <p:cNvPr id="220" name="Shape 220"/>
+        <p:cNvPr id="222" name="Shape 222"/>
         <p:cNvGrpSpPr/>
         <p:nvPr/>
       </p:nvGrpSpPr>
@@ -1331,7 +1333,7 @@
       </p:grpSpPr>
       <p:sp>
         <p:nvSpPr>
-          <p:cNvPr id="221" name="Google Shape;221;gd09b1ad244_0_320:notes"/>
+          <p:cNvPr id="223" name="Google Shape;223;gd09b1ad244_0_285:notes"/>
           <p:cNvSpPr/>
           <p:nvPr>
             <p:ph idx="2" type="sldImg"/>
@@ -1366,7 +1368,7 @@
       </p:sp>
       <p:sp>
         <p:nvSpPr>
-          <p:cNvPr id="222" name="Google Shape;222;gd09b1ad244_0_320:notes"/>
+          <p:cNvPr id="224" name="Google Shape;224;gd09b1ad244_0_285:notes"/>
           <p:cNvSpPr txBox="1"/>
           <p:nvPr>
             <p:ph idx="1" type="body"/>
@@ -1416,7 +1418,7 @@
   <p:cSld>
     <p:spTree>
       <p:nvGrpSpPr>
-        <p:cNvPr id="226" name="Shape 226"/>
+        <p:cNvPr id="228" name="Shape 228"/>
         <p:cNvGrpSpPr/>
         <p:nvPr/>
       </p:nvGrpSpPr>
@@ -1430,7 +1432,7 @@
       </p:grpSpPr>
       <p:sp>
         <p:nvSpPr>
-          <p:cNvPr id="227" name="Google Shape;227;gd09b1ad244_0_315:notes"/>
+          <p:cNvPr id="229" name="Google Shape;229;gd09b1ad244_0_290:notes"/>
           <p:cNvSpPr/>
           <p:nvPr>
             <p:ph idx="2" type="sldImg"/>
@@ -1465,7 +1467,7 @@
       </p:sp>
       <p:sp>
         <p:nvSpPr>
-          <p:cNvPr id="228" name="Google Shape;228;gd09b1ad244_0_315:notes"/>
+          <p:cNvPr id="230" name="Google Shape;230;gd09b1ad244_0_290:notes"/>
           <p:cNvSpPr txBox="1"/>
           <p:nvPr>
             <p:ph idx="1" type="body"/>
@@ -1515,7 +1517,7 @@
   <p:cSld>
     <p:spTree>
       <p:nvGrpSpPr>
-        <p:cNvPr id="233" name="Shape 233"/>
+        <p:cNvPr id="235" name="Shape 235"/>
         <p:cNvGrpSpPr/>
         <p:nvPr/>
       </p:nvGrpSpPr>
@@ -1529,7 +1531,7 @@
       </p:grpSpPr>
       <p:sp>
         <p:nvSpPr>
-          <p:cNvPr id="234" name="Google Shape;234;gd09b1ad244_0_300:notes"/>
+          <p:cNvPr id="236" name="Google Shape;236;gd09b1ad244_0_295:notes"/>
           <p:cNvSpPr/>
           <p:nvPr>
             <p:ph idx="2" type="sldImg"/>
@@ -1564,7 +1566,7 @@
       </p:sp>
       <p:sp>
         <p:nvSpPr>
-          <p:cNvPr id="235" name="Google Shape;235;gd09b1ad244_0_300:notes"/>
+          <p:cNvPr id="237" name="Google Shape;237;gd09b1ad244_0_295:notes"/>
           <p:cNvSpPr txBox="1"/>
           <p:nvPr>
             <p:ph idx="1" type="body"/>
@@ -1609,12 +1611,12 @@
 </p:notes>
 </file>
 
-<file path=ppt/notesSlides/notesSlide2.xml><?xml version="1.0" encoding="utf-8"?>
+<file path=ppt/notesSlides/notesSlide18.xml><?xml version="1.0" encoding="utf-8"?>
 <p:notes xmlns:a="http://schemas.openxmlformats.org/drawingml/2006/main" xmlns:r="http://schemas.openxmlformats.org/officeDocument/2006/relationships" xmlns:mc="http://schemas.openxmlformats.org/markup-compatibility/2006" xmlns:mv="urn:schemas-microsoft-com:mac:vml" xmlns:p="http://schemas.openxmlformats.org/presentationml/2006/main" xmlns:c="http://schemas.openxmlformats.org/drawingml/2006/chart" xmlns:dgm="http://schemas.openxmlformats.org/drawingml/2006/diagram" xmlns:o="urn:schemas-microsoft-com:office:office" xmlns:v="urn:schemas-microsoft-com:vml" xmlns:pvml="urn:schemas-microsoft-com:office:powerpoint" xmlns:com="http://schemas.openxmlformats.org/drawingml/2006/compatibility" xmlns:p14="http://schemas.microsoft.com/office/powerpoint/2010/main" xmlns:p15="http://schemas.microsoft.com/office/powerpoint/2012/main" xmlns:ahyp="http://schemas.microsoft.com/office/drawing/2018/hyperlinkcolor" showMasterPhAnim="0" showMasterSp="0">
   <p:cSld>
     <p:spTree>
       <p:nvGrpSpPr>
-        <p:cNvPr id="136" name="Shape 136"/>
+        <p:cNvPr id="241" name="Shape 241"/>
         <p:cNvGrpSpPr/>
         <p:nvPr/>
       </p:nvGrpSpPr>
@@ -1628,7 +1630,7 @@
       </p:grpSpPr>
       <p:sp>
         <p:nvSpPr>
-          <p:cNvPr id="137" name="Google Shape;137;gd09b1ad244_0_265:notes"/>
+          <p:cNvPr id="242" name="Google Shape;242;gd09b1ad244_0_275:notes"/>
           <p:cNvSpPr/>
           <p:nvPr>
             <p:ph idx="2" type="sldImg"/>
@@ -1663,7 +1665,7 @@
       </p:sp>
       <p:sp>
         <p:nvSpPr>
-          <p:cNvPr id="138" name="Google Shape;138;gd09b1ad244_0_265:notes"/>
+          <p:cNvPr id="243" name="Google Shape;243;gd09b1ad244_0_275:notes"/>
           <p:cNvSpPr txBox="1"/>
           <p:nvPr>
             <p:ph idx="1" type="body"/>
@@ -1708,12 +1710,12 @@
 </p:notes>
 </file>
 
-<file path=ppt/notesSlides/notesSlide3.xml><?xml version="1.0" encoding="utf-8"?>
+<file path=ppt/notesSlides/notesSlide19.xml><?xml version="1.0" encoding="utf-8"?>
 <p:notes xmlns:a="http://schemas.openxmlformats.org/drawingml/2006/main" xmlns:r="http://schemas.openxmlformats.org/officeDocument/2006/relationships" xmlns:mc="http://schemas.openxmlformats.org/markup-compatibility/2006" xmlns:mv="urn:schemas-microsoft-com:mac:vml" xmlns:p="http://schemas.openxmlformats.org/presentationml/2006/main" xmlns:c="http://schemas.openxmlformats.org/drawingml/2006/chart" xmlns:dgm="http://schemas.openxmlformats.org/drawingml/2006/diagram" xmlns:o="urn:schemas-microsoft-com:office:office" xmlns:v="urn:schemas-microsoft-com:vml" xmlns:pvml="urn:schemas-microsoft-com:office:powerpoint" xmlns:com="http://schemas.openxmlformats.org/drawingml/2006/compatibility" xmlns:p14="http://schemas.microsoft.com/office/powerpoint/2010/main" xmlns:p15="http://schemas.microsoft.com/office/powerpoint/2012/main" xmlns:ahyp="http://schemas.microsoft.com/office/drawing/2018/hyperlinkcolor" showMasterPhAnim="0" showMasterSp="0">
   <p:cSld>
     <p:spTree>
       <p:nvGrpSpPr>
-        <p:cNvPr id="144" name="Shape 144"/>
+        <p:cNvPr id="247" name="Shape 247"/>
         <p:cNvGrpSpPr/>
         <p:nvPr/>
       </p:nvGrpSpPr>
@@ -1727,7 +1729,7 @@
       </p:grpSpPr>
       <p:sp>
         <p:nvSpPr>
-          <p:cNvPr id="145" name="Google Shape;145;gd09b1ad244_0_255:notes"/>
+          <p:cNvPr id="248" name="Google Shape;248;gd09b1ad244_4_10:notes"/>
           <p:cNvSpPr/>
           <p:nvPr>
             <p:ph idx="2" type="sldImg"/>
@@ -1762,7 +1764,7 @@
       </p:sp>
       <p:sp>
         <p:nvSpPr>
-          <p:cNvPr id="146" name="Google Shape;146;gd09b1ad244_0_255:notes"/>
+          <p:cNvPr id="249" name="Google Shape;249;gd09b1ad244_4_10:notes"/>
           <p:cNvSpPr txBox="1"/>
           <p:nvPr>
             <p:ph idx="1" type="body"/>
@@ -1807,12 +1809,12 @@
 </p:notes>
 </file>
 
-<file path=ppt/notesSlides/notesSlide4.xml><?xml version="1.0" encoding="utf-8"?>
+<file path=ppt/notesSlides/notesSlide2.xml><?xml version="1.0" encoding="utf-8"?>
 <p:notes xmlns:a="http://schemas.openxmlformats.org/drawingml/2006/main" xmlns:r="http://schemas.openxmlformats.org/officeDocument/2006/relationships" xmlns:mc="http://schemas.openxmlformats.org/markup-compatibility/2006" xmlns:mv="urn:schemas-microsoft-com:mac:vml" xmlns:p="http://schemas.openxmlformats.org/presentationml/2006/main" xmlns:c="http://schemas.openxmlformats.org/drawingml/2006/chart" xmlns:dgm="http://schemas.openxmlformats.org/drawingml/2006/diagram" xmlns:o="urn:schemas-microsoft-com:office:office" xmlns:v="urn:schemas-microsoft-com:vml" xmlns:pvml="urn:schemas-microsoft-com:office:powerpoint" xmlns:com="http://schemas.openxmlformats.org/drawingml/2006/compatibility" xmlns:p14="http://schemas.microsoft.com/office/powerpoint/2010/main" xmlns:p15="http://schemas.microsoft.com/office/powerpoint/2012/main" xmlns:ahyp="http://schemas.microsoft.com/office/drawing/2018/hyperlinkcolor" showMasterPhAnim="0" showMasterSp="0">
   <p:cSld>
     <p:spTree>
       <p:nvGrpSpPr>
-        <p:cNvPr id="150" name="Shape 150"/>
+        <p:cNvPr id="136" name="Shape 136"/>
         <p:cNvGrpSpPr/>
         <p:nvPr/>
       </p:nvGrpSpPr>
@@ -1826,7 +1828,7 @@
       </p:grpSpPr>
       <p:sp>
         <p:nvSpPr>
-          <p:cNvPr id="151" name="Google Shape;151;gd09b1ad244_0_270:notes"/>
+          <p:cNvPr id="137" name="Google Shape;137;gd09b1ad244_4_5:notes"/>
           <p:cNvSpPr/>
           <p:nvPr>
             <p:ph idx="2" type="sldImg"/>
@@ -1861,7 +1863,7 @@
       </p:sp>
       <p:sp>
         <p:nvSpPr>
-          <p:cNvPr id="152" name="Google Shape;152;gd09b1ad244_0_270:notes"/>
+          <p:cNvPr id="138" name="Google Shape;138;gd09b1ad244_4_5:notes"/>
           <p:cNvSpPr txBox="1"/>
           <p:nvPr>
             <p:ph idx="1" type="body"/>
@@ -1906,12 +1908,12 @@
 </p:notes>
 </file>
 
-<file path=ppt/notesSlides/notesSlide5.xml><?xml version="1.0" encoding="utf-8"?>
+<file path=ppt/notesSlides/notesSlide3.xml><?xml version="1.0" encoding="utf-8"?>
 <p:notes xmlns:a="http://schemas.openxmlformats.org/drawingml/2006/main" xmlns:r="http://schemas.openxmlformats.org/officeDocument/2006/relationships" xmlns:mc="http://schemas.openxmlformats.org/markup-compatibility/2006" xmlns:mv="urn:schemas-microsoft-com:mac:vml" xmlns:p="http://schemas.openxmlformats.org/presentationml/2006/main" xmlns:c="http://schemas.openxmlformats.org/drawingml/2006/chart" xmlns:dgm="http://schemas.openxmlformats.org/drawingml/2006/diagram" xmlns:o="urn:schemas-microsoft-com:office:office" xmlns:v="urn:schemas-microsoft-com:vml" xmlns:pvml="urn:schemas-microsoft-com:office:powerpoint" xmlns:com="http://schemas.openxmlformats.org/drawingml/2006/compatibility" xmlns:p14="http://schemas.microsoft.com/office/powerpoint/2010/main" xmlns:p15="http://schemas.microsoft.com/office/powerpoint/2012/main" xmlns:ahyp="http://schemas.microsoft.com/office/drawing/2018/hyperlinkcolor" showMasterPhAnim="0" showMasterSp="0">
   <p:cSld>
     <p:spTree>
       <p:nvGrpSpPr>
-        <p:cNvPr id="157" name="Shape 157"/>
+        <p:cNvPr id="142" name="Shape 142"/>
         <p:cNvGrpSpPr/>
         <p:nvPr/>
       </p:nvGrpSpPr>
@@ -1925,7 +1927,7 @@
       </p:grpSpPr>
       <p:sp>
         <p:nvSpPr>
-          <p:cNvPr id="158" name="Google Shape;158;gd09b1ad244_0_260:notes"/>
+          <p:cNvPr id="143" name="Google Shape;143;gd09b1ad244_0_305:notes"/>
           <p:cNvSpPr/>
           <p:nvPr>
             <p:ph idx="2" type="sldImg"/>
@@ -1960,7 +1962,7 @@
       </p:sp>
       <p:sp>
         <p:nvSpPr>
-          <p:cNvPr id="159" name="Google Shape;159;gd09b1ad244_0_260:notes"/>
+          <p:cNvPr id="144" name="Google Shape;144;gd09b1ad244_0_305:notes"/>
           <p:cNvSpPr txBox="1"/>
           <p:nvPr>
             <p:ph idx="1" type="body"/>
@@ -2005,12 +2007,12 @@
 </p:notes>
 </file>
 
-<file path=ppt/notesSlides/notesSlide6.xml><?xml version="1.0" encoding="utf-8"?>
+<file path=ppt/notesSlides/notesSlide4.xml><?xml version="1.0" encoding="utf-8"?>
 <p:notes xmlns:a="http://schemas.openxmlformats.org/drawingml/2006/main" xmlns:r="http://schemas.openxmlformats.org/officeDocument/2006/relationships" xmlns:mc="http://schemas.openxmlformats.org/markup-compatibility/2006" xmlns:mv="urn:schemas-microsoft-com:mac:vml" xmlns:p="http://schemas.openxmlformats.org/presentationml/2006/main" xmlns:c="http://schemas.openxmlformats.org/drawingml/2006/chart" xmlns:dgm="http://schemas.openxmlformats.org/drawingml/2006/diagram" xmlns:o="urn:schemas-microsoft-com:office:office" xmlns:v="urn:schemas-microsoft-com:vml" xmlns:pvml="urn:schemas-microsoft-com:office:powerpoint" xmlns:com="http://schemas.openxmlformats.org/drawingml/2006/compatibility" xmlns:p14="http://schemas.microsoft.com/office/powerpoint/2010/main" xmlns:p15="http://schemas.microsoft.com/office/powerpoint/2012/main" xmlns:ahyp="http://schemas.microsoft.com/office/drawing/2018/hyperlinkcolor" showMasterPhAnim="0" showMasterSp="0">
   <p:cSld>
     <p:spTree>
       <p:nvGrpSpPr>
-        <p:cNvPr id="163" name="Shape 163"/>
+        <p:cNvPr id="149" name="Shape 149"/>
         <p:cNvGrpSpPr/>
         <p:nvPr/>
       </p:nvGrpSpPr>
@@ -2024,7 +2026,7 @@
       </p:grpSpPr>
       <p:sp>
         <p:nvSpPr>
-          <p:cNvPr id="164" name="Google Shape;164;gd09b1ad244_0_250:notes"/>
+          <p:cNvPr id="150" name="Google Shape;150;gd09b1ad244_0_310:notes"/>
           <p:cNvSpPr/>
           <p:nvPr>
             <p:ph idx="2" type="sldImg"/>
@@ -2059,7 +2061,7 @@
       </p:sp>
       <p:sp>
         <p:nvSpPr>
-          <p:cNvPr id="165" name="Google Shape;165;gd09b1ad244_0_250:notes"/>
+          <p:cNvPr id="151" name="Google Shape;151;gd09b1ad244_0_310:notes"/>
           <p:cNvSpPr txBox="1"/>
           <p:nvPr>
             <p:ph idx="1" type="body"/>
@@ -2104,12 +2106,12 @@
 </p:notes>
 </file>
 
-<file path=ppt/notesSlides/notesSlide7.xml><?xml version="1.0" encoding="utf-8"?>
+<file path=ppt/notesSlides/notesSlide5.xml><?xml version="1.0" encoding="utf-8"?>
 <p:notes xmlns:a="http://schemas.openxmlformats.org/drawingml/2006/main" xmlns:r="http://schemas.openxmlformats.org/officeDocument/2006/relationships" xmlns:mc="http://schemas.openxmlformats.org/markup-compatibility/2006" xmlns:mv="urn:schemas-microsoft-com:mac:vml" xmlns:p="http://schemas.openxmlformats.org/presentationml/2006/main" xmlns:c="http://schemas.openxmlformats.org/drawingml/2006/chart" xmlns:dgm="http://schemas.openxmlformats.org/drawingml/2006/diagram" xmlns:o="urn:schemas-microsoft-com:office:office" xmlns:v="urn:schemas-microsoft-com:vml" xmlns:pvml="urn:schemas-microsoft-com:office:powerpoint" xmlns:com="http://schemas.openxmlformats.org/drawingml/2006/compatibility" xmlns:p14="http://schemas.microsoft.com/office/powerpoint/2010/main" xmlns:p15="http://schemas.microsoft.com/office/powerpoint/2012/main" xmlns:ahyp="http://schemas.microsoft.com/office/drawing/2018/hyperlinkcolor" showMasterPhAnim="0" showMasterSp="0">
   <p:cSld>
     <p:spTree>
       <p:nvGrpSpPr>
-        <p:cNvPr id="169" name="Shape 169"/>
+        <p:cNvPr id="156" name="Shape 156"/>
         <p:cNvGrpSpPr/>
         <p:nvPr/>
       </p:nvGrpSpPr>
@@ -2123,7 +2125,7 @@
       </p:grpSpPr>
       <p:sp>
         <p:nvSpPr>
-          <p:cNvPr id="170" name="Google Shape;170;gd09b1ad244_0_280:notes"/>
+          <p:cNvPr id="157" name="Google Shape;157;gd09b1ad244_0_315:notes"/>
           <p:cNvSpPr/>
           <p:nvPr>
             <p:ph idx="2" type="sldImg"/>
@@ -2158,7 +2160,7 @@
       </p:sp>
       <p:sp>
         <p:nvSpPr>
-          <p:cNvPr id="171" name="Google Shape;171;gd09b1ad244_0_280:notes"/>
+          <p:cNvPr id="158" name="Google Shape;158;gd09b1ad244_0_315:notes"/>
           <p:cNvSpPr txBox="1"/>
           <p:nvPr>
             <p:ph idx="1" type="body"/>
@@ -2203,12 +2205,12 @@
 </p:notes>
 </file>
 
-<file path=ppt/notesSlides/notesSlide8.xml><?xml version="1.0" encoding="utf-8"?>
+<file path=ppt/notesSlides/notesSlide6.xml><?xml version="1.0" encoding="utf-8"?>
 <p:notes xmlns:a="http://schemas.openxmlformats.org/drawingml/2006/main" xmlns:r="http://schemas.openxmlformats.org/officeDocument/2006/relationships" xmlns:mc="http://schemas.openxmlformats.org/markup-compatibility/2006" xmlns:mv="urn:schemas-microsoft-com:mac:vml" xmlns:p="http://schemas.openxmlformats.org/presentationml/2006/main" xmlns:c="http://schemas.openxmlformats.org/drawingml/2006/chart" xmlns:dgm="http://schemas.openxmlformats.org/drawingml/2006/diagram" xmlns:o="urn:schemas-microsoft-com:office:office" xmlns:v="urn:schemas-microsoft-com:vml" xmlns:pvml="urn:schemas-microsoft-com:office:powerpoint" xmlns:com="http://schemas.openxmlformats.org/drawingml/2006/compatibility" xmlns:p14="http://schemas.microsoft.com/office/powerpoint/2010/main" xmlns:p15="http://schemas.microsoft.com/office/powerpoint/2012/main" xmlns:ahyp="http://schemas.microsoft.com/office/drawing/2018/hyperlinkcolor" showMasterPhAnim="0" showMasterSp="0">
   <p:cSld>
     <p:spTree>
       <p:nvGrpSpPr>
-        <p:cNvPr id="175" name="Shape 175"/>
+        <p:cNvPr id="163" name="Shape 163"/>
         <p:cNvGrpSpPr/>
         <p:nvPr/>
       </p:nvGrpSpPr>
@@ -2222,7 +2224,7 @@
       </p:grpSpPr>
       <p:sp>
         <p:nvSpPr>
-          <p:cNvPr id="176" name="Google Shape;176;gd09b1ad244_2_0:notes"/>
+          <p:cNvPr id="164" name="Google Shape;164;gd09b1ad244_0_320:notes"/>
           <p:cNvSpPr/>
           <p:nvPr>
             <p:ph idx="2" type="sldImg"/>
@@ -2257,7 +2259,7 @@
       </p:sp>
       <p:sp>
         <p:nvSpPr>
-          <p:cNvPr id="177" name="Google Shape;177;gd09b1ad244_2_0:notes"/>
+          <p:cNvPr id="165" name="Google Shape;165;gd09b1ad244_0_320:notes"/>
           <p:cNvSpPr txBox="1"/>
           <p:nvPr>
             <p:ph idx="1" type="body"/>
@@ -2302,12 +2304,12 @@
 </p:notes>
 </file>
 
-<file path=ppt/notesSlides/notesSlide9.xml><?xml version="1.0" encoding="utf-8"?>
+<file path=ppt/notesSlides/notesSlide7.xml><?xml version="1.0" encoding="utf-8"?>
 <p:notes xmlns:a="http://schemas.openxmlformats.org/drawingml/2006/main" xmlns:r="http://schemas.openxmlformats.org/officeDocument/2006/relationships" xmlns:mc="http://schemas.openxmlformats.org/markup-compatibility/2006" xmlns:mv="urn:schemas-microsoft-com:mac:vml" xmlns:p="http://schemas.openxmlformats.org/presentationml/2006/main" xmlns:c="http://schemas.openxmlformats.org/drawingml/2006/chart" xmlns:dgm="http://schemas.openxmlformats.org/drawingml/2006/diagram" xmlns:o="urn:schemas-microsoft-com:office:office" xmlns:v="urn:schemas-microsoft-com:vml" xmlns:pvml="urn:schemas-microsoft-com:office:powerpoint" xmlns:com="http://schemas.openxmlformats.org/drawingml/2006/compatibility" xmlns:p14="http://schemas.microsoft.com/office/powerpoint/2010/main" xmlns:p15="http://schemas.microsoft.com/office/powerpoint/2012/main" xmlns:ahyp="http://schemas.microsoft.com/office/drawing/2018/hyperlinkcolor" showMasterPhAnim="0" showMasterSp="0">
   <p:cSld>
     <p:spTree>
       <p:nvGrpSpPr>
-        <p:cNvPr id="181" name="Shape 181"/>
+        <p:cNvPr id="170" name="Shape 170"/>
         <p:cNvGrpSpPr/>
         <p:nvPr/>
       </p:nvGrpSpPr>
@@ -2321,7 +2323,7 @@
       </p:grpSpPr>
       <p:sp>
         <p:nvSpPr>
-          <p:cNvPr id="182" name="Google Shape;182;gd09b1ad244_0_285:notes"/>
+          <p:cNvPr id="171" name="Google Shape;171;gd09b1ad244_0_300:notes"/>
           <p:cNvSpPr/>
           <p:nvPr>
             <p:ph idx="2" type="sldImg"/>
@@ -2356,7 +2358,205 @@
       </p:sp>
       <p:sp>
         <p:nvSpPr>
-          <p:cNvPr id="183" name="Google Shape;183;gd09b1ad244_0_285:notes"/>
+          <p:cNvPr id="172" name="Google Shape;172;gd09b1ad244_0_300:notes"/>
+          <p:cNvSpPr txBox="1"/>
+          <p:nvPr>
+            <p:ph idx="1" type="body"/>
+          </p:nvPr>
+        </p:nvSpPr>
+        <p:spPr>
+          <a:xfrm>
+            <a:off x="685800" y="4343400"/>
+            <a:ext cx="5486400" cy="4114800"/>
+          </a:xfrm>
+          <a:prstGeom prst="rect">
+            <a:avLst/>
+          </a:prstGeom>
+        </p:spPr>
+        <p:txBody>
+          <a:bodyPr anchorCtr="0" anchor="t" bIns="91425" lIns="91425" spcFirstLastPara="1" rIns="91425" wrap="square" tIns="91425">
+            <a:noAutofit/>
+          </a:bodyPr>
+          <a:lstStyle/>
+          <a:p>
+            <a:pPr indent="0" lvl="0" marL="0" rtl="0" algn="l">
+              <a:spcBef>
+                <a:spcPts val="0"/>
+              </a:spcBef>
+              <a:spcAft>
+                <a:spcPts val="0"/>
+              </a:spcAft>
+              <a:buNone/>
+            </a:pPr>
+            <a:r>
+              <a:t/>
+            </a:r>
+            <a:endParaRPr/>
+          </a:p>
+        </p:txBody>
+      </p:sp>
+    </p:spTree>
+  </p:cSld>
+  <p:clrMapOvr>
+    <a:masterClrMapping/>
+  </p:clrMapOvr>
+</p:notes>
+</file>
+
+<file path=ppt/notesSlides/notesSlide8.xml><?xml version="1.0" encoding="utf-8"?>
+<p:notes xmlns:a="http://schemas.openxmlformats.org/drawingml/2006/main" xmlns:r="http://schemas.openxmlformats.org/officeDocument/2006/relationships" xmlns:mc="http://schemas.openxmlformats.org/markup-compatibility/2006" xmlns:mv="urn:schemas-microsoft-com:mac:vml" xmlns:p="http://schemas.openxmlformats.org/presentationml/2006/main" xmlns:c="http://schemas.openxmlformats.org/drawingml/2006/chart" xmlns:dgm="http://schemas.openxmlformats.org/drawingml/2006/diagram" xmlns:o="urn:schemas-microsoft-com:office:office" xmlns:v="urn:schemas-microsoft-com:vml" xmlns:pvml="urn:schemas-microsoft-com:office:powerpoint" xmlns:com="http://schemas.openxmlformats.org/drawingml/2006/compatibility" xmlns:p14="http://schemas.microsoft.com/office/powerpoint/2010/main" xmlns:p15="http://schemas.microsoft.com/office/powerpoint/2012/main" xmlns:ahyp="http://schemas.microsoft.com/office/drawing/2018/hyperlinkcolor" showMasterPhAnim="0" showMasterSp="0">
+  <p:cSld>
+    <p:spTree>
+      <p:nvGrpSpPr>
+        <p:cNvPr id="177" name="Shape 177"/>
+        <p:cNvGrpSpPr/>
+        <p:nvPr/>
+      </p:nvGrpSpPr>
+      <p:grpSpPr>
+        <a:xfrm>
+          <a:off x="0" y="0"/>
+          <a:ext cx="0" cy="0"/>
+          <a:chOff x="0" y="0"/>
+          <a:chExt cx="0" cy="0"/>
+        </a:xfrm>
+      </p:grpSpPr>
+      <p:sp>
+        <p:nvSpPr>
+          <p:cNvPr id="178" name="Google Shape;178;gd09b1ad244_0_265:notes"/>
+          <p:cNvSpPr/>
+          <p:nvPr>
+            <p:ph idx="2" type="sldImg"/>
+          </p:nvPr>
+        </p:nvSpPr>
+        <p:spPr>
+          <a:xfrm>
+            <a:off x="381300" y="685800"/>
+            <a:ext cx="6096000" cy="3429000"/>
+          </a:xfrm>
+          <a:custGeom>
+            <a:rect b="b" l="l" r="r" t="t"/>
+            <a:pathLst>
+              <a:path extrusionOk="0" h="120000" w="120000">
+                <a:moveTo>
+                  <a:pt x="0" y="0"/>
+                </a:moveTo>
+                <a:lnTo>
+                  <a:pt x="120000" y="0"/>
+                </a:lnTo>
+                <a:lnTo>
+                  <a:pt x="120000" y="120000"/>
+                </a:lnTo>
+                <a:lnTo>
+                  <a:pt x="0" y="120000"/>
+                </a:lnTo>
+                <a:close/>
+              </a:path>
+            </a:pathLst>
+          </a:custGeom>
+        </p:spPr>
+      </p:sp>
+      <p:sp>
+        <p:nvSpPr>
+          <p:cNvPr id="179" name="Google Shape;179;gd09b1ad244_0_265:notes"/>
+          <p:cNvSpPr txBox="1"/>
+          <p:nvPr>
+            <p:ph idx="1" type="body"/>
+          </p:nvPr>
+        </p:nvSpPr>
+        <p:spPr>
+          <a:xfrm>
+            <a:off x="685800" y="4343400"/>
+            <a:ext cx="5486400" cy="4114800"/>
+          </a:xfrm>
+          <a:prstGeom prst="rect">
+            <a:avLst/>
+          </a:prstGeom>
+        </p:spPr>
+        <p:txBody>
+          <a:bodyPr anchorCtr="0" anchor="t" bIns="91425" lIns="91425" spcFirstLastPara="1" rIns="91425" wrap="square" tIns="91425">
+            <a:noAutofit/>
+          </a:bodyPr>
+          <a:lstStyle/>
+          <a:p>
+            <a:pPr indent="0" lvl="0" marL="0" rtl="0" algn="l">
+              <a:spcBef>
+                <a:spcPts val="0"/>
+              </a:spcBef>
+              <a:spcAft>
+                <a:spcPts val="0"/>
+              </a:spcAft>
+              <a:buNone/>
+            </a:pPr>
+            <a:r>
+              <a:t/>
+            </a:r>
+            <a:endParaRPr/>
+          </a:p>
+        </p:txBody>
+      </p:sp>
+    </p:spTree>
+  </p:cSld>
+  <p:clrMapOvr>
+    <a:masterClrMapping/>
+  </p:clrMapOvr>
+</p:notes>
+</file>
+
+<file path=ppt/notesSlides/notesSlide9.xml><?xml version="1.0" encoding="utf-8"?>
+<p:notes xmlns:a="http://schemas.openxmlformats.org/drawingml/2006/main" xmlns:r="http://schemas.openxmlformats.org/officeDocument/2006/relationships" xmlns:mc="http://schemas.openxmlformats.org/markup-compatibility/2006" xmlns:mv="urn:schemas-microsoft-com:mac:vml" xmlns:p="http://schemas.openxmlformats.org/presentationml/2006/main" xmlns:c="http://schemas.openxmlformats.org/drawingml/2006/chart" xmlns:dgm="http://schemas.openxmlformats.org/drawingml/2006/diagram" xmlns:o="urn:schemas-microsoft-com:office:office" xmlns:v="urn:schemas-microsoft-com:vml" xmlns:pvml="urn:schemas-microsoft-com:office:powerpoint" xmlns:com="http://schemas.openxmlformats.org/drawingml/2006/compatibility" xmlns:p14="http://schemas.microsoft.com/office/powerpoint/2010/main" xmlns:p15="http://schemas.microsoft.com/office/powerpoint/2012/main" xmlns:ahyp="http://schemas.microsoft.com/office/drawing/2018/hyperlinkcolor" showMasterPhAnim="0" showMasterSp="0">
+  <p:cSld>
+    <p:spTree>
+      <p:nvGrpSpPr>
+        <p:cNvPr id="185" name="Shape 185"/>
+        <p:cNvGrpSpPr/>
+        <p:nvPr/>
+      </p:nvGrpSpPr>
+      <p:grpSpPr>
+        <a:xfrm>
+          <a:off x="0" y="0"/>
+          <a:ext cx="0" cy="0"/>
+          <a:chOff x="0" y="0"/>
+          <a:chExt cx="0" cy="0"/>
+        </a:xfrm>
+      </p:grpSpPr>
+      <p:sp>
+        <p:nvSpPr>
+          <p:cNvPr id="186" name="Google Shape;186;gd09b1ad244_0_255:notes"/>
+          <p:cNvSpPr/>
+          <p:nvPr>
+            <p:ph idx="2" type="sldImg"/>
+          </p:nvPr>
+        </p:nvSpPr>
+        <p:spPr>
+          <a:xfrm>
+            <a:off x="381300" y="685800"/>
+            <a:ext cx="6096000" cy="3429000"/>
+          </a:xfrm>
+          <a:custGeom>
+            <a:rect b="b" l="l" r="r" t="t"/>
+            <a:pathLst>
+              <a:path extrusionOk="0" h="120000" w="120000">
+                <a:moveTo>
+                  <a:pt x="0" y="0"/>
+                </a:moveTo>
+                <a:lnTo>
+                  <a:pt x="120000" y="0"/>
+                </a:lnTo>
+                <a:lnTo>
+                  <a:pt x="120000" y="120000"/>
+                </a:lnTo>
+                <a:lnTo>
+                  <a:pt x="0" y="120000"/>
+                </a:lnTo>
+                <a:close/>
+              </a:path>
+            </a:pathLst>
+          </a:custGeom>
+        </p:spPr>
+      </p:sp>
+      <p:sp>
+        <p:nvSpPr>
+          <p:cNvPr id="187" name="Google Shape;187;gd09b1ad244_0_255:notes"/>
           <p:cNvSpPr txBox="1"/>
           <p:nvPr>
             <p:ph idx="1" type="body"/>
@@ -10694,7 +10894,7 @@
   <p:cSld>
     <p:spTree>
       <p:nvGrpSpPr>
-        <p:cNvPr id="190" name="Shape 190"/>
+        <p:cNvPr id="194" name="Shape 194"/>
         <p:cNvGrpSpPr/>
         <p:nvPr/>
       </p:nvGrpSpPr>
@@ -10708,7 +10908,7 @@
       </p:grpSpPr>
       <p:sp>
         <p:nvSpPr>
-          <p:cNvPr id="191" name="Google Shape;191;p22"/>
+          <p:cNvPr id="195" name="Google Shape;195;p22"/>
           <p:cNvSpPr txBox="1"/>
           <p:nvPr>
             <p:ph type="title"/>
@@ -10740,7 +10940,7 @@
             </a:pPr>
             <a:r>
               <a:rPr lang="en"/>
-              <a:t>Yggdrasil Server - Completed</a:t>
+              <a:t>Services - Changes</a:t>
             </a:r>
             <a:endParaRPr/>
           </a:p>
@@ -10748,7 +10948,1674 @@
       </p:sp>
       <p:sp>
         <p:nvSpPr>
-          <p:cNvPr id="192" name="Google Shape;192;p22"/>
+          <p:cNvPr id="196" name="Google Shape;196;p22"/>
+          <p:cNvSpPr txBox="1"/>
+          <p:nvPr>
+            <p:ph idx="1" type="body"/>
+          </p:nvPr>
+        </p:nvSpPr>
+        <p:spPr>
+          <a:xfrm>
+            <a:off x="1297500" y="1567550"/>
+            <a:ext cx="7038900" cy="509700"/>
+          </a:xfrm>
+          <a:prstGeom prst="rect">
+            <a:avLst/>
+          </a:prstGeom>
+        </p:spPr>
+        <p:txBody>
+          <a:bodyPr anchorCtr="0" anchor="t" bIns="91425" lIns="91425" spcFirstLastPara="1" rIns="91425" wrap="square" tIns="91425">
+            <a:normAutofit/>
+          </a:bodyPr>
+          <a:lstStyle/>
+          <a:p>
+            <a:pPr indent="-311150" lvl="0" marL="457200" rtl="0" algn="l">
+              <a:spcBef>
+                <a:spcPts val="0"/>
+              </a:spcBef>
+              <a:spcAft>
+                <a:spcPts val="0"/>
+              </a:spcAft>
+              <a:buSzPts val="1300"/>
+              <a:buChar char="●"/>
+            </a:pPr>
+            <a:r>
+              <a:rPr lang="en"/>
+              <a:t>No changes to the services as of yet, there are a couple of challenges to explore.</a:t>
+            </a:r>
+            <a:endParaRPr/>
+          </a:p>
+        </p:txBody>
+      </p:sp>
+      <p:pic>
+        <p:nvPicPr>
+          <p:cNvPr id="197" name="Google Shape;197;p22"/>
+          <p:cNvPicPr preferRelativeResize="0"/>
+          <p:nvPr/>
+        </p:nvPicPr>
+        <p:blipFill>
+          <a:blip r:embed="rId3">
+            <a:alphaModFix/>
+          </a:blip>
+          <a:stretch>
+            <a:fillRect/>
+          </a:stretch>
+        </p:blipFill>
+        <p:spPr>
+          <a:xfrm>
+            <a:off x="4197275" y="2187125"/>
+            <a:ext cx="4772025" cy="2581275"/>
+          </a:xfrm>
+          <a:prstGeom prst="rect">
+            <a:avLst/>
+          </a:prstGeom>
+          <a:noFill/>
+          <a:ln>
+            <a:noFill/>
+          </a:ln>
+        </p:spPr>
+      </p:pic>
+    </p:spTree>
+  </p:cSld>
+  <p:clrMapOvr>
+    <a:masterClrMapping/>
+  </p:clrMapOvr>
+</p:sld>
+</file>
+
+<file path=ppt/slides/slide11.xml><?xml version="1.0" encoding="utf-8"?>
+<p:sld xmlns:a="http://schemas.openxmlformats.org/drawingml/2006/main" xmlns:r="http://schemas.openxmlformats.org/officeDocument/2006/relationships" xmlns:mc="http://schemas.openxmlformats.org/markup-compatibility/2006" xmlns:mv="urn:schemas-microsoft-com:mac:vml" xmlns:p="http://schemas.openxmlformats.org/presentationml/2006/main" xmlns:c="http://schemas.openxmlformats.org/drawingml/2006/chart" xmlns:dgm="http://schemas.openxmlformats.org/drawingml/2006/diagram" xmlns:o="urn:schemas-microsoft-com:office:office" xmlns:v="urn:schemas-microsoft-com:vml" xmlns:pvml="urn:schemas-microsoft-com:office:powerpoint" xmlns:com="http://schemas.openxmlformats.org/drawingml/2006/compatibility" xmlns:p14="http://schemas.microsoft.com/office/powerpoint/2010/main" xmlns:p15="http://schemas.microsoft.com/office/powerpoint/2012/main" xmlns:ahyp="http://schemas.microsoft.com/office/drawing/2018/hyperlinkcolor">
+  <p:cSld>
+    <p:spTree>
+      <p:nvGrpSpPr>
+        <p:cNvPr id="201" name="Shape 201"/>
+        <p:cNvGrpSpPr/>
+        <p:nvPr/>
+      </p:nvGrpSpPr>
+      <p:grpSpPr>
+        <a:xfrm>
+          <a:off x="0" y="0"/>
+          <a:ext cx="0" cy="0"/>
+          <a:chOff x="0" y="0"/>
+          <a:chExt cx="0" cy="0"/>
+        </a:xfrm>
+      </p:grpSpPr>
+      <p:sp>
+        <p:nvSpPr>
+          <p:cNvPr id="202" name="Google Shape;202;p23"/>
+          <p:cNvSpPr txBox="1"/>
+          <p:nvPr>
+            <p:ph type="title"/>
+          </p:nvPr>
+        </p:nvSpPr>
+        <p:spPr>
+          <a:xfrm>
+            <a:off x="1297500" y="393750"/>
+            <a:ext cx="7038900" cy="914100"/>
+          </a:xfrm>
+          <a:prstGeom prst="rect">
+            <a:avLst/>
+          </a:prstGeom>
+        </p:spPr>
+        <p:txBody>
+          <a:bodyPr anchorCtr="0" anchor="t" bIns="91425" lIns="91425" spcFirstLastPara="1" rIns="91425" wrap="square" tIns="91425">
+            <a:normAutofit/>
+          </a:bodyPr>
+          <a:lstStyle/>
+          <a:p>
+            <a:pPr indent="0" lvl="0" marL="0" rtl="0" algn="l">
+              <a:spcBef>
+                <a:spcPts val="0"/>
+              </a:spcBef>
+              <a:spcAft>
+                <a:spcPts val="0"/>
+              </a:spcAft>
+              <a:buNone/>
+            </a:pPr>
+            <a:r>
+              <a:rPr lang="en"/>
+              <a:t>Services - In Progress</a:t>
+            </a:r>
+            <a:endParaRPr/>
+          </a:p>
+        </p:txBody>
+      </p:sp>
+      <p:sp>
+        <p:nvSpPr>
+          <p:cNvPr id="203" name="Google Shape;203;p23"/>
+          <p:cNvSpPr txBox="1"/>
+          <p:nvPr>
+            <p:ph idx="1" type="body"/>
+          </p:nvPr>
+        </p:nvSpPr>
+        <p:spPr>
+          <a:xfrm>
+            <a:off x="1297500" y="1567550"/>
+            <a:ext cx="7038900" cy="2911200"/>
+          </a:xfrm>
+          <a:prstGeom prst="rect">
+            <a:avLst/>
+          </a:prstGeom>
+        </p:spPr>
+        <p:txBody>
+          <a:bodyPr anchorCtr="0" anchor="t" bIns="91425" lIns="91425" spcFirstLastPara="1" rIns="91425" wrap="square" tIns="91425">
+            <a:normAutofit/>
+          </a:bodyPr>
+          <a:lstStyle/>
+          <a:p>
+            <a:pPr indent="-311150" lvl="0" marL="457200" rtl="0" algn="l">
+              <a:spcBef>
+                <a:spcPts val="0"/>
+              </a:spcBef>
+              <a:spcAft>
+                <a:spcPts val="0"/>
+              </a:spcAft>
+              <a:buSzPts val="1300"/>
+              <a:buChar char="●"/>
+            </a:pPr>
+            <a:r>
+              <a:rPr lang="en"/>
+              <a:t>Planning service output format not yet implemented</a:t>
+            </a:r>
+            <a:endParaRPr/>
+          </a:p>
+          <a:p>
+            <a:pPr indent="-311150" lvl="0" marL="457200" rtl="0" algn="l">
+              <a:spcBef>
+                <a:spcPts val="0"/>
+              </a:spcBef>
+              <a:spcAft>
+                <a:spcPts val="0"/>
+              </a:spcAft>
+              <a:buSzPts val="1300"/>
+              <a:buChar char="●"/>
+            </a:pPr>
+            <a:r>
+              <a:rPr lang="en"/>
+              <a:t>Need a filter for the CSV file to get only needed data</a:t>
+            </a:r>
+            <a:endParaRPr/>
+          </a:p>
+          <a:p>
+            <a:pPr indent="-311150" lvl="0" marL="457200" rtl="0" algn="l">
+              <a:spcBef>
+                <a:spcPts val="0"/>
+              </a:spcBef>
+              <a:spcAft>
+                <a:spcPts val="0"/>
+              </a:spcAft>
+              <a:buSzPts val="1300"/>
+              <a:buChar char="●"/>
+            </a:pPr>
+            <a:r>
+              <a:rPr lang="en"/>
+              <a:t>JSON message formatting for Net Worth service incomplete</a:t>
+            </a:r>
+            <a:endParaRPr/>
+          </a:p>
+          <a:p>
+            <a:pPr indent="-311150" lvl="0" marL="457200" rtl="0" algn="l">
+              <a:spcBef>
+                <a:spcPts val="0"/>
+              </a:spcBef>
+              <a:spcAft>
+                <a:spcPts val="0"/>
+              </a:spcAft>
+              <a:buSzPts val="1300"/>
+              <a:buChar char="●"/>
+            </a:pPr>
+            <a:r>
+              <a:rPr lang="en"/>
+              <a:t>Each service needs to be containerized for Docker</a:t>
+            </a:r>
+            <a:endParaRPr/>
+          </a:p>
+        </p:txBody>
+      </p:sp>
+    </p:spTree>
+  </p:cSld>
+  <p:clrMapOvr>
+    <a:masterClrMapping/>
+  </p:clrMapOvr>
+</p:sld>
+</file>
+
+<file path=ppt/slides/slide12.xml><?xml version="1.0" encoding="utf-8"?>
+<p:sld xmlns:a="http://schemas.openxmlformats.org/drawingml/2006/main" xmlns:r="http://schemas.openxmlformats.org/officeDocument/2006/relationships" xmlns:mc="http://schemas.openxmlformats.org/markup-compatibility/2006" xmlns:mv="urn:schemas-microsoft-com:mac:vml" xmlns:p="http://schemas.openxmlformats.org/presentationml/2006/main" xmlns:c="http://schemas.openxmlformats.org/drawingml/2006/chart" xmlns:dgm="http://schemas.openxmlformats.org/drawingml/2006/diagram" xmlns:o="urn:schemas-microsoft-com:office:office" xmlns:v="urn:schemas-microsoft-com:vml" xmlns:pvml="urn:schemas-microsoft-com:office:powerpoint" xmlns:com="http://schemas.openxmlformats.org/drawingml/2006/compatibility" xmlns:p14="http://schemas.microsoft.com/office/powerpoint/2010/main" xmlns:p15="http://schemas.microsoft.com/office/powerpoint/2012/main" xmlns:ahyp="http://schemas.microsoft.com/office/drawing/2018/hyperlinkcolor">
+  <p:cSld>
+    <p:spTree>
+      <p:nvGrpSpPr>
+        <p:cNvPr id="207" name="Shape 207"/>
+        <p:cNvGrpSpPr/>
+        <p:nvPr/>
+      </p:nvGrpSpPr>
+      <p:grpSpPr>
+        <a:xfrm>
+          <a:off x="0" y="0"/>
+          <a:ext cx="0" cy="0"/>
+          <a:chOff x="0" y="0"/>
+          <a:chExt cx="0" cy="0"/>
+        </a:xfrm>
+      </p:grpSpPr>
+      <p:sp>
+        <p:nvSpPr>
+          <p:cNvPr id="208" name="Google Shape;208;p24"/>
+          <p:cNvSpPr txBox="1"/>
+          <p:nvPr>
+            <p:ph type="title"/>
+          </p:nvPr>
+        </p:nvSpPr>
+        <p:spPr>
+          <a:xfrm>
+            <a:off x="1297500" y="393750"/>
+            <a:ext cx="7038900" cy="914100"/>
+          </a:xfrm>
+          <a:prstGeom prst="rect">
+            <a:avLst/>
+          </a:prstGeom>
+        </p:spPr>
+        <p:txBody>
+          <a:bodyPr anchorCtr="0" anchor="t" bIns="91425" lIns="91425" spcFirstLastPara="1" rIns="91425" wrap="square" tIns="91425">
+            <a:normAutofit/>
+          </a:bodyPr>
+          <a:lstStyle/>
+          <a:p>
+            <a:pPr indent="0" lvl="0" marL="0" rtl="0" algn="l">
+              <a:spcBef>
+                <a:spcPts val="0"/>
+              </a:spcBef>
+              <a:spcAft>
+                <a:spcPts val="0"/>
+              </a:spcAft>
+              <a:buNone/>
+            </a:pPr>
+            <a:r>
+              <a:rPr lang="en"/>
+              <a:t>Services - Potential Issues</a:t>
+            </a:r>
+            <a:endParaRPr/>
+          </a:p>
+        </p:txBody>
+      </p:sp>
+      <p:sp>
+        <p:nvSpPr>
+          <p:cNvPr id="209" name="Google Shape;209;p24"/>
+          <p:cNvSpPr txBox="1"/>
+          <p:nvPr>
+            <p:ph idx="1" type="body"/>
+          </p:nvPr>
+        </p:nvSpPr>
+        <p:spPr>
+          <a:xfrm>
+            <a:off x="1297650" y="1398225"/>
+            <a:ext cx="7038900" cy="3080400"/>
+          </a:xfrm>
+          <a:prstGeom prst="rect">
+            <a:avLst/>
+          </a:prstGeom>
+        </p:spPr>
+        <p:txBody>
+          <a:bodyPr anchorCtr="0" anchor="t" bIns="91425" lIns="91425" spcFirstLastPara="1" rIns="91425" wrap="square" tIns="91425">
+            <a:normAutofit/>
+          </a:bodyPr>
+          <a:lstStyle/>
+          <a:p>
+            <a:pPr indent="-311150" lvl="0" marL="457200" rtl="0" algn="l">
+              <a:spcBef>
+                <a:spcPts val="0"/>
+              </a:spcBef>
+              <a:spcAft>
+                <a:spcPts val="0"/>
+              </a:spcAft>
+              <a:buSzPts val="1300"/>
+              <a:buChar char="●"/>
+            </a:pPr>
+            <a:r>
+              <a:rPr lang="en"/>
+              <a:t>It will be a challenge to figure out how to filter out unnecessary data from the CSV files</a:t>
+            </a:r>
+            <a:endParaRPr/>
+          </a:p>
+          <a:p>
+            <a:pPr indent="-311150" lvl="0" marL="457200" rtl="0" algn="l">
+              <a:spcBef>
+                <a:spcPts val="0"/>
+              </a:spcBef>
+              <a:spcAft>
+                <a:spcPts val="0"/>
+              </a:spcAft>
+              <a:buSzPts val="1300"/>
+              <a:buChar char="●"/>
+            </a:pPr>
+            <a:r>
+              <a:rPr lang="en"/>
+              <a:t>One possible </a:t>
+            </a:r>
+            <a:r>
+              <a:rPr lang="en"/>
+              <a:t>solution</a:t>
+            </a:r>
+            <a:r>
+              <a:rPr lang="en"/>
+              <a:t> would be to configure the CSV parsing to fit a specific format directly related to a specific financial </a:t>
+            </a:r>
+            <a:r>
+              <a:rPr lang="en"/>
+              <a:t>institution</a:t>
+            </a:r>
+            <a:endParaRPr/>
+          </a:p>
+          <a:p>
+            <a:pPr indent="-292100" lvl="1" marL="914400" rtl="0" algn="l">
+              <a:lnSpc>
+                <a:spcPct val="135714"/>
+              </a:lnSpc>
+              <a:spcBef>
+                <a:spcPts val="0"/>
+              </a:spcBef>
+              <a:spcAft>
+                <a:spcPts val="0"/>
+              </a:spcAft>
+              <a:buClr>
+                <a:srgbClr val="000000"/>
+              </a:buClr>
+              <a:buSzPts val="1000"/>
+              <a:buFont typeface="Arial"/>
+              <a:buChar char="○"/>
+            </a:pPr>
+            <a:r>
+              <a:t/>
+            </a:r>
+            <a:endParaRPr b="1" sz="1050">
+              <a:solidFill>
+                <a:srgbClr val="6A9955"/>
+              </a:solidFill>
+              <a:latin typeface="Courier New"/>
+              <a:ea typeface="Courier New"/>
+              <a:cs typeface="Courier New"/>
+              <a:sym typeface="Courier New"/>
+            </a:endParaRPr>
+          </a:p>
+          <a:p>
+            <a:pPr indent="0" lvl="0" marL="914400" rtl="0" algn="l">
+              <a:lnSpc>
+                <a:spcPct val="135714"/>
+              </a:lnSpc>
+              <a:spcBef>
+                <a:spcPts val="1000"/>
+              </a:spcBef>
+              <a:spcAft>
+                <a:spcPts val="0"/>
+              </a:spcAft>
+              <a:buNone/>
+            </a:pPr>
+            <a:r>
+              <a:rPr b="1" lang="en" sz="1050">
+                <a:solidFill>
+                  <a:srgbClr val="6A9955"/>
+                </a:solidFill>
+                <a:latin typeface="Courier New"/>
+                <a:ea typeface="Courier New"/>
+                <a:cs typeface="Courier New"/>
+                <a:sym typeface="Courier New"/>
+              </a:rPr>
+              <a:t>// set fields</a:t>
+            </a:r>
+            <a:endParaRPr b="1" sz="1050">
+              <a:solidFill>
+                <a:srgbClr val="6A9955"/>
+              </a:solidFill>
+              <a:latin typeface="Courier New"/>
+              <a:ea typeface="Courier New"/>
+              <a:cs typeface="Courier New"/>
+              <a:sym typeface="Courier New"/>
+            </a:endParaRPr>
+          </a:p>
+          <a:p>
+            <a:pPr indent="-292100" lvl="1" marL="914400" rtl="0" algn="l">
+              <a:lnSpc>
+                <a:spcPct val="135714"/>
+              </a:lnSpc>
+              <a:spcBef>
+                <a:spcPts val="1000"/>
+              </a:spcBef>
+              <a:spcAft>
+                <a:spcPts val="0"/>
+              </a:spcAft>
+              <a:buClr>
+                <a:srgbClr val="000000"/>
+              </a:buClr>
+              <a:buSzPts val="1000"/>
+              <a:buFont typeface="Arial"/>
+              <a:buChar char="○"/>
+            </a:pPr>
+            <a:r>
+              <a:rPr b="1" lang="en" sz="1050">
+                <a:solidFill>
+                  <a:srgbClr val="D4D4D4"/>
+                </a:solidFill>
+                <a:latin typeface="Courier New"/>
+                <a:ea typeface="Courier New"/>
+                <a:cs typeface="Courier New"/>
+                <a:sym typeface="Courier New"/>
+              </a:rPr>
+              <a:t>   </a:t>
+            </a:r>
+            <a:r>
+              <a:rPr b="1" lang="en" sz="1050">
+                <a:solidFill>
+                  <a:srgbClr val="C8C8C8"/>
+                </a:solidFill>
+                <a:latin typeface="Courier New"/>
+                <a:ea typeface="Courier New"/>
+                <a:cs typeface="Courier New"/>
+                <a:sym typeface="Courier New"/>
+              </a:rPr>
+              <a:t>hasHeaders</a:t>
+            </a:r>
+            <a:r>
+              <a:rPr b="1" lang="en" sz="1050">
+                <a:solidFill>
+                  <a:srgbClr val="D4D4D4"/>
+                </a:solidFill>
+                <a:latin typeface="Courier New"/>
+                <a:ea typeface="Courier New"/>
+                <a:cs typeface="Courier New"/>
+                <a:sym typeface="Courier New"/>
+              </a:rPr>
+              <a:t>: </a:t>
+            </a:r>
+            <a:r>
+              <a:rPr b="1" lang="en" sz="1050">
+                <a:solidFill>
+                  <a:srgbClr val="9CDCFE"/>
+                </a:solidFill>
+                <a:latin typeface="Courier New"/>
+                <a:ea typeface="Courier New"/>
+                <a:cs typeface="Courier New"/>
+                <a:sym typeface="Courier New"/>
+              </a:rPr>
+              <a:t>boolean</a:t>
+            </a:r>
+            <a:endParaRPr b="1" sz="1050">
+              <a:solidFill>
+                <a:srgbClr val="9CDCFE"/>
+              </a:solidFill>
+              <a:latin typeface="Courier New"/>
+              <a:ea typeface="Courier New"/>
+              <a:cs typeface="Courier New"/>
+              <a:sym typeface="Courier New"/>
+            </a:endParaRPr>
+          </a:p>
+          <a:p>
+            <a:pPr indent="-292100" lvl="1" marL="914400" rtl="0" algn="l">
+              <a:lnSpc>
+                <a:spcPct val="135714"/>
+              </a:lnSpc>
+              <a:spcBef>
+                <a:spcPts val="0"/>
+              </a:spcBef>
+              <a:spcAft>
+                <a:spcPts val="0"/>
+              </a:spcAft>
+              <a:buClr>
+                <a:srgbClr val="000000"/>
+              </a:buClr>
+              <a:buSzPts val="1000"/>
+              <a:buFont typeface="Arial"/>
+              <a:buChar char="○"/>
+            </a:pPr>
+            <a:r>
+              <a:rPr b="1" lang="en" sz="1050">
+                <a:solidFill>
+                  <a:srgbClr val="D4D4D4"/>
+                </a:solidFill>
+                <a:latin typeface="Courier New"/>
+                <a:ea typeface="Courier New"/>
+                <a:cs typeface="Courier New"/>
+                <a:sym typeface="Courier New"/>
+              </a:rPr>
+              <a:t>   </a:t>
+            </a:r>
+            <a:r>
+              <a:rPr b="1" lang="en" sz="1050">
+                <a:solidFill>
+                  <a:srgbClr val="C8C8C8"/>
+                </a:solidFill>
+                <a:latin typeface="Courier New"/>
+                <a:ea typeface="Courier New"/>
+                <a:cs typeface="Courier New"/>
+                <a:sym typeface="Courier New"/>
+              </a:rPr>
+              <a:t>merchantColumn</a:t>
+            </a:r>
+            <a:r>
+              <a:rPr b="1" lang="en" sz="1050">
+                <a:solidFill>
+                  <a:srgbClr val="D4D4D4"/>
+                </a:solidFill>
+                <a:latin typeface="Courier New"/>
+                <a:ea typeface="Courier New"/>
+                <a:cs typeface="Courier New"/>
+                <a:sym typeface="Courier New"/>
+              </a:rPr>
+              <a:t>: </a:t>
+            </a:r>
+            <a:r>
+              <a:rPr b="1" lang="en" sz="1050">
+                <a:solidFill>
+                  <a:srgbClr val="9CDCFE"/>
+                </a:solidFill>
+                <a:latin typeface="Courier New"/>
+                <a:ea typeface="Courier New"/>
+                <a:cs typeface="Courier New"/>
+                <a:sym typeface="Courier New"/>
+              </a:rPr>
+              <a:t>string</a:t>
+            </a:r>
+            <a:endParaRPr b="1" sz="1050">
+              <a:solidFill>
+                <a:srgbClr val="9CDCFE"/>
+              </a:solidFill>
+              <a:latin typeface="Courier New"/>
+              <a:ea typeface="Courier New"/>
+              <a:cs typeface="Courier New"/>
+              <a:sym typeface="Courier New"/>
+            </a:endParaRPr>
+          </a:p>
+          <a:p>
+            <a:pPr indent="-292100" lvl="1" marL="914400" rtl="0" algn="l">
+              <a:lnSpc>
+                <a:spcPct val="135714"/>
+              </a:lnSpc>
+              <a:spcBef>
+                <a:spcPts val="0"/>
+              </a:spcBef>
+              <a:spcAft>
+                <a:spcPts val="0"/>
+              </a:spcAft>
+              <a:buClr>
+                <a:srgbClr val="000000"/>
+              </a:buClr>
+              <a:buSzPts val="1000"/>
+              <a:buFont typeface="Arial"/>
+              <a:buChar char="○"/>
+            </a:pPr>
+            <a:r>
+              <a:rPr b="1" lang="en" sz="1050">
+                <a:solidFill>
+                  <a:srgbClr val="D4D4D4"/>
+                </a:solidFill>
+                <a:latin typeface="Courier New"/>
+                <a:ea typeface="Courier New"/>
+                <a:cs typeface="Courier New"/>
+                <a:sym typeface="Courier New"/>
+              </a:rPr>
+              <a:t>   </a:t>
+            </a:r>
+            <a:r>
+              <a:rPr b="1" lang="en" sz="1050">
+                <a:solidFill>
+                  <a:srgbClr val="C8C8C8"/>
+                </a:solidFill>
+                <a:latin typeface="Courier New"/>
+                <a:ea typeface="Courier New"/>
+                <a:cs typeface="Courier New"/>
+                <a:sym typeface="Courier New"/>
+              </a:rPr>
+              <a:t>amountColumn</a:t>
+            </a:r>
+            <a:r>
+              <a:rPr b="1" lang="en" sz="1050">
+                <a:solidFill>
+                  <a:srgbClr val="D4D4D4"/>
+                </a:solidFill>
+                <a:latin typeface="Courier New"/>
+                <a:ea typeface="Courier New"/>
+                <a:cs typeface="Courier New"/>
+                <a:sym typeface="Courier New"/>
+              </a:rPr>
+              <a:t>: </a:t>
+            </a:r>
+            <a:r>
+              <a:rPr b="1" lang="en" sz="1050">
+                <a:solidFill>
+                  <a:srgbClr val="9CDCFE"/>
+                </a:solidFill>
+                <a:latin typeface="Courier New"/>
+                <a:ea typeface="Courier New"/>
+                <a:cs typeface="Courier New"/>
+                <a:sym typeface="Courier New"/>
+              </a:rPr>
+              <a:t>string</a:t>
+            </a:r>
+            <a:endParaRPr b="1" sz="1050">
+              <a:solidFill>
+                <a:srgbClr val="9CDCFE"/>
+              </a:solidFill>
+              <a:latin typeface="Courier New"/>
+              <a:ea typeface="Courier New"/>
+              <a:cs typeface="Courier New"/>
+              <a:sym typeface="Courier New"/>
+            </a:endParaRPr>
+          </a:p>
+          <a:p>
+            <a:pPr indent="-292100" lvl="1" marL="914400" rtl="0" algn="l">
+              <a:lnSpc>
+                <a:spcPct val="135714"/>
+              </a:lnSpc>
+              <a:spcBef>
+                <a:spcPts val="0"/>
+              </a:spcBef>
+              <a:spcAft>
+                <a:spcPts val="0"/>
+              </a:spcAft>
+              <a:buClr>
+                <a:srgbClr val="000000"/>
+              </a:buClr>
+              <a:buSzPts val="1000"/>
+              <a:buFont typeface="Arial"/>
+              <a:buChar char="○"/>
+            </a:pPr>
+            <a:r>
+              <a:rPr b="1" lang="en" sz="1050">
+                <a:solidFill>
+                  <a:srgbClr val="D4D4D4"/>
+                </a:solidFill>
+                <a:latin typeface="Courier New"/>
+                <a:ea typeface="Courier New"/>
+                <a:cs typeface="Courier New"/>
+                <a:sym typeface="Courier New"/>
+              </a:rPr>
+              <a:t>   </a:t>
+            </a:r>
+            <a:r>
+              <a:rPr b="1" lang="en" sz="1050">
+                <a:solidFill>
+                  <a:srgbClr val="C8C8C8"/>
+                </a:solidFill>
+                <a:latin typeface="Courier New"/>
+                <a:ea typeface="Courier New"/>
+                <a:cs typeface="Courier New"/>
+                <a:sym typeface="Courier New"/>
+              </a:rPr>
+              <a:t>dateColumn</a:t>
+            </a:r>
+            <a:r>
+              <a:rPr b="1" lang="en" sz="1050">
+                <a:solidFill>
+                  <a:srgbClr val="D4D4D4"/>
+                </a:solidFill>
+                <a:latin typeface="Courier New"/>
+                <a:ea typeface="Courier New"/>
+                <a:cs typeface="Courier New"/>
+                <a:sym typeface="Courier New"/>
+              </a:rPr>
+              <a:t>: </a:t>
+            </a:r>
+            <a:r>
+              <a:rPr b="1" lang="en" sz="1050">
+                <a:solidFill>
+                  <a:srgbClr val="9CDCFE"/>
+                </a:solidFill>
+                <a:latin typeface="Courier New"/>
+                <a:ea typeface="Courier New"/>
+                <a:cs typeface="Courier New"/>
+                <a:sym typeface="Courier New"/>
+              </a:rPr>
+              <a:t>string</a:t>
+            </a:r>
+            <a:endParaRPr b="1" sz="1050">
+              <a:solidFill>
+                <a:srgbClr val="9CDCFE"/>
+              </a:solidFill>
+              <a:latin typeface="Courier New"/>
+              <a:ea typeface="Courier New"/>
+              <a:cs typeface="Courier New"/>
+              <a:sym typeface="Courier New"/>
+            </a:endParaRPr>
+          </a:p>
+          <a:p>
+            <a:pPr indent="-292100" lvl="1" marL="914400" rtl="0" algn="l">
+              <a:lnSpc>
+                <a:spcPct val="135714"/>
+              </a:lnSpc>
+              <a:spcBef>
+                <a:spcPts val="0"/>
+              </a:spcBef>
+              <a:spcAft>
+                <a:spcPts val="0"/>
+              </a:spcAft>
+              <a:buClr>
+                <a:srgbClr val="000000"/>
+              </a:buClr>
+              <a:buSzPts val="1000"/>
+              <a:buFont typeface="Arial"/>
+              <a:buChar char="○"/>
+            </a:pPr>
+            <a:r>
+              <a:rPr b="1" lang="en" sz="1050">
+                <a:solidFill>
+                  <a:srgbClr val="6A9955"/>
+                </a:solidFill>
+                <a:latin typeface="Courier New"/>
+                <a:ea typeface="Courier New"/>
+                <a:cs typeface="Courier New"/>
+                <a:sym typeface="Courier New"/>
+              </a:rPr>
+              <a:t>// appended files</a:t>
+            </a:r>
+            <a:endParaRPr b="1" sz="1050">
+              <a:solidFill>
+                <a:srgbClr val="6A9955"/>
+              </a:solidFill>
+              <a:latin typeface="Courier New"/>
+              <a:ea typeface="Courier New"/>
+              <a:cs typeface="Courier New"/>
+              <a:sym typeface="Courier New"/>
+            </a:endParaRPr>
+          </a:p>
+          <a:p>
+            <a:pPr indent="-292100" lvl="1" marL="914400" rtl="0" algn="l">
+              <a:lnSpc>
+                <a:spcPct val="135714"/>
+              </a:lnSpc>
+              <a:spcBef>
+                <a:spcPts val="0"/>
+              </a:spcBef>
+              <a:spcAft>
+                <a:spcPts val="0"/>
+              </a:spcAft>
+              <a:buClr>
+                <a:srgbClr val="000000"/>
+              </a:buClr>
+              <a:buSzPts val="1000"/>
+              <a:buFont typeface="Arial"/>
+              <a:buChar char="○"/>
+            </a:pPr>
+            <a:r>
+              <a:rPr b="1" lang="en" sz="1050">
+                <a:solidFill>
+                  <a:srgbClr val="D4D4D4"/>
+                </a:solidFill>
+                <a:latin typeface="Courier New"/>
+                <a:ea typeface="Courier New"/>
+                <a:cs typeface="Courier New"/>
+                <a:sym typeface="Courier New"/>
+              </a:rPr>
+              <a:t>   </a:t>
+            </a:r>
+            <a:r>
+              <a:rPr b="1" lang="en" sz="1050">
+                <a:solidFill>
+                  <a:srgbClr val="C8C8C8"/>
+                </a:solidFill>
+                <a:latin typeface="Courier New"/>
+                <a:ea typeface="Courier New"/>
+                <a:cs typeface="Courier New"/>
+                <a:sym typeface="Courier New"/>
+              </a:rPr>
+              <a:t>file</a:t>
+            </a:r>
+            <a:r>
+              <a:rPr b="1" lang="en" sz="1050">
+                <a:solidFill>
+                  <a:srgbClr val="D4D4D4"/>
+                </a:solidFill>
+                <a:latin typeface="Courier New"/>
+                <a:ea typeface="Courier New"/>
+                <a:cs typeface="Courier New"/>
+                <a:sym typeface="Courier New"/>
+              </a:rPr>
+              <a:t>: </a:t>
+            </a:r>
+            <a:r>
+              <a:rPr b="1" lang="en" sz="1050">
+                <a:solidFill>
+                  <a:srgbClr val="9CDCFE"/>
+                </a:solidFill>
+                <a:latin typeface="Courier New"/>
+                <a:ea typeface="Courier New"/>
+                <a:cs typeface="Courier New"/>
+                <a:sym typeface="Courier New"/>
+              </a:rPr>
+              <a:t>file</a:t>
+            </a:r>
+            <a:endParaRPr b="1" sz="1000">
+              <a:solidFill>
+                <a:srgbClr val="000000"/>
+              </a:solidFill>
+              <a:latin typeface="Arial"/>
+              <a:ea typeface="Arial"/>
+              <a:cs typeface="Arial"/>
+              <a:sym typeface="Arial"/>
+            </a:endParaRPr>
+          </a:p>
+          <a:p>
+            <a:pPr indent="-292100" lvl="0" marL="457200" rtl="0" algn="l">
+              <a:lnSpc>
+                <a:spcPct val="114999"/>
+              </a:lnSpc>
+              <a:spcBef>
+                <a:spcPts val="0"/>
+              </a:spcBef>
+              <a:spcAft>
+                <a:spcPts val="0"/>
+              </a:spcAft>
+              <a:buClr>
+                <a:srgbClr val="000000"/>
+              </a:buClr>
+              <a:buSzPts val="1000"/>
+              <a:buFont typeface="Arial"/>
+              <a:buChar char="●"/>
+            </a:pPr>
+            <a:r>
+              <a:rPr b="1" lang="en" sz="1000">
+                <a:solidFill>
+                  <a:srgbClr val="000000"/>
+                </a:solidFill>
+                <a:latin typeface="Arial"/>
+                <a:ea typeface="Arial"/>
+                <a:cs typeface="Arial"/>
+                <a:sym typeface="Arial"/>
+              </a:rPr>
+              <a:t>csv-process-response-msg</a:t>
+            </a:r>
+            <a:endParaRPr/>
+          </a:p>
+        </p:txBody>
+      </p:sp>
+    </p:spTree>
+  </p:cSld>
+  <p:clrMapOvr>
+    <a:masterClrMapping/>
+  </p:clrMapOvr>
+</p:sld>
+</file>
+
+<file path=ppt/slides/slide13.xml><?xml version="1.0" encoding="utf-8"?>
+<p:sld xmlns:a="http://schemas.openxmlformats.org/drawingml/2006/main" xmlns:r="http://schemas.openxmlformats.org/officeDocument/2006/relationships" xmlns:mc="http://schemas.openxmlformats.org/markup-compatibility/2006" xmlns:mv="urn:schemas-microsoft-com:mac:vml" xmlns:p="http://schemas.openxmlformats.org/presentationml/2006/main" xmlns:c="http://schemas.openxmlformats.org/drawingml/2006/chart" xmlns:dgm="http://schemas.openxmlformats.org/drawingml/2006/diagram" xmlns:o="urn:schemas-microsoft-com:office:office" xmlns:v="urn:schemas-microsoft-com:vml" xmlns:pvml="urn:schemas-microsoft-com:office:powerpoint" xmlns:com="http://schemas.openxmlformats.org/drawingml/2006/compatibility" xmlns:p14="http://schemas.microsoft.com/office/powerpoint/2010/main" xmlns:p15="http://schemas.microsoft.com/office/powerpoint/2012/main" xmlns:ahyp="http://schemas.microsoft.com/office/drawing/2018/hyperlinkcolor">
+  <p:cSld>
+    <p:spTree>
+      <p:nvGrpSpPr>
+        <p:cNvPr id="213" name="Shape 213"/>
+        <p:cNvGrpSpPr/>
+        <p:nvPr/>
+      </p:nvGrpSpPr>
+      <p:grpSpPr>
+        <a:xfrm>
+          <a:off x="0" y="0"/>
+          <a:ext cx="0" cy="0"/>
+          <a:chOff x="0" y="0"/>
+          <a:chExt cx="0" cy="0"/>
+        </a:xfrm>
+      </p:grpSpPr>
+      <p:sp>
+        <p:nvSpPr>
+          <p:cNvPr id="214" name="Google Shape;214;p25"/>
+          <p:cNvSpPr txBox="1"/>
+          <p:nvPr>
+            <p:ph type="title"/>
+          </p:nvPr>
+        </p:nvSpPr>
+        <p:spPr>
+          <a:xfrm>
+            <a:off x="1297500" y="393750"/>
+            <a:ext cx="7038900" cy="914100"/>
+          </a:xfrm>
+          <a:prstGeom prst="rect">
+            <a:avLst/>
+          </a:prstGeom>
+        </p:spPr>
+        <p:txBody>
+          <a:bodyPr anchorCtr="0" anchor="t" bIns="91425" lIns="91425" spcFirstLastPara="1" rIns="91425" wrap="square" tIns="91425">
+            <a:normAutofit/>
+          </a:bodyPr>
+          <a:lstStyle/>
+          <a:p>
+            <a:pPr indent="0" lvl="0" marL="0" rtl="0" algn="l">
+              <a:spcBef>
+                <a:spcPts val="0"/>
+              </a:spcBef>
+              <a:spcAft>
+                <a:spcPts val="0"/>
+              </a:spcAft>
+              <a:buNone/>
+            </a:pPr>
+            <a:r>
+              <a:rPr lang="en"/>
+              <a:t>Yggdrasil Server - Issues</a:t>
+            </a:r>
+            <a:endParaRPr/>
+          </a:p>
+        </p:txBody>
+      </p:sp>
+      <p:sp>
+        <p:nvSpPr>
+          <p:cNvPr id="215" name="Google Shape;215;p25"/>
+          <p:cNvSpPr txBox="1"/>
+          <p:nvPr>
+            <p:ph idx="1" type="body"/>
+          </p:nvPr>
+        </p:nvSpPr>
+        <p:spPr>
+          <a:xfrm>
+            <a:off x="1297500" y="1567550"/>
+            <a:ext cx="7038900" cy="2911200"/>
+          </a:xfrm>
+          <a:prstGeom prst="rect">
+            <a:avLst/>
+          </a:prstGeom>
+        </p:spPr>
+        <p:txBody>
+          <a:bodyPr anchorCtr="0" anchor="t" bIns="91425" lIns="91425" spcFirstLastPara="1" rIns="91425" wrap="square" tIns="91425">
+            <a:normAutofit/>
+          </a:bodyPr>
+          <a:lstStyle/>
+          <a:p>
+            <a:pPr indent="0" lvl="0" marL="0" rtl="0" algn="l">
+              <a:spcBef>
+                <a:spcPts val="0"/>
+              </a:spcBef>
+              <a:spcAft>
+                <a:spcPts val="0"/>
+              </a:spcAft>
+              <a:buNone/>
+            </a:pPr>
+            <a:r>
+              <a:rPr lang="en"/>
+              <a:t>Host on LAN? Easy and lots of experience with!</a:t>
+            </a:r>
+            <a:endParaRPr/>
+          </a:p>
+          <a:p>
+            <a:pPr indent="0" lvl="0" marL="0" rtl="0" algn="l">
+              <a:spcBef>
+                <a:spcPts val="1200"/>
+              </a:spcBef>
+              <a:spcAft>
+                <a:spcPts val="0"/>
+              </a:spcAft>
+              <a:buNone/>
+            </a:pPr>
+            <a:r>
+              <a:rPr lang="en"/>
+              <a:t>Q. How about opening it to the internet?</a:t>
+            </a:r>
+            <a:endParaRPr/>
+          </a:p>
+          <a:p>
+            <a:pPr indent="-311150" lvl="0" marL="457200" rtl="0" algn="l">
+              <a:spcBef>
+                <a:spcPts val="1200"/>
+              </a:spcBef>
+              <a:spcAft>
+                <a:spcPts val="0"/>
+              </a:spcAft>
+              <a:buSzPts val="1300"/>
+              <a:buAutoNum type="alphaUcPeriod"/>
+            </a:pPr>
+            <a:r>
+              <a:rPr lang="en"/>
+              <a:t>Have fun with that!</a:t>
+            </a:r>
+            <a:endParaRPr/>
+          </a:p>
+          <a:p>
+            <a:pPr indent="0" lvl="0" marL="0" rtl="0" algn="l">
+              <a:spcBef>
+                <a:spcPts val="1200"/>
+              </a:spcBef>
+              <a:spcAft>
+                <a:spcPts val="0"/>
+              </a:spcAft>
+              <a:buNone/>
+            </a:pPr>
+            <a:r>
+              <a:rPr lang="en"/>
+              <a:t>Issues:</a:t>
+            </a:r>
+            <a:endParaRPr/>
+          </a:p>
+          <a:p>
+            <a:pPr indent="-311150" lvl="0" marL="457200" rtl="0" algn="l">
+              <a:spcBef>
+                <a:spcPts val="1200"/>
+              </a:spcBef>
+              <a:spcAft>
+                <a:spcPts val="0"/>
+              </a:spcAft>
+              <a:buSzPts val="1300"/>
+              <a:buChar char="●"/>
+            </a:pPr>
+            <a:r>
+              <a:rPr lang="en"/>
+              <a:t>Port Forwarding</a:t>
+            </a:r>
+            <a:endParaRPr/>
+          </a:p>
+          <a:p>
+            <a:pPr indent="-311150" lvl="0" marL="457200" rtl="0" algn="l">
+              <a:spcBef>
+                <a:spcPts val="0"/>
+              </a:spcBef>
+              <a:spcAft>
+                <a:spcPts val="0"/>
+              </a:spcAft>
+              <a:buSzPts val="1300"/>
+              <a:buChar char="●"/>
+            </a:pPr>
+            <a:r>
+              <a:rPr lang="en"/>
+              <a:t>Domain </a:t>
+            </a:r>
+            <a:r>
+              <a:rPr lang="en"/>
+              <a:t>acquisition</a:t>
+            </a:r>
+            <a:endParaRPr/>
+          </a:p>
+          <a:p>
+            <a:pPr indent="-311150" lvl="0" marL="457200" rtl="0" algn="l">
+              <a:spcBef>
+                <a:spcPts val="0"/>
+              </a:spcBef>
+              <a:spcAft>
+                <a:spcPts val="0"/>
+              </a:spcAft>
+              <a:buSzPts val="1300"/>
+              <a:buChar char="●"/>
+            </a:pPr>
+            <a:r>
+              <a:rPr lang="en"/>
+              <a:t>Static IP Addresses</a:t>
+            </a:r>
+            <a:endParaRPr/>
+          </a:p>
+          <a:p>
+            <a:pPr indent="-311150" lvl="0" marL="457200" rtl="0" algn="l">
+              <a:spcBef>
+                <a:spcPts val="0"/>
+              </a:spcBef>
+              <a:spcAft>
+                <a:spcPts val="0"/>
+              </a:spcAft>
+              <a:buSzPts val="1300"/>
+              <a:buChar char="●"/>
+            </a:pPr>
+            <a:r>
+              <a:rPr lang="en"/>
+              <a:t>Dedicated Public IP Addresses</a:t>
+            </a:r>
+            <a:endParaRPr/>
+          </a:p>
+          <a:p>
+            <a:pPr indent="-311150" lvl="0" marL="457200" rtl="0" algn="l">
+              <a:spcBef>
+                <a:spcPts val="0"/>
+              </a:spcBef>
+              <a:spcAft>
+                <a:spcPts val="0"/>
+              </a:spcAft>
+              <a:buSzPts val="1300"/>
+              <a:buChar char="●"/>
+            </a:pPr>
+            <a:r>
+              <a:rPr lang="en"/>
+              <a:t>A Headache...</a:t>
+            </a:r>
+            <a:endParaRPr/>
+          </a:p>
+        </p:txBody>
+      </p:sp>
+    </p:spTree>
+  </p:cSld>
+  <p:clrMapOvr>
+    <a:masterClrMapping/>
+  </p:clrMapOvr>
+</p:sld>
+</file>
+
+<file path=ppt/slides/slide14.xml><?xml version="1.0" encoding="utf-8"?>
+<p:sld xmlns:a="http://schemas.openxmlformats.org/drawingml/2006/main" xmlns:r="http://schemas.openxmlformats.org/officeDocument/2006/relationships" xmlns:mc="http://schemas.openxmlformats.org/markup-compatibility/2006" xmlns:mv="urn:schemas-microsoft-com:mac:vml" xmlns:p="http://schemas.openxmlformats.org/presentationml/2006/main" xmlns:c="http://schemas.openxmlformats.org/drawingml/2006/chart" xmlns:dgm="http://schemas.openxmlformats.org/drawingml/2006/diagram" xmlns:o="urn:schemas-microsoft-com:office:office" xmlns:v="urn:schemas-microsoft-com:vml" xmlns:pvml="urn:schemas-microsoft-com:office:powerpoint" xmlns:com="http://schemas.openxmlformats.org/drawingml/2006/compatibility" xmlns:p14="http://schemas.microsoft.com/office/powerpoint/2010/main" xmlns:p15="http://schemas.microsoft.com/office/powerpoint/2012/main" xmlns:ahyp="http://schemas.microsoft.com/office/drawing/2018/hyperlinkcolor">
+  <p:cSld>
+    <p:spTree>
+      <p:nvGrpSpPr>
+        <p:cNvPr id="219" name="Shape 219"/>
+        <p:cNvGrpSpPr/>
+        <p:nvPr/>
+      </p:nvGrpSpPr>
+      <p:grpSpPr>
+        <a:xfrm>
+          <a:off x="0" y="0"/>
+          <a:ext cx="0" cy="0"/>
+          <a:chOff x="0" y="0"/>
+          <a:chExt cx="0" cy="0"/>
+        </a:xfrm>
+      </p:grpSpPr>
+      <p:sp>
+        <p:nvSpPr>
+          <p:cNvPr id="220" name="Google Shape;220;p26"/>
+          <p:cNvSpPr txBox="1"/>
+          <p:nvPr>
+            <p:ph type="title"/>
+          </p:nvPr>
+        </p:nvSpPr>
+        <p:spPr>
+          <a:xfrm>
+            <a:off x="1297500" y="393750"/>
+            <a:ext cx="7038900" cy="914100"/>
+          </a:xfrm>
+          <a:prstGeom prst="rect">
+            <a:avLst/>
+          </a:prstGeom>
+        </p:spPr>
+        <p:txBody>
+          <a:bodyPr anchorCtr="0" anchor="t" bIns="91425" lIns="91425" spcFirstLastPara="1" rIns="91425" wrap="square" tIns="91425">
+            <a:normAutofit/>
+          </a:bodyPr>
+          <a:lstStyle/>
+          <a:p>
+            <a:pPr indent="0" lvl="0" marL="0" rtl="0" algn="l">
+              <a:spcBef>
+                <a:spcPts val="0"/>
+              </a:spcBef>
+              <a:spcAft>
+                <a:spcPts val="0"/>
+              </a:spcAft>
+              <a:buNone/>
+            </a:pPr>
+            <a:r>
+              <a:rPr lang="en"/>
+              <a:t>Yggdrasil </a:t>
+            </a:r>
+            <a:r>
+              <a:rPr lang="en"/>
+              <a:t>Server - Issues (cont.)</a:t>
+            </a:r>
+            <a:endParaRPr/>
+          </a:p>
+        </p:txBody>
+      </p:sp>
+      <p:sp>
+        <p:nvSpPr>
+          <p:cNvPr id="221" name="Google Shape;221;p26"/>
+          <p:cNvSpPr txBox="1"/>
+          <p:nvPr>
+            <p:ph idx="1" type="body"/>
+          </p:nvPr>
+        </p:nvSpPr>
+        <p:spPr>
+          <a:xfrm>
+            <a:off x="1297500" y="1567550"/>
+            <a:ext cx="7038900" cy="2911200"/>
+          </a:xfrm>
+          <a:prstGeom prst="rect">
+            <a:avLst/>
+          </a:prstGeom>
+        </p:spPr>
+        <p:txBody>
+          <a:bodyPr anchorCtr="0" anchor="t" bIns="91425" lIns="91425" spcFirstLastPara="1" rIns="91425" wrap="square" tIns="91425">
+            <a:normAutofit/>
+          </a:bodyPr>
+          <a:lstStyle/>
+          <a:p>
+            <a:pPr indent="0" lvl="0" marL="0" rtl="0" algn="l">
+              <a:spcBef>
+                <a:spcPts val="0"/>
+              </a:spcBef>
+              <a:spcAft>
+                <a:spcPts val="0"/>
+              </a:spcAft>
+              <a:buNone/>
+            </a:pPr>
+            <a:r>
+              <a:rPr lang="en"/>
+              <a:t>Q. How about using AWS?</a:t>
+            </a:r>
+            <a:endParaRPr/>
+          </a:p>
+          <a:p>
+            <a:pPr indent="-311150" lvl="0" marL="457200" rtl="0" algn="l">
+              <a:spcBef>
+                <a:spcPts val="1200"/>
+              </a:spcBef>
+              <a:spcAft>
+                <a:spcPts val="0"/>
+              </a:spcAft>
+              <a:buSzPts val="1300"/>
+              <a:buAutoNum type="alphaUcPeriod"/>
+            </a:pPr>
+            <a:r>
+              <a:rPr lang="en"/>
+              <a:t>Issues:</a:t>
+            </a:r>
+            <a:endParaRPr/>
+          </a:p>
+          <a:p>
+            <a:pPr indent="-298450" lvl="0" marL="457200" rtl="0" algn="l">
+              <a:spcBef>
+                <a:spcPts val="0"/>
+              </a:spcBef>
+              <a:spcAft>
+                <a:spcPts val="0"/>
+              </a:spcAft>
+              <a:buSzPts val="1100"/>
+              <a:buChar char="●"/>
+            </a:pPr>
+            <a:r>
+              <a:rPr lang="en" sz="1100"/>
+              <a:t>High Learning Curve</a:t>
+            </a:r>
+            <a:endParaRPr sz="1100"/>
+          </a:p>
+          <a:p>
+            <a:pPr indent="-298450" lvl="0" marL="457200" rtl="0" algn="l">
+              <a:spcBef>
+                <a:spcPts val="0"/>
+              </a:spcBef>
+              <a:spcAft>
+                <a:spcPts val="0"/>
+              </a:spcAft>
+              <a:buSzPts val="1100"/>
+              <a:buChar char="●"/>
+            </a:pPr>
+            <a:r>
+              <a:rPr lang="en" sz="1100"/>
+              <a:t>Pricing is impossible to figure out (free? Or $0.36? Or what?)</a:t>
+            </a:r>
+            <a:endParaRPr sz="1100"/>
+          </a:p>
+          <a:p>
+            <a:pPr indent="-298450" lvl="0" marL="457200" rtl="0" algn="l">
+              <a:spcBef>
+                <a:spcPts val="0"/>
+              </a:spcBef>
+              <a:spcAft>
+                <a:spcPts val="0"/>
+              </a:spcAft>
+              <a:buSzPts val="1100"/>
+              <a:buChar char="●"/>
+            </a:pPr>
+            <a:r>
+              <a:rPr lang="en" sz="1100"/>
+              <a:t>Too many services (you can do the same thing in 5-10 different ways with different costs)</a:t>
+            </a:r>
+            <a:endParaRPr sz="1100"/>
+          </a:p>
+          <a:p>
+            <a:pPr indent="0" lvl="0" marL="0" rtl="0" algn="l">
+              <a:spcBef>
+                <a:spcPts val="1200"/>
+              </a:spcBef>
+              <a:spcAft>
+                <a:spcPts val="0"/>
+              </a:spcAft>
+              <a:buNone/>
+            </a:pPr>
+            <a:r>
+              <a:rPr lang="en" sz="1100"/>
+              <a:t>Q. How about another Hosting Provider?</a:t>
+            </a:r>
+            <a:endParaRPr sz="1100"/>
+          </a:p>
+          <a:p>
+            <a:pPr indent="-298450" lvl="0" marL="457200" rtl="0" algn="l">
+              <a:spcBef>
+                <a:spcPts val="1200"/>
+              </a:spcBef>
+              <a:spcAft>
+                <a:spcPts val="0"/>
+              </a:spcAft>
+              <a:buSzPts val="1100"/>
+              <a:buAutoNum type="alphaUcPeriod"/>
+            </a:pPr>
+            <a:r>
+              <a:rPr lang="en" sz="1100"/>
+              <a:t>Try to find a free VPS, it’s hard and often incredibly limited…</a:t>
+            </a:r>
+            <a:endParaRPr sz="1100"/>
+          </a:p>
+          <a:p>
+            <a:pPr indent="-298450" lvl="1" marL="914400" rtl="0" algn="l">
+              <a:spcBef>
+                <a:spcPts val="0"/>
+              </a:spcBef>
+              <a:spcAft>
+                <a:spcPts val="0"/>
+              </a:spcAft>
+              <a:buSzPts val="1100"/>
+              <a:buAutoNum type="alphaLcPeriod"/>
+            </a:pPr>
+            <a:r>
+              <a:rPr lang="en"/>
+              <a:t>We decided to direct our efforts elsewhere on this front.</a:t>
+            </a:r>
+            <a:endParaRPr sz="1100"/>
+          </a:p>
+        </p:txBody>
+      </p:sp>
+    </p:spTree>
+  </p:cSld>
+  <p:clrMapOvr>
+    <a:masterClrMapping/>
+  </p:clrMapOvr>
+</p:sld>
+</file>
+
+<file path=ppt/slides/slide15.xml><?xml version="1.0" encoding="utf-8"?>
+<p:sld xmlns:a="http://schemas.openxmlformats.org/drawingml/2006/main" xmlns:r="http://schemas.openxmlformats.org/officeDocument/2006/relationships" xmlns:mc="http://schemas.openxmlformats.org/markup-compatibility/2006" xmlns:mv="urn:schemas-microsoft-com:mac:vml" xmlns:p="http://schemas.openxmlformats.org/presentationml/2006/main" xmlns:c="http://schemas.openxmlformats.org/drawingml/2006/chart" xmlns:dgm="http://schemas.openxmlformats.org/drawingml/2006/diagram" xmlns:o="urn:schemas-microsoft-com:office:office" xmlns:v="urn:schemas-microsoft-com:vml" xmlns:pvml="urn:schemas-microsoft-com:office:powerpoint" xmlns:com="http://schemas.openxmlformats.org/drawingml/2006/compatibility" xmlns:p14="http://schemas.microsoft.com/office/powerpoint/2010/main" xmlns:p15="http://schemas.microsoft.com/office/powerpoint/2012/main" xmlns:ahyp="http://schemas.microsoft.com/office/drawing/2018/hyperlinkcolor">
+  <p:cSld>
+    <p:spTree>
+      <p:nvGrpSpPr>
+        <p:cNvPr id="225" name="Shape 225"/>
+        <p:cNvGrpSpPr/>
+        <p:nvPr/>
+      </p:nvGrpSpPr>
+      <p:grpSpPr>
+        <a:xfrm>
+          <a:off x="0" y="0"/>
+          <a:ext cx="0" cy="0"/>
+          <a:chOff x="0" y="0"/>
+          <a:chExt cx="0" cy="0"/>
+        </a:xfrm>
+      </p:grpSpPr>
+      <p:sp>
+        <p:nvSpPr>
+          <p:cNvPr id="226" name="Google Shape;226;p27"/>
+          <p:cNvSpPr txBox="1"/>
+          <p:nvPr>
+            <p:ph type="title"/>
+          </p:nvPr>
+        </p:nvSpPr>
+        <p:spPr>
+          <a:xfrm>
+            <a:off x="1297500" y="393750"/>
+            <a:ext cx="7038900" cy="914100"/>
+          </a:xfrm>
+          <a:prstGeom prst="rect">
+            <a:avLst/>
+          </a:prstGeom>
+        </p:spPr>
+        <p:txBody>
+          <a:bodyPr anchorCtr="0" anchor="t" bIns="91425" lIns="91425" spcFirstLastPara="1" rIns="91425" wrap="square" tIns="91425">
+            <a:normAutofit/>
+          </a:bodyPr>
+          <a:lstStyle/>
+          <a:p>
+            <a:pPr indent="0" lvl="0" marL="0" rtl="0" algn="l">
+              <a:spcBef>
+                <a:spcPts val="0"/>
+              </a:spcBef>
+              <a:spcAft>
+                <a:spcPts val="0"/>
+              </a:spcAft>
+              <a:buNone/>
+            </a:pPr>
+            <a:r>
+              <a:rPr lang="en"/>
+              <a:t>Yggdrasil Server - Solution</a:t>
+            </a:r>
+            <a:endParaRPr/>
+          </a:p>
+        </p:txBody>
+      </p:sp>
+      <p:sp>
+        <p:nvSpPr>
+          <p:cNvPr id="227" name="Google Shape;227;p27"/>
+          <p:cNvSpPr txBox="1"/>
+          <p:nvPr>
+            <p:ph idx="1" type="body"/>
+          </p:nvPr>
+        </p:nvSpPr>
+        <p:spPr>
+          <a:xfrm>
+            <a:off x="1297500" y="1567550"/>
+            <a:ext cx="7038900" cy="2911200"/>
+          </a:xfrm>
+          <a:prstGeom prst="rect">
+            <a:avLst/>
+          </a:prstGeom>
+        </p:spPr>
+        <p:txBody>
+          <a:bodyPr anchorCtr="0" anchor="t" bIns="91425" lIns="91425" spcFirstLastPara="1" rIns="91425" wrap="square" tIns="91425">
+            <a:normAutofit/>
+          </a:bodyPr>
+          <a:lstStyle/>
+          <a:p>
+            <a:pPr indent="0" lvl="0" marL="0" rtl="0" algn="l">
+              <a:spcBef>
+                <a:spcPts val="0"/>
+              </a:spcBef>
+              <a:spcAft>
+                <a:spcPts val="0"/>
+              </a:spcAft>
+              <a:buNone/>
+            </a:pPr>
+            <a:r>
+              <a:rPr lang="en"/>
+              <a:t>The solution?  Tunneling to a proxy!</a:t>
+            </a:r>
+            <a:endParaRPr/>
+          </a:p>
+          <a:p>
+            <a:pPr indent="0" lvl="0" marL="0" rtl="0" algn="l">
+              <a:spcBef>
+                <a:spcPts val="1200"/>
+              </a:spcBef>
+              <a:spcAft>
+                <a:spcPts val="0"/>
+              </a:spcAft>
+              <a:buNone/>
+            </a:pPr>
+            <a:r>
+              <a:rPr lang="en"/>
+              <a:t>Local Tunnel</a:t>
+            </a:r>
+            <a:endParaRPr/>
+          </a:p>
+          <a:p>
+            <a:pPr indent="-311150" lvl="0" marL="457200" rtl="0" algn="l">
+              <a:spcBef>
+                <a:spcPts val="1200"/>
+              </a:spcBef>
+              <a:spcAft>
+                <a:spcPts val="0"/>
+              </a:spcAft>
+              <a:buSzPts val="1300"/>
+              <a:buChar char="●"/>
+            </a:pPr>
+            <a:r>
+              <a:rPr lang="en"/>
+              <a:t>No need to open router ports</a:t>
+            </a:r>
+            <a:endParaRPr/>
+          </a:p>
+          <a:p>
+            <a:pPr indent="-298450" lvl="1" marL="914400" rtl="0" algn="l">
+              <a:spcBef>
+                <a:spcPts val="0"/>
+              </a:spcBef>
+              <a:spcAft>
+                <a:spcPts val="0"/>
+              </a:spcAft>
+              <a:buSzPts val="1100"/>
+              <a:buChar char="○"/>
+            </a:pPr>
+            <a:r>
+              <a:rPr lang="en"/>
+              <a:t>All traffic is wrapped in a TLS tunnel to the proxy server only.</a:t>
+            </a:r>
+            <a:endParaRPr/>
+          </a:p>
+          <a:p>
+            <a:pPr indent="-311150" lvl="0" marL="457200" rtl="0" algn="l">
+              <a:spcBef>
+                <a:spcPts val="0"/>
+              </a:spcBef>
+              <a:spcAft>
+                <a:spcPts val="0"/>
+              </a:spcAft>
+              <a:buSzPts val="1300"/>
+              <a:buChar char="●"/>
+            </a:pPr>
+            <a:r>
+              <a:rPr lang="en"/>
+              <a:t>No need to have a static or dedicated IP</a:t>
+            </a:r>
+            <a:endParaRPr/>
+          </a:p>
+          <a:p>
+            <a:pPr indent="-311150" lvl="0" marL="457200" rtl="0" algn="l">
+              <a:spcBef>
+                <a:spcPts val="0"/>
+              </a:spcBef>
+              <a:spcAft>
+                <a:spcPts val="0"/>
+              </a:spcAft>
+              <a:buSzPts val="1300"/>
+              <a:buChar char="●"/>
+            </a:pPr>
+            <a:r>
+              <a:rPr lang="en"/>
+              <a:t>Free choice of subdomain (3rd level domain) names*</a:t>
+            </a:r>
+            <a:endParaRPr/>
+          </a:p>
+          <a:p>
+            <a:pPr indent="-298450" lvl="1" marL="914400" rtl="0" algn="l">
+              <a:spcBef>
+                <a:spcPts val="0"/>
+              </a:spcBef>
+              <a:spcAft>
+                <a:spcPts val="0"/>
+              </a:spcAft>
+              <a:buSzPts val="1100"/>
+              <a:buChar char="○"/>
+            </a:pPr>
+            <a:r>
+              <a:rPr lang="en"/>
+              <a:t>*assuming they aren’t currently in use.</a:t>
+            </a:r>
+            <a:endParaRPr/>
+          </a:p>
+          <a:p>
+            <a:pPr indent="-311150" lvl="0" marL="457200" rtl="0" algn="l">
+              <a:spcBef>
+                <a:spcPts val="0"/>
+              </a:spcBef>
+              <a:spcAft>
+                <a:spcPts val="0"/>
+              </a:spcAft>
+              <a:buSzPts val="1300"/>
+              <a:buChar char="●"/>
+            </a:pPr>
+            <a:r>
+              <a:rPr lang="en"/>
+              <a:t>Free and Open Source Software (FOSS)!</a:t>
+            </a:r>
+            <a:endParaRPr/>
+          </a:p>
+          <a:p>
+            <a:pPr indent="-311150" lvl="0" marL="457200" rtl="0" algn="l">
+              <a:spcBef>
+                <a:spcPts val="0"/>
+              </a:spcBef>
+              <a:spcAft>
+                <a:spcPts val="0"/>
+              </a:spcAft>
+              <a:buSzPts val="1300"/>
+              <a:buChar char="●"/>
+            </a:pPr>
+            <a:r>
+              <a:rPr lang="en"/>
+              <a:t>Https connection:  </a:t>
+            </a:r>
+            <a:r>
+              <a:rPr lang="en" u="sng">
+                <a:solidFill>
+                  <a:schemeClr val="hlink"/>
+                </a:solidFill>
+                <a:hlinkClick r:id="rId3"/>
+              </a:rPr>
+              <a:t>https://yggfinance.loca.lt</a:t>
+            </a:r>
+            <a:r>
+              <a:rPr lang="en"/>
+              <a:t> </a:t>
+            </a:r>
+            <a:endParaRPr/>
+          </a:p>
+        </p:txBody>
+      </p:sp>
+    </p:spTree>
+  </p:cSld>
+  <p:clrMapOvr>
+    <a:masterClrMapping/>
+  </p:clrMapOvr>
+</p:sld>
+</file>
+
+<file path=ppt/slides/slide16.xml><?xml version="1.0" encoding="utf-8"?>
+<p:sld xmlns:a="http://schemas.openxmlformats.org/drawingml/2006/main" xmlns:r="http://schemas.openxmlformats.org/officeDocument/2006/relationships" xmlns:mc="http://schemas.openxmlformats.org/markup-compatibility/2006" xmlns:mv="urn:schemas-microsoft-com:mac:vml" xmlns:p="http://schemas.openxmlformats.org/presentationml/2006/main" xmlns:c="http://schemas.openxmlformats.org/drawingml/2006/chart" xmlns:dgm="http://schemas.openxmlformats.org/drawingml/2006/diagram" xmlns:o="urn:schemas-microsoft-com:office:office" xmlns:v="urn:schemas-microsoft-com:vml" xmlns:pvml="urn:schemas-microsoft-com:office:powerpoint" xmlns:com="http://schemas.openxmlformats.org/drawingml/2006/compatibility" xmlns:p14="http://schemas.microsoft.com/office/powerpoint/2010/main" xmlns:p15="http://schemas.microsoft.com/office/powerpoint/2012/main" xmlns:ahyp="http://schemas.microsoft.com/office/drawing/2018/hyperlinkcolor">
+  <p:cSld>
+    <p:spTree>
+      <p:nvGrpSpPr>
+        <p:cNvPr id="231" name="Shape 231"/>
+        <p:cNvGrpSpPr/>
+        <p:nvPr/>
+      </p:nvGrpSpPr>
+      <p:grpSpPr>
+        <a:xfrm>
+          <a:off x="0" y="0"/>
+          <a:ext cx="0" cy="0"/>
+          <a:chOff x="0" y="0"/>
+          <a:chExt cx="0" cy="0"/>
+        </a:xfrm>
+      </p:grpSpPr>
+      <p:sp>
+        <p:nvSpPr>
+          <p:cNvPr id="232" name="Google Shape;232;p28"/>
+          <p:cNvSpPr txBox="1"/>
+          <p:nvPr>
+            <p:ph type="title"/>
+          </p:nvPr>
+        </p:nvSpPr>
+        <p:spPr>
+          <a:xfrm>
+            <a:off x="1297500" y="393750"/>
+            <a:ext cx="7038900" cy="914100"/>
+          </a:xfrm>
+          <a:prstGeom prst="rect">
+            <a:avLst/>
+          </a:prstGeom>
+        </p:spPr>
+        <p:txBody>
+          <a:bodyPr anchorCtr="0" anchor="t" bIns="91425" lIns="91425" spcFirstLastPara="1" rIns="91425" wrap="square" tIns="91425">
+            <a:normAutofit/>
+          </a:bodyPr>
+          <a:lstStyle/>
+          <a:p>
+            <a:pPr indent="0" lvl="0" marL="0" rtl="0" algn="l">
+              <a:spcBef>
+                <a:spcPts val="0"/>
+              </a:spcBef>
+              <a:spcAft>
+                <a:spcPts val="0"/>
+              </a:spcAft>
+              <a:buNone/>
+            </a:pPr>
+            <a:r>
+              <a:rPr lang="en"/>
+              <a:t>Yggdrasil Server - Completed</a:t>
+            </a:r>
+            <a:endParaRPr/>
+          </a:p>
+        </p:txBody>
+      </p:sp>
+      <p:sp>
+        <p:nvSpPr>
+          <p:cNvPr id="233" name="Google Shape;233;p28"/>
           <p:cNvSpPr txBox="1"/>
           <p:nvPr>
             <p:ph idx="1" type="body"/>
@@ -11014,7 +12881,7 @@
       </p:sp>
       <p:pic>
         <p:nvPicPr>
-          <p:cNvPr id="193" name="Google Shape;193;p22"/>
+          <p:cNvPr id="234" name="Google Shape;234;p28"/>
           <p:cNvPicPr preferRelativeResize="0"/>
           <p:nvPr/>
         </p:nvPicPr>
@@ -11048,12 +12915,12 @@
 </p:sld>
 </file>
 
-<file path=ppt/slides/slide11.xml><?xml version="1.0" encoding="utf-8"?>
+<file path=ppt/slides/slide17.xml><?xml version="1.0" encoding="utf-8"?>
 <p:sld xmlns:a="http://schemas.openxmlformats.org/drawingml/2006/main" xmlns:r="http://schemas.openxmlformats.org/officeDocument/2006/relationships" xmlns:mc="http://schemas.openxmlformats.org/markup-compatibility/2006" xmlns:mv="urn:schemas-microsoft-com:mac:vml" xmlns:p="http://schemas.openxmlformats.org/presentationml/2006/main" xmlns:c="http://schemas.openxmlformats.org/drawingml/2006/chart" xmlns:dgm="http://schemas.openxmlformats.org/drawingml/2006/diagram" xmlns:o="urn:schemas-microsoft-com:office:office" xmlns:v="urn:schemas-microsoft-com:vml" xmlns:pvml="urn:schemas-microsoft-com:office:powerpoint" xmlns:com="http://schemas.openxmlformats.org/drawingml/2006/compatibility" xmlns:p14="http://schemas.microsoft.com/office/powerpoint/2010/main" xmlns:p15="http://schemas.microsoft.com/office/powerpoint/2012/main" xmlns:ahyp="http://schemas.microsoft.com/office/drawing/2018/hyperlinkcolor">
   <p:cSld>
     <p:spTree>
       <p:nvGrpSpPr>
-        <p:cNvPr id="197" name="Shape 197"/>
+        <p:cNvPr id="238" name="Shape 238"/>
         <p:cNvGrpSpPr/>
         <p:nvPr/>
       </p:nvGrpSpPr>
@@ -11067,7 +12934,7 @@
       </p:grpSpPr>
       <p:sp>
         <p:nvSpPr>
-          <p:cNvPr id="198" name="Google Shape;198;p23"/>
+          <p:cNvPr id="239" name="Google Shape;239;p29"/>
           <p:cNvSpPr txBox="1"/>
           <p:nvPr>
             <p:ph type="title"/>
@@ -11107,7 +12974,7 @@
       </p:sp>
       <p:sp>
         <p:nvSpPr>
-          <p:cNvPr id="199" name="Google Shape;199;p23"/>
+          <p:cNvPr id="240" name="Google Shape;240;p29"/>
           <p:cNvSpPr txBox="1"/>
           <p:nvPr>
             <p:ph idx="1" type="body"/>
@@ -11236,12 +13103,12 @@
 </p:sld>
 </file>
 
-<file path=ppt/slides/slide12.xml><?xml version="1.0" encoding="utf-8"?>
+<file path=ppt/slides/slide18.xml><?xml version="1.0" encoding="utf-8"?>
 <p:sld xmlns:a="http://schemas.openxmlformats.org/drawingml/2006/main" xmlns:r="http://schemas.openxmlformats.org/officeDocument/2006/relationships" xmlns:mc="http://schemas.openxmlformats.org/markup-compatibility/2006" xmlns:mv="urn:schemas-microsoft-com:mac:vml" xmlns:p="http://schemas.openxmlformats.org/presentationml/2006/main" xmlns:c="http://schemas.openxmlformats.org/drawingml/2006/chart" xmlns:dgm="http://schemas.openxmlformats.org/drawingml/2006/diagram" xmlns:o="urn:schemas-microsoft-com:office:office" xmlns:v="urn:schemas-microsoft-com:vml" xmlns:pvml="urn:schemas-microsoft-com:office:powerpoint" xmlns:com="http://schemas.openxmlformats.org/drawingml/2006/compatibility" xmlns:p14="http://schemas.microsoft.com/office/powerpoint/2010/main" xmlns:p15="http://schemas.microsoft.com/office/powerpoint/2012/main" xmlns:ahyp="http://schemas.microsoft.com/office/drawing/2018/hyperlinkcolor">
   <p:cSld>
     <p:spTree>
       <p:nvGrpSpPr>
-        <p:cNvPr id="203" name="Shape 203"/>
+        <p:cNvPr id="244" name="Shape 244"/>
         <p:cNvGrpSpPr/>
         <p:nvPr/>
       </p:nvGrpSpPr>
@@ -11255,7 +13122,7 @@
       </p:grpSpPr>
       <p:sp>
         <p:nvSpPr>
-          <p:cNvPr id="204" name="Google Shape;204;p24"/>
+          <p:cNvPr id="245" name="Google Shape;245;p30"/>
           <p:cNvSpPr txBox="1"/>
           <p:nvPr>
             <p:ph type="title"/>
@@ -11295,7 +13162,283 @@
       </p:sp>
       <p:sp>
         <p:nvSpPr>
-          <p:cNvPr id="205" name="Google Shape;205;p24"/>
+          <p:cNvPr id="246" name="Google Shape;246;p30"/>
+          <p:cNvSpPr txBox="1"/>
+          <p:nvPr>
+            <p:ph idx="1" type="body"/>
+          </p:nvPr>
+        </p:nvSpPr>
+        <p:spPr>
+          <a:xfrm>
+            <a:off x="583975" y="1567550"/>
+            <a:ext cx="7752300" cy="3186600"/>
+          </a:xfrm>
+          <a:prstGeom prst="rect">
+            <a:avLst/>
+          </a:prstGeom>
+        </p:spPr>
+        <p:txBody>
+          <a:bodyPr anchorCtr="0" anchor="t" bIns="91425" lIns="91425" spcFirstLastPara="1" rIns="91425" wrap="square" tIns="91425">
+            <a:normAutofit/>
+          </a:bodyPr>
+          <a:lstStyle/>
+          <a:p>
+            <a:pPr indent="-323850" lvl="0" marL="457200" rtl="0" algn="l">
+              <a:spcBef>
+                <a:spcPts val="0"/>
+              </a:spcBef>
+              <a:spcAft>
+                <a:spcPts val="0"/>
+              </a:spcAft>
+              <a:buSzPts val="1500"/>
+              <a:buChar char="●"/>
+            </a:pPr>
+            <a:r>
+              <a:rPr lang="en" sz="1500"/>
+              <a:t>LocalTunnel likes to crash every once in a while (network instability)</a:t>
+            </a:r>
+            <a:endParaRPr sz="1500"/>
+          </a:p>
+          <a:p>
+            <a:pPr indent="-311150" lvl="1" marL="914400" rtl="0" algn="l">
+              <a:spcBef>
+                <a:spcPts val="0"/>
+              </a:spcBef>
+              <a:spcAft>
+                <a:spcPts val="0"/>
+              </a:spcAft>
+              <a:buSzPts val="1300"/>
+              <a:buChar char="○"/>
+            </a:pPr>
+            <a:r>
+              <a:rPr lang="en" sz="1300"/>
+              <a:t>Solution: localtunnel-restarter ruby gem</a:t>
+            </a:r>
+            <a:endParaRPr sz="1300"/>
+          </a:p>
+          <a:p>
+            <a:pPr indent="-323850" lvl="0" marL="457200" rtl="0" algn="l">
+              <a:spcBef>
+                <a:spcPts val="0"/>
+              </a:spcBef>
+              <a:spcAft>
+                <a:spcPts val="0"/>
+              </a:spcAft>
+              <a:buSzPts val="1500"/>
+              <a:buChar char="●"/>
+            </a:pPr>
+            <a:r>
+              <a:rPr lang="en" sz="1500"/>
+              <a:t>No experience setting up a reverse proxy before</a:t>
+            </a:r>
+            <a:endParaRPr sz="1500"/>
+          </a:p>
+          <a:p>
+            <a:pPr indent="-323850" lvl="0" marL="457200" rtl="0" algn="l">
+              <a:spcBef>
+                <a:spcPts val="0"/>
+              </a:spcBef>
+              <a:spcAft>
+                <a:spcPts val="0"/>
+              </a:spcAft>
+              <a:buSzPts val="1500"/>
+              <a:buChar char="●"/>
+            </a:pPr>
+            <a:r>
+              <a:rPr lang="en" sz="1500"/>
+              <a:t>DoSing/DDoSing?</a:t>
+            </a:r>
+            <a:endParaRPr sz="1500"/>
+          </a:p>
+          <a:p>
+            <a:pPr indent="-311150" lvl="1" marL="914400" rtl="0" algn="l">
+              <a:spcBef>
+                <a:spcPts val="0"/>
+              </a:spcBef>
+              <a:spcAft>
+                <a:spcPts val="0"/>
+              </a:spcAft>
+              <a:buSzPts val="1300"/>
+              <a:buChar char="○"/>
+            </a:pPr>
+            <a:r>
+              <a:rPr lang="en" sz="1300"/>
+              <a:t>Easy to change subdomain name</a:t>
+            </a:r>
+            <a:endParaRPr sz="1300"/>
+          </a:p>
+          <a:p>
+            <a:pPr indent="-311150" lvl="1" marL="914400" rtl="0" algn="l">
+              <a:spcBef>
+                <a:spcPts val="0"/>
+              </a:spcBef>
+              <a:spcAft>
+                <a:spcPts val="0"/>
+              </a:spcAft>
+              <a:buSzPts val="1300"/>
+              <a:buChar char="○"/>
+            </a:pPr>
+            <a:r>
+              <a:rPr lang="en" sz="1300"/>
+              <a:t>Non-tunneled requests directly to the IP dropped.</a:t>
+            </a:r>
+            <a:endParaRPr sz="1300"/>
+          </a:p>
+          <a:p>
+            <a:pPr indent="-323850" lvl="0" marL="457200" rtl="0" algn="l">
+              <a:spcBef>
+                <a:spcPts val="0"/>
+              </a:spcBef>
+              <a:spcAft>
+                <a:spcPts val="0"/>
+              </a:spcAft>
+              <a:buSzPts val="1500"/>
+              <a:buChar char="●"/>
+            </a:pPr>
+            <a:r>
+              <a:rPr lang="en" sz="1500"/>
+              <a:t>Security?</a:t>
+            </a:r>
+            <a:endParaRPr sz="1500"/>
+          </a:p>
+          <a:p>
+            <a:pPr indent="-311150" lvl="1" marL="914400" rtl="0" algn="l">
+              <a:spcBef>
+                <a:spcPts val="0"/>
+              </a:spcBef>
+              <a:spcAft>
+                <a:spcPts val="0"/>
+              </a:spcAft>
+              <a:buSzPts val="1300"/>
+              <a:buChar char="○"/>
+            </a:pPr>
+            <a:r>
+              <a:rPr lang="en" sz="1300"/>
+              <a:t>Low Value Target</a:t>
+            </a:r>
+            <a:endParaRPr sz="1300"/>
+          </a:p>
+          <a:p>
+            <a:pPr indent="-311150" lvl="1" marL="914400" rtl="0" algn="l">
+              <a:spcBef>
+                <a:spcPts val="0"/>
+              </a:spcBef>
+              <a:spcAft>
+                <a:spcPts val="0"/>
+              </a:spcAft>
+              <a:buSzPts val="1300"/>
+              <a:buChar char="○"/>
+            </a:pPr>
+            <a:r>
+              <a:rPr lang="en" sz="1300"/>
+              <a:t>Isolated vLAN</a:t>
+            </a:r>
+            <a:endParaRPr sz="1300"/>
+          </a:p>
+          <a:p>
+            <a:pPr indent="-311150" lvl="1" marL="914400" rtl="0" algn="l">
+              <a:spcBef>
+                <a:spcPts val="0"/>
+              </a:spcBef>
+              <a:spcAft>
+                <a:spcPts val="0"/>
+              </a:spcAft>
+              <a:buSzPts val="1300"/>
+              <a:buChar char="○"/>
+            </a:pPr>
+            <a:r>
+              <a:rPr lang="en" sz="1300"/>
+              <a:t>All requests are effectively over a reverse VPN</a:t>
+            </a:r>
+            <a:endParaRPr sz="1300"/>
+          </a:p>
+          <a:p>
+            <a:pPr indent="-311150" lvl="1" marL="914400" rtl="0" algn="l">
+              <a:spcBef>
+                <a:spcPts val="0"/>
+              </a:spcBef>
+              <a:spcAft>
+                <a:spcPts val="0"/>
+              </a:spcAft>
+              <a:buSzPts val="1300"/>
+              <a:buChar char="○"/>
+            </a:pPr>
+            <a:r>
+              <a:rPr lang="en" sz="1300"/>
+              <a:t>Good enough for a demo</a:t>
+            </a:r>
+            <a:endParaRPr sz="1300"/>
+          </a:p>
+        </p:txBody>
+      </p:sp>
+    </p:spTree>
+  </p:cSld>
+  <p:clrMapOvr>
+    <a:masterClrMapping/>
+  </p:clrMapOvr>
+</p:sld>
+</file>
+
+<file path=ppt/slides/slide19.xml><?xml version="1.0" encoding="utf-8"?>
+<p:sld xmlns:a="http://schemas.openxmlformats.org/drawingml/2006/main" xmlns:r="http://schemas.openxmlformats.org/officeDocument/2006/relationships" xmlns:mc="http://schemas.openxmlformats.org/markup-compatibility/2006" xmlns:mv="urn:schemas-microsoft-com:mac:vml" xmlns:p="http://schemas.openxmlformats.org/presentationml/2006/main" xmlns:c="http://schemas.openxmlformats.org/drawingml/2006/chart" xmlns:dgm="http://schemas.openxmlformats.org/drawingml/2006/diagram" xmlns:o="urn:schemas-microsoft-com:office:office" xmlns:v="urn:schemas-microsoft-com:vml" xmlns:pvml="urn:schemas-microsoft-com:office:powerpoint" xmlns:com="http://schemas.openxmlformats.org/drawingml/2006/compatibility" xmlns:p14="http://schemas.microsoft.com/office/powerpoint/2010/main" xmlns:p15="http://schemas.microsoft.com/office/powerpoint/2012/main" xmlns:ahyp="http://schemas.microsoft.com/office/drawing/2018/hyperlinkcolor">
+  <p:cSld>
+    <p:spTree>
+      <p:nvGrpSpPr>
+        <p:cNvPr id="250" name="Shape 250"/>
+        <p:cNvGrpSpPr/>
+        <p:nvPr/>
+      </p:nvGrpSpPr>
+      <p:grpSpPr>
+        <a:xfrm>
+          <a:off x="0" y="0"/>
+          <a:ext cx="0" cy="0"/>
+          <a:chOff x="0" y="0"/>
+          <a:chExt cx="0" cy="0"/>
+        </a:xfrm>
+      </p:grpSpPr>
+      <p:sp>
+        <p:nvSpPr>
+          <p:cNvPr id="251" name="Google Shape;251;p31"/>
+          <p:cNvSpPr txBox="1"/>
+          <p:nvPr>
+            <p:ph type="title"/>
+          </p:nvPr>
+        </p:nvSpPr>
+        <p:spPr>
+          <a:xfrm>
+            <a:off x="1297500" y="393750"/>
+            <a:ext cx="7038900" cy="914100"/>
+          </a:xfrm>
+          <a:prstGeom prst="rect">
+            <a:avLst/>
+          </a:prstGeom>
+        </p:spPr>
+        <p:txBody>
+          <a:bodyPr anchorCtr="0" anchor="t" bIns="91425" lIns="91425" spcFirstLastPara="1" rIns="91425" wrap="square" tIns="91425">
+            <a:normAutofit/>
+          </a:bodyPr>
+          <a:lstStyle/>
+          <a:p>
+            <a:pPr indent="0" lvl="0" marL="0" rtl="0" algn="l">
+              <a:spcBef>
+                <a:spcPts val="0"/>
+              </a:spcBef>
+              <a:spcAft>
+                <a:spcPts val="0"/>
+              </a:spcAft>
+              <a:buNone/>
+            </a:pPr>
+            <a:r>
+              <a:rPr lang="en"/>
+              <a:t>Summary</a:t>
+            </a:r>
+            <a:endParaRPr/>
+          </a:p>
+        </p:txBody>
+      </p:sp>
+      <p:sp>
+        <p:nvSpPr>
+          <p:cNvPr id="252" name="Google Shape;252;p31"/>
           <p:cNvSpPr txBox="1"/>
           <p:nvPr>
             <p:ph idx="1" type="body"/>
@@ -11316,1311 +13459,22 @@
           </a:bodyPr>
           <a:lstStyle/>
           <a:p>
-            <a:pPr indent="-311150" lvl="0" marL="457200" rtl="0" algn="l">
-              <a:spcBef>
-                <a:spcPts val="0"/>
-              </a:spcBef>
-              <a:spcAft>
-                <a:spcPts val="0"/>
-              </a:spcAft>
-              <a:buSzPts val="1300"/>
-              <a:buChar char="●"/>
-            </a:pPr>
-            <a:r>
-              <a:rPr lang="en"/>
-              <a:t>LocalTunnel likes to crash every once in a while (network instability)</a:t>
-            </a:r>
-            <a:endParaRPr/>
-          </a:p>
-          <a:p>
-            <a:pPr indent="-298450" lvl="1" marL="914400" rtl="0" algn="l">
-              <a:spcBef>
-                <a:spcPts val="0"/>
-              </a:spcBef>
-              <a:spcAft>
-                <a:spcPts val="0"/>
-              </a:spcAft>
-              <a:buSzPts val="1100"/>
-              <a:buChar char="○"/>
-            </a:pPr>
-            <a:r>
-              <a:rPr lang="en"/>
-              <a:t>Solution: localtunnel-restarter ruby gem</a:t>
-            </a:r>
-            <a:endParaRPr/>
-          </a:p>
-          <a:p>
-            <a:pPr indent="-311150" lvl="0" marL="457200" rtl="0" algn="l">
-              <a:spcBef>
-                <a:spcPts val="0"/>
-              </a:spcBef>
-              <a:spcAft>
-                <a:spcPts val="0"/>
-              </a:spcAft>
-              <a:buSzPts val="1300"/>
-              <a:buChar char="●"/>
-            </a:pPr>
-            <a:r>
-              <a:rPr lang="en"/>
-              <a:t>No experience setting up a reverse proxy before</a:t>
-            </a:r>
-            <a:endParaRPr/>
-          </a:p>
-          <a:p>
-            <a:pPr indent="-311150" lvl="0" marL="457200" rtl="0" algn="l">
-              <a:spcBef>
-                <a:spcPts val="0"/>
-              </a:spcBef>
-              <a:spcAft>
-                <a:spcPts val="0"/>
-              </a:spcAft>
-              <a:buSzPts val="1300"/>
-              <a:buChar char="●"/>
-            </a:pPr>
-            <a:r>
-              <a:rPr lang="en"/>
-              <a:t>DoSing/DDoSing?</a:t>
-            </a:r>
-            <a:endParaRPr/>
-          </a:p>
-          <a:p>
-            <a:pPr indent="-298450" lvl="1" marL="914400" rtl="0" algn="l">
-              <a:spcBef>
-                <a:spcPts val="0"/>
-              </a:spcBef>
-              <a:spcAft>
-                <a:spcPts val="0"/>
-              </a:spcAft>
-              <a:buSzPts val="1100"/>
-              <a:buChar char="○"/>
-            </a:pPr>
-            <a:r>
-              <a:rPr lang="en"/>
-              <a:t>First: We can change the subdomain name really easily so if it happens, we just change the url name</a:t>
-            </a:r>
-            <a:endParaRPr/>
-          </a:p>
-          <a:p>
-            <a:pPr indent="-298450" lvl="1" marL="914400" rtl="0" algn="l">
-              <a:spcBef>
-                <a:spcPts val="0"/>
-              </a:spcBef>
-              <a:spcAft>
-                <a:spcPts val="0"/>
-              </a:spcAft>
-              <a:buSzPts val="1100"/>
-              <a:buChar char="○"/>
-            </a:pPr>
-            <a:r>
-              <a:rPr lang="en"/>
-              <a:t>Second: Non-tunneled requests directly to the IP are dropped anyways as per standard.</a:t>
-            </a:r>
-            <a:endParaRPr/>
-          </a:p>
-          <a:p>
-            <a:pPr indent="-298450" lvl="1" marL="914400" rtl="0" algn="l">
-              <a:spcBef>
-                <a:spcPts val="0"/>
-              </a:spcBef>
-              <a:spcAft>
-                <a:spcPts val="0"/>
-              </a:spcAft>
-              <a:buSzPts val="1100"/>
-              <a:buChar char="○"/>
-            </a:pPr>
-            <a:r>
-              <a:rPr lang="en"/>
-              <a:t>Third: please don’t</a:t>
-            </a:r>
-            <a:endParaRPr/>
-          </a:p>
-          <a:p>
-            <a:pPr indent="-311150" lvl="0" marL="457200" rtl="0" algn="l">
-              <a:spcBef>
-                <a:spcPts val="0"/>
-              </a:spcBef>
-              <a:spcAft>
-                <a:spcPts val="0"/>
-              </a:spcAft>
-              <a:buSzPts val="1300"/>
-              <a:buChar char="●"/>
-            </a:pPr>
-            <a:r>
-              <a:rPr lang="en"/>
-              <a:t>Security?</a:t>
-            </a:r>
-            <a:endParaRPr/>
-          </a:p>
-          <a:p>
-            <a:pPr indent="-298450" lvl="1" marL="914400" rtl="0" algn="l">
-              <a:spcBef>
-                <a:spcPts val="0"/>
-              </a:spcBef>
-              <a:spcAft>
-                <a:spcPts val="0"/>
-              </a:spcAft>
-              <a:buSzPts val="1100"/>
-              <a:buChar char="○"/>
-            </a:pPr>
-            <a:r>
-              <a:rPr lang="en"/>
-              <a:t>The server has nothing on it other than the deployed docker images, is on a vLAN of its own, and is connected to purely over what amounts to a reverse VPN, so it will most likely be secure enough for the purpose of demoing the project. </a:t>
-            </a:r>
-            <a:endParaRPr/>
-          </a:p>
-          <a:p>
-            <a:pPr indent="-298450" lvl="1" marL="914400" rtl="0" algn="l">
-              <a:spcBef>
-                <a:spcPts val="0"/>
-              </a:spcBef>
-              <a:spcAft>
-                <a:spcPts val="0"/>
-              </a:spcAft>
-              <a:buSzPts val="1100"/>
-              <a:buChar char="○"/>
-            </a:pPr>
-            <a:r>
-              <a:rPr lang="en"/>
-              <a:t>Don’t take that as a challenge, this isn’t enterprise grade stuff, it’s old consumer grade stuff.</a:t>
+            <a:pPr indent="0" lvl="0" marL="0" rtl="0" algn="l">
+              <a:spcBef>
+                <a:spcPts val="0"/>
+              </a:spcBef>
+              <a:spcAft>
+                <a:spcPts val="1200"/>
+              </a:spcAft>
+              <a:buNone/>
+            </a:pPr>
+            <a:r>
+              <a:t/>
             </a:r>
             <a:endParaRPr/>
           </a:p>
         </p:txBody>
       </p:sp>
-    </p:spTree>
-  </p:cSld>
-  <p:clrMapOvr>
-    <a:masterClrMapping/>
-  </p:clrMapOvr>
-</p:sld>
-</file>
-
-<file path=ppt/slides/slide13.xml><?xml version="1.0" encoding="utf-8"?>
-<p:sld xmlns:a="http://schemas.openxmlformats.org/drawingml/2006/main" xmlns:r="http://schemas.openxmlformats.org/officeDocument/2006/relationships" xmlns:mc="http://schemas.openxmlformats.org/markup-compatibility/2006" xmlns:mv="urn:schemas-microsoft-com:mac:vml" xmlns:p="http://schemas.openxmlformats.org/presentationml/2006/main" xmlns:c="http://schemas.openxmlformats.org/drawingml/2006/chart" xmlns:dgm="http://schemas.openxmlformats.org/drawingml/2006/diagram" xmlns:o="urn:schemas-microsoft-com:office:office" xmlns:v="urn:schemas-microsoft-com:vml" xmlns:pvml="urn:schemas-microsoft-com:office:powerpoint" xmlns:com="http://schemas.openxmlformats.org/drawingml/2006/compatibility" xmlns:p14="http://schemas.microsoft.com/office/powerpoint/2010/main" xmlns:p15="http://schemas.microsoft.com/office/powerpoint/2012/main" xmlns:ahyp="http://schemas.microsoft.com/office/drawing/2018/hyperlinkcolor">
-  <p:cSld>
-    <p:spTree>
-      <p:nvGrpSpPr>
-        <p:cNvPr id="209" name="Shape 209"/>
-        <p:cNvGrpSpPr/>
-        <p:nvPr/>
-      </p:nvGrpSpPr>
-      <p:grpSpPr>
-        <a:xfrm>
-          <a:off x="0" y="0"/>
-          <a:ext cx="0" cy="0"/>
-          <a:chOff x="0" y="0"/>
-          <a:chExt cx="0" cy="0"/>
-        </a:xfrm>
-      </p:grpSpPr>
-      <p:sp>
-        <p:nvSpPr>
-          <p:cNvPr id="210" name="Google Shape;210;p25"/>
-          <p:cNvSpPr txBox="1"/>
-          <p:nvPr>
-            <p:ph type="title"/>
-          </p:nvPr>
-        </p:nvSpPr>
-        <p:spPr>
-          <a:xfrm>
-            <a:off x="1297500" y="393750"/>
-            <a:ext cx="7038900" cy="914100"/>
-          </a:xfrm>
-          <a:prstGeom prst="rect">
-            <a:avLst/>
-          </a:prstGeom>
-        </p:spPr>
-        <p:txBody>
-          <a:bodyPr anchorCtr="0" anchor="t" bIns="91425" lIns="91425" spcFirstLastPara="1" rIns="91425" wrap="square" tIns="91425">
-            <a:normAutofit/>
-          </a:bodyPr>
-          <a:lstStyle/>
-          <a:p>
-            <a:pPr indent="0" lvl="0" marL="0" rtl="0" algn="l">
-              <a:spcBef>
-                <a:spcPts val="0"/>
-              </a:spcBef>
-              <a:spcAft>
-                <a:spcPts val="0"/>
-              </a:spcAft>
-              <a:buNone/>
-            </a:pPr>
-            <a:r>
-              <a:rPr lang="en"/>
-              <a:t>YggFinance Web App - Changes</a:t>
-            </a:r>
-            <a:endParaRPr/>
-          </a:p>
-        </p:txBody>
-      </p:sp>
-      <p:sp>
-        <p:nvSpPr>
-          <p:cNvPr id="211" name="Google Shape;211;p25"/>
-          <p:cNvSpPr txBox="1"/>
-          <p:nvPr>
-            <p:ph idx="1" type="body"/>
-          </p:nvPr>
-        </p:nvSpPr>
-        <p:spPr>
-          <a:xfrm>
-            <a:off x="1052550" y="1307850"/>
-            <a:ext cx="7038900" cy="2911200"/>
-          </a:xfrm>
-          <a:prstGeom prst="rect">
-            <a:avLst/>
-          </a:prstGeom>
-        </p:spPr>
-        <p:txBody>
-          <a:bodyPr anchorCtr="0" anchor="t" bIns="91425" lIns="91425" spcFirstLastPara="1" rIns="91425" wrap="square" tIns="91425">
-            <a:normAutofit/>
-          </a:bodyPr>
-          <a:lstStyle/>
-          <a:p>
-            <a:pPr indent="-311150" lvl="0" marL="457200" rtl="0" algn="l">
-              <a:spcBef>
-                <a:spcPts val="0"/>
-              </a:spcBef>
-              <a:spcAft>
-                <a:spcPts val="0"/>
-              </a:spcAft>
-              <a:buSzPts val="1300"/>
-              <a:buChar char="●"/>
-            </a:pPr>
-            <a:r>
-              <a:rPr lang="en"/>
-              <a:t>Using text fields for Monthly Budget data (EditTableAPI last updated 2017) </a:t>
-            </a:r>
-            <a:endParaRPr/>
-          </a:p>
-          <a:p>
-            <a:pPr indent="-298450" lvl="1" marL="914400" rtl="0" algn="l">
-              <a:spcBef>
-                <a:spcPts val="0"/>
-              </a:spcBef>
-              <a:spcAft>
-                <a:spcPts val="0"/>
-              </a:spcAft>
-              <a:buSzPts val="1100"/>
-              <a:buChar char="○"/>
-            </a:pPr>
-            <a:r>
-              <a:rPr lang="en"/>
-              <a:t>Text fields are actually part of MaterialUI</a:t>
-            </a:r>
-            <a:endParaRPr/>
-          </a:p>
-          <a:p>
-            <a:pPr indent="-311150" lvl="0" marL="457200" rtl="0" algn="l">
-              <a:spcBef>
-                <a:spcPts val="0"/>
-              </a:spcBef>
-              <a:spcAft>
-                <a:spcPts val="0"/>
-              </a:spcAft>
-              <a:buSzPts val="1300"/>
-              <a:buChar char="●"/>
-            </a:pPr>
-            <a:r>
-              <a:rPr lang="en"/>
-              <a:t>Using text field instead of adjustable slider for Savings Planner Page</a:t>
-            </a:r>
-            <a:endParaRPr/>
-          </a:p>
-          <a:p>
-            <a:pPr indent="-298450" lvl="1" marL="914400" rtl="0" algn="l">
-              <a:spcBef>
-                <a:spcPts val="0"/>
-              </a:spcBef>
-              <a:spcAft>
-                <a:spcPts val="0"/>
-              </a:spcAft>
-              <a:buSzPts val="1100"/>
-              <a:buChar char="○"/>
-            </a:pPr>
-            <a:r>
-              <a:rPr lang="en"/>
-              <a:t>Slider gives less freedom on available inputs (decimal values of years)</a:t>
-            </a:r>
-            <a:endParaRPr/>
-          </a:p>
-          <a:p>
-            <a:pPr indent="-311150" lvl="0" marL="457200" rtl="0" algn="l">
-              <a:spcBef>
-                <a:spcPts val="0"/>
-              </a:spcBef>
-              <a:spcAft>
-                <a:spcPts val="0"/>
-              </a:spcAft>
-              <a:buSzPts val="1300"/>
-              <a:buChar char="●"/>
-            </a:pPr>
-            <a:r>
-              <a:rPr lang="en"/>
-              <a:t>Dropdown menu for month names on Monthly Budget changed to a customized select</a:t>
-            </a:r>
-            <a:endParaRPr/>
-          </a:p>
-          <a:p>
-            <a:pPr indent="-298450" lvl="1" marL="914400" rtl="0" algn="l">
-              <a:spcBef>
-                <a:spcPts val="0"/>
-              </a:spcBef>
-              <a:spcAft>
-                <a:spcPts val="0"/>
-              </a:spcAft>
-              <a:buSzPts val="1100"/>
-              <a:buChar char="○"/>
-            </a:pPr>
-            <a:r>
-              <a:rPr lang="en"/>
-              <a:t>Functions the same, but is easier for data manipulation</a:t>
-            </a:r>
-            <a:endParaRPr/>
-          </a:p>
-        </p:txBody>
-      </p:sp>
-    </p:spTree>
-  </p:cSld>
-  <p:clrMapOvr>
-    <a:masterClrMapping/>
-  </p:clrMapOvr>
-</p:sld>
-</file>
-
-<file path=ppt/slides/slide14.xml><?xml version="1.0" encoding="utf-8"?>
-<p:sld xmlns:a="http://schemas.openxmlformats.org/drawingml/2006/main" xmlns:r="http://schemas.openxmlformats.org/officeDocument/2006/relationships" xmlns:mc="http://schemas.openxmlformats.org/markup-compatibility/2006" xmlns:mv="urn:schemas-microsoft-com:mac:vml" xmlns:p="http://schemas.openxmlformats.org/presentationml/2006/main" xmlns:c="http://schemas.openxmlformats.org/drawingml/2006/chart" xmlns:dgm="http://schemas.openxmlformats.org/drawingml/2006/diagram" xmlns:o="urn:schemas-microsoft-com:office:office" xmlns:v="urn:schemas-microsoft-com:vml" xmlns:pvml="urn:schemas-microsoft-com:office:powerpoint" xmlns:com="http://schemas.openxmlformats.org/drawingml/2006/compatibility" xmlns:p14="http://schemas.microsoft.com/office/powerpoint/2010/main" xmlns:p15="http://schemas.microsoft.com/office/powerpoint/2012/main" xmlns:ahyp="http://schemas.microsoft.com/office/drawing/2018/hyperlinkcolor">
-  <p:cSld>
-    <p:spTree>
-      <p:nvGrpSpPr>
-        <p:cNvPr id="215" name="Shape 215"/>
-        <p:cNvGrpSpPr/>
-        <p:nvPr/>
-      </p:nvGrpSpPr>
-      <p:grpSpPr>
-        <a:xfrm>
-          <a:off x="0" y="0"/>
-          <a:ext cx="0" cy="0"/>
-          <a:chOff x="0" y="0"/>
-          <a:chExt cx="0" cy="0"/>
-        </a:xfrm>
-      </p:grpSpPr>
-      <p:sp>
-        <p:nvSpPr>
-          <p:cNvPr id="216" name="Google Shape;216;p26"/>
-          <p:cNvSpPr txBox="1"/>
-          <p:nvPr>
-            <p:ph type="title"/>
-          </p:nvPr>
-        </p:nvSpPr>
-        <p:spPr>
-          <a:xfrm>
-            <a:off x="1297500" y="206275"/>
-            <a:ext cx="7038900" cy="914100"/>
-          </a:xfrm>
-          <a:prstGeom prst="rect">
-            <a:avLst/>
-          </a:prstGeom>
-        </p:spPr>
-        <p:txBody>
-          <a:bodyPr anchorCtr="0" anchor="t" bIns="91425" lIns="91425" spcFirstLastPara="1" rIns="91425" wrap="square" tIns="91425">
-            <a:normAutofit/>
-          </a:bodyPr>
-          <a:lstStyle/>
-          <a:p>
-            <a:pPr indent="0" lvl="0" marL="0" rtl="0" algn="l">
-              <a:spcBef>
-                <a:spcPts val="0"/>
-              </a:spcBef>
-              <a:spcAft>
-                <a:spcPts val="0"/>
-              </a:spcAft>
-              <a:buNone/>
-            </a:pPr>
-            <a:r>
-              <a:rPr lang="en"/>
-              <a:t>YggFinance Web App - Completed</a:t>
-            </a:r>
-            <a:endParaRPr/>
-          </a:p>
-        </p:txBody>
-      </p:sp>
-      <p:sp>
-        <p:nvSpPr>
-          <p:cNvPr id="217" name="Google Shape;217;p26"/>
-          <p:cNvSpPr txBox="1"/>
-          <p:nvPr>
-            <p:ph idx="1" type="body"/>
-          </p:nvPr>
-        </p:nvSpPr>
-        <p:spPr>
-          <a:xfrm>
-            <a:off x="1052550" y="611375"/>
-            <a:ext cx="7038900" cy="2911200"/>
-          </a:xfrm>
-          <a:prstGeom prst="rect">
-            <a:avLst/>
-          </a:prstGeom>
-        </p:spPr>
-        <p:txBody>
-          <a:bodyPr anchorCtr="0" anchor="t" bIns="91425" lIns="91425" spcFirstLastPara="1" rIns="91425" wrap="square" tIns="91425">
-            <a:normAutofit lnSpcReduction="20000"/>
-          </a:bodyPr>
-          <a:lstStyle/>
-          <a:p>
-            <a:pPr indent="-311150" lvl="0" marL="457200" rtl="0" algn="l">
-              <a:spcBef>
-                <a:spcPts val="0"/>
-              </a:spcBef>
-              <a:spcAft>
-                <a:spcPts val="0"/>
-              </a:spcAft>
-              <a:buSzPts val="1300"/>
-              <a:buChar char="●"/>
-            </a:pPr>
-            <a:r>
-              <a:rPr lang="en"/>
-              <a:t>Entirety of App contained within NavBar(Top Menu)</a:t>
-            </a:r>
-            <a:endParaRPr/>
-          </a:p>
-          <a:p>
-            <a:pPr indent="-298450" lvl="1" marL="914400" rtl="0" algn="l">
-              <a:spcBef>
-                <a:spcPts val="0"/>
-              </a:spcBef>
-              <a:spcAft>
-                <a:spcPts val="0"/>
-              </a:spcAft>
-              <a:buSzPts val="1100"/>
-              <a:buChar char="○"/>
-            </a:pPr>
-            <a:r>
-              <a:rPr lang="en"/>
-              <a:t>Allows the use of TabPanel to separate pages</a:t>
-            </a:r>
-            <a:endParaRPr/>
-          </a:p>
-          <a:p>
-            <a:pPr indent="-298450" lvl="1" marL="914400" rtl="0" algn="l">
-              <a:spcBef>
-                <a:spcPts val="0"/>
-              </a:spcBef>
-              <a:spcAft>
-                <a:spcPts val="0"/>
-              </a:spcAft>
-              <a:buSzPts val="1100"/>
-              <a:buChar char="○"/>
-            </a:pPr>
-            <a:r>
-              <a:rPr lang="en"/>
-              <a:t>Pages load simultaneously</a:t>
-            </a:r>
-            <a:endParaRPr/>
-          </a:p>
-          <a:p>
-            <a:pPr indent="-311150" lvl="0" marL="457200" rtl="0" algn="l">
-              <a:spcBef>
-                <a:spcPts val="0"/>
-              </a:spcBef>
-              <a:spcAft>
-                <a:spcPts val="0"/>
-              </a:spcAft>
-              <a:buSzPts val="1300"/>
-              <a:buChar char="●"/>
-            </a:pPr>
-            <a:r>
-              <a:rPr lang="en"/>
-              <a:t>Welcome Page</a:t>
-            </a:r>
-            <a:endParaRPr/>
-          </a:p>
-          <a:p>
-            <a:pPr indent="-298450" lvl="1" marL="914400" rtl="0" algn="l">
-              <a:spcBef>
-                <a:spcPts val="0"/>
-              </a:spcBef>
-              <a:spcAft>
-                <a:spcPts val="0"/>
-              </a:spcAft>
-              <a:buSzPts val="1100"/>
-              <a:buChar char="○"/>
-            </a:pPr>
-            <a:r>
-              <a:rPr lang="en"/>
-              <a:t>Full descriptions of all tools available</a:t>
-            </a:r>
-            <a:endParaRPr/>
-          </a:p>
-          <a:p>
-            <a:pPr indent="-311150" lvl="0" marL="457200" rtl="0" algn="l">
-              <a:spcBef>
-                <a:spcPts val="0"/>
-              </a:spcBef>
-              <a:spcAft>
-                <a:spcPts val="0"/>
-              </a:spcAft>
-              <a:buSzPts val="1300"/>
-              <a:buChar char="●"/>
-            </a:pPr>
-            <a:r>
-              <a:rPr lang="en"/>
-              <a:t>Savings Planner page</a:t>
-            </a:r>
-            <a:endParaRPr/>
-          </a:p>
-          <a:p>
-            <a:pPr indent="-298450" lvl="1" marL="914400" rtl="0" algn="l">
-              <a:spcBef>
-                <a:spcPts val="0"/>
-              </a:spcBef>
-              <a:spcAft>
-                <a:spcPts val="0"/>
-              </a:spcAft>
-              <a:buSzPts val="1100"/>
-              <a:buChar char="○"/>
-            </a:pPr>
-            <a:r>
-              <a:rPr lang="en"/>
-              <a:t>UI elements laid out. Prepared for data testing through server</a:t>
-            </a:r>
-            <a:endParaRPr/>
-          </a:p>
-          <a:p>
-            <a:pPr indent="-298450" lvl="1" marL="914400" rtl="0" algn="l">
-              <a:spcBef>
-                <a:spcPts val="0"/>
-              </a:spcBef>
-              <a:spcAft>
-                <a:spcPts val="0"/>
-              </a:spcAft>
-              <a:buSzPts val="1100"/>
-              <a:buChar char="○"/>
-            </a:pPr>
-            <a:r>
-              <a:rPr lang="en"/>
-              <a:t>Data tables are compartmentalized to </a:t>
-            </a:r>
-            <a:r>
-              <a:rPr lang="en"/>
-              <a:t>their</a:t>
-            </a:r>
-            <a:r>
-              <a:rPr lang="en"/>
-              <a:t> own .js script</a:t>
-            </a:r>
-            <a:endParaRPr/>
-          </a:p>
-          <a:p>
-            <a:pPr indent="-311150" lvl="0" marL="457200" rtl="0" algn="l">
-              <a:spcBef>
-                <a:spcPts val="0"/>
-              </a:spcBef>
-              <a:spcAft>
-                <a:spcPts val="0"/>
-              </a:spcAft>
-              <a:buSzPts val="1300"/>
-              <a:buChar char="●"/>
-            </a:pPr>
-            <a:r>
-              <a:rPr lang="en"/>
-              <a:t>Monthly Budget page</a:t>
-            </a:r>
-            <a:endParaRPr/>
-          </a:p>
-          <a:p>
-            <a:pPr indent="-298450" lvl="1" marL="914400" rtl="0" algn="l">
-              <a:spcBef>
-                <a:spcPts val="0"/>
-              </a:spcBef>
-              <a:spcAft>
-                <a:spcPts val="0"/>
-              </a:spcAft>
-              <a:buSzPts val="1100"/>
-              <a:buChar char="○"/>
-            </a:pPr>
-            <a:r>
-              <a:rPr lang="en"/>
-              <a:t>UI Elements laid out</a:t>
-            </a:r>
-            <a:endParaRPr/>
-          </a:p>
-          <a:p>
-            <a:pPr indent="-298450" lvl="1" marL="914400" rtl="0" algn="l">
-              <a:spcBef>
-                <a:spcPts val="0"/>
-              </a:spcBef>
-              <a:spcAft>
-                <a:spcPts val="0"/>
-              </a:spcAft>
-              <a:buSzPts val="1100"/>
-              <a:buChar char="○"/>
-            </a:pPr>
-            <a:r>
-              <a:rPr lang="en"/>
-              <a:t>Reconciliation currently disabled</a:t>
-            </a:r>
-            <a:endParaRPr/>
-          </a:p>
-          <a:p>
-            <a:pPr indent="-298450" lvl="1" marL="914400" rtl="0" algn="l">
-              <a:spcBef>
-                <a:spcPts val="0"/>
-              </a:spcBef>
-              <a:spcAft>
-                <a:spcPts val="0"/>
-              </a:spcAft>
-              <a:buSzPts val="1100"/>
-              <a:buChar char="○"/>
-            </a:pPr>
-            <a:r>
-              <a:rPr lang="en"/>
-              <a:t>History table compartmentalized to its own .js script</a:t>
-            </a:r>
-            <a:endParaRPr/>
-          </a:p>
-          <a:p>
-            <a:pPr indent="0" lvl="0" marL="0" rtl="0" algn="l">
-              <a:spcBef>
-                <a:spcPts val="1200"/>
-              </a:spcBef>
-              <a:spcAft>
-                <a:spcPts val="0"/>
-              </a:spcAft>
-              <a:buNone/>
-            </a:pPr>
-            <a:r>
-              <a:t/>
-            </a:r>
-            <a:endParaRPr/>
-          </a:p>
-          <a:p>
-            <a:pPr indent="0" lvl="0" marL="0" rtl="0" algn="l">
-              <a:spcBef>
-                <a:spcPts val="1200"/>
-              </a:spcBef>
-              <a:spcAft>
-                <a:spcPts val="1200"/>
-              </a:spcAft>
-              <a:buNone/>
-            </a:pPr>
-            <a:r>
-              <a:t/>
-            </a:r>
-            <a:endParaRPr/>
-          </a:p>
-        </p:txBody>
-      </p:sp>
-      <p:pic>
-        <p:nvPicPr>
-          <p:cNvPr id="218" name="Google Shape;218;p26"/>
-          <p:cNvPicPr preferRelativeResize="0"/>
-          <p:nvPr/>
-        </p:nvPicPr>
-        <p:blipFill>
-          <a:blip r:embed="rId3">
-            <a:alphaModFix/>
-          </a:blip>
-          <a:stretch>
-            <a:fillRect/>
-          </a:stretch>
-        </p:blipFill>
-        <p:spPr>
-          <a:xfrm>
-            <a:off x="4485475" y="2803450"/>
-            <a:ext cx="4658526" cy="2340055"/>
-          </a:xfrm>
-          <a:prstGeom prst="rect">
-            <a:avLst/>
-          </a:prstGeom>
-          <a:noFill/>
-          <a:ln>
-            <a:noFill/>
-          </a:ln>
-        </p:spPr>
-      </p:pic>
-      <p:pic>
-        <p:nvPicPr>
-          <p:cNvPr id="219" name="Google Shape;219;p26"/>
-          <p:cNvPicPr preferRelativeResize="0"/>
-          <p:nvPr/>
-        </p:nvPicPr>
-        <p:blipFill>
-          <a:blip r:embed="rId4">
-            <a:alphaModFix/>
-          </a:blip>
-          <a:stretch>
-            <a:fillRect/>
-          </a:stretch>
-        </p:blipFill>
-        <p:spPr>
-          <a:xfrm>
-            <a:off x="453973" y="2803448"/>
-            <a:ext cx="3282685" cy="2340050"/>
-          </a:xfrm>
-          <a:prstGeom prst="rect">
-            <a:avLst/>
-          </a:prstGeom>
-          <a:noFill/>
-          <a:ln>
-            <a:noFill/>
-          </a:ln>
-        </p:spPr>
-      </p:pic>
-    </p:spTree>
-  </p:cSld>
-  <p:clrMapOvr>
-    <a:masterClrMapping/>
-  </p:clrMapOvr>
-</p:sld>
-</file>
-
-<file path=ppt/slides/slide15.xml><?xml version="1.0" encoding="utf-8"?>
-<p:sld xmlns:a="http://schemas.openxmlformats.org/drawingml/2006/main" xmlns:r="http://schemas.openxmlformats.org/officeDocument/2006/relationships" xmlns:mc="http://schemas.openxmlformats.org/markup-compatibility/2006" xmlns:mv="urn:schemas-microsoft-com:mac:vml" xmlns:p="http://schemas.openxmlformats.org/presentationml/2006/main" xmlns:c="http://schemas.openxmlformats.org/drawingml/2006/chart" xmlns:dgm="http://schemas.openxmlformats.org/drawingml/2006/diagram" xmlns:o="urn:schemas-microsoft-com:office:office" xmlns:v="urn:schemas-microsoft-com:vml" xmlns:pvml="urn:schemas-microsoft-com:office:powerpoint" xmlns:com="http://schemas.openxmlformats.org/drawingml/2006/compatibility" xmlns:p14="http://schemas.microsoft.com/office/powerpoint/2010/main" xmlns:p15="http://schemas.microsoft.com/office/powerpoint/2012/main" xmlns:ahyp="http://schemas.microsoft.com/office/drawing/2018/hyperlinkcolor">
-  <p:cSld>
-    <p:spTree>
-      <p:nvGrpSpPr>
-        <p:cNvPr id="223" name="Shape 223"/>
-        <p:cNvGrpSpPr/>
-        <p:nvPr/>
-      </p:nvGrpSpPr>
-      <p:grpSpPr>
-        <a:xfrm>
-          <a:off x="0" y="0"/>
-          <a:ext cx="0" cy="0"/>
-          <a:chOff x="0" y="0"/>
-          <a:chExt cx="0" cy="0"/>
-        </a:xfrm>
-      </p:grpSpPr>
-      <p:sp>
-        <p:nvSpPr>
-          <p:cNvPr id="224" name="Google Shape;224;p27"/>
-          <p:cNvSpPr txBox="1"/>
-          <p:nvPr>
-            <p:ph type="title"/>
-          </p:nvPr>
-        </p:nvSpPr>
-        <p:spPr>
-          <a:xfrm>
-            <a:off x="1297500" y="393750"/>
-            <a:ext cx="7038900" cy="914100"/>
-          </a:xfrm>
-          <a:prstGeom prst="rect">
-            <a:avLst/>
-          </a:prstGeom>
-        </p:spPr>
-        <p:txBody>
-          <a:bodyPr anchorCtr="0" anchor="t" bIns="91425" lIns="91425" spcFirstLastPara="1" rIns="91425" wrap="square" tIns="91425">
-            <a:normAutofit/>
-          </a:bodyPr>
-          <a:lstStyle/>
-          <a:p>
-            <a:pPr indent="0" lvl="0" marL="0" rtl="0" algn="l">
-              <a:spcBef>
-                <a:spcPts val="0"/>
-              </a:spcBef>
-              <a:spcAft>
-                <a:spcPts val="0"/>
-              </a:spcAft>
-              <a:buNone/>
-            </a:pPr>
-            <a:r>
-              <a:rPr lang="en"/>
-              <a:t>YggFinance Web App - To be Implemented</a:t>
-            </a:r>
-            <a:endParaRPr/>
-          </a:p>
-        </p:txBody>
-      </p:sp>
-      <p:sp>
-        <p:nvSpPr>
-          <p:cNvPr id="225" name="Google Shape;225;p27"/>
-          <p:cNvSpPr txBox="1"/>
-          <p:nvPr>
-            <p:ph idx="1" type="body"/>
-          </p:nvPr>
-        </p:nvSpPr>
-        <p:spPr>
-          <a:xfrm>
-            <a:off x="1297500" y="1567550"/>
-            <a:ext cx="7038900" cy="2911200"/>
-          </a:xfrm>
-          <a:prstGeom prst="rect">
-            <a:avLst/>
-          </a:prstGeom>
-        </p:spPr>
-        <p:txBody>
-          <a:bodyPr anchorCtr="0" anchor="t" bIns="91425" lIns="91425" spcFirstLastPara="1" rIns="91425" wrap="square" tIns="91425">
-            <a:normAutofit/>
-          </a:bodyPr>
-          <a:lstStyle/>
-          <a:p>
-            <a:pPr indent="-311150" lvl="0" marL="457200" rtl="0" algn="l">
-              <a:spcBef>
-                <a:spcPts val="0"/>
-              </a:spcBef>
-              <a:spcAft>
-                <a:spcPts val="0"/>
-              </a:spcAft>
-              <a:buSzPts val="1300"/>
-              <a:buChar char="●"/>
-            </a:pPr>
-            <a:r>
-              <a:rPr lang="en"/>
-              <a:t>CSV file handling will be most difficult</a:t>
-            </a:r>
-            <a:endParaRPr/>
-          </a:p>
-          <a:p>
-            <a:pPr indent="-298450" lvl="1" marL="914400" rtl="0" algn="l">
-              <a:spcBef>
-                <a:spcPts val="0"/>
-              </a:spcBef>
-              <a:spcAft>
-                <a:spcPts val="0"/>
-              </a:spcAft>
-              <a:buSzPts val="1100"/>
-              <a:buChar char="○"/>
-            </a:pPr>
-            <a:r>
-              <a:rPr lang="en"/>
-              <a:t>Lack of CSV handling removes need for reconciliation option</a:t>
-            </a:r>
-            <a:endParaRPr/>
-          </a:p>
-          <a:p>
-            <a:pPr indent="-311150" lvl="0" marL="457200" rtl="0" algn="l">
-              <a:spcBef>
-                <a:spcPts val="0"/>
-              </a:spcBef>
-              <a:spcAft>
-                <a:spcPts val="0"/>
-              </a:spcAft>
-              <a:buSzPts val="1300"/>
-              <a:buChar char="●"/>
-            </a:pPr>
-            <a:r>
-              <a:rPr lang="en"/>
-              <a:t>Selectable data labels for currencies (select text fields)</a:t>
-            </a:r>
-            <a:endParaRPr/>
-          </a:p>
-          <a:p>
-            <a:pPr indent="-311150" lvl="0" marL="457200" rtl="0" algn="l">
-              <a:spcBef>
-                <a:spcPts val="0"/>
-              </a:spcBef>
-              <a:spcAft>
-                <a:spcPts val="0"/>
-              </a:spcAft>
-              <a:buSzPts val="1300"/>
-              <a:buChar char="●"/>
-            </a:pPr>
-            <a:r>
-              <a:rPr lang="en"/>
-              <a:t>Data input validation through the UI (helpertext)</a:t>
-            </a:r>
-            <a:endParaRPr/>
-          </a:p>
-          <a:p>
-            <a:pPr indent="-311150" lvl="0" marL="457200" rtl="0" algn="l">
-              <a:spcBef>
-                <a:spcPts val="0"/>
-              </a:spcBef>
-              <a:spcAft>
-                <a:spcPts val="0"/>
-              </a:spcAft>
-              <a:buSzPts val="1300"/>
-              <a:buChar char="●"/>
-            </a:pPr>
-            <a:r>
-              <a:rPr lang="en"/>
-              <a:t>Grid editing to prevent odd UI changes when changing window size</a:t>
-            </a:r>
-            <a:endParaRPr/>
-          </a:p>
-        </p:txBody>
-      </p:sp>
-    </p:spTree>
-  </p:cSld>
-  <p:clrMapOvr>
-    <a:masterClrMapping/>
-  </p:clrMapOvr>
-</p:sld>
-</file>
-
-<file path=ppt/slides/slide16.xml><?xml version="1.0" encoding="utf-8"?>
-<p:sld xmlns:a="http://schemas.openxmlformats.org/drawingml/2006/main" xmlns:r="http://schemas.openxmlformats.org/officeDocument/2006/relationships" xmlns:mc="http://schemas.openxmlformats.org/markup-compatibility/2006" xmlns:mv="urn:schemas-microsoft-com:mac:vml" xmlns:p="http://schemas.openxmlformats.org/presentationml/2006/main" xmlns:c="http://schemas.openxmlformats.org/drawingml/2006/chart" xmlns:dgm="http://schemas.openxmlformats.org/drawingml/2006/diagram" xmlns:o="urn:schemas-microsoft-com:office:office" xmlns:v="urn:schemas-microsoft-com:vml" xmlns:pvml="urn:schemas-microsoft-com:office:powerpoint" xmlns:com="http://schemas.openxmlformats.org/drawingml/2006/compatibility" xmlns:p14="http://schemas.microsoft.com/office/powerpoint/2010/main" xmlns:p15="http://schemas.microsoft.com/office/powerpoint/2012/main" xmlns:ahyp="http://schemas.microsoft.com/office/drawing/2018/hyperlinkcolor">
-  <p:cSld>
-    <p:spTree>
-      <p:nvGrpSpPr>
-        <p:cNvPr id="229" name="Shape 229"/>
-        <p:cNvGrpSpPr/>
-        <p:nvPr/>
-      </p:nvGrpSpPr>
-      <p:grpSpPr>
-        <a:xfrm>
-          <a:off x="0" y="0"/>
-          <a:ext cx="0" cy="0"/>
-          <a:chOff x="0" y="0"/>
-          <a:chExt cx="0" cy="0"/>
-        </a:xfrm>
-      </p:grpSpPr>
-      <p:sp>
-        <p:nvSpPr>
-          <p:cNvPr id="230" name="Google Shape;230;p28"/>
-          <p:cNvSpPr txBox="1"/>
-          <p:nvPr>
-            <p:ph type="title"/>
-          </p:nvPr>
-        </p:nvSpPr>
-        <p:spPr>
-          <a:xfrm>
-            <a:off x="1297500" y="393750"/>
-            <a:ext cx="7038900" cy="914100"/>
-          </a:xfrm>
-          <a:prstGeom prst="rect">
-            <a:avLst/>
-          </a:prstGeom>
-        </p:spPr>
-        <p:txBody>
-          <a:bodyPr anchorCtr="0" anchor="t" bIns="91425" lIns="91425" spcFirstLastPara="1" rIns="91425" wrap="square" tIns="91425">
-            <a:normAutofit/>
-          </a:bodyPr>
-          <a:lstStyle/>
-          <a:p>
-            <a:pPr indent="0" lvl="0" marL="0" rtl="0" algn="l">
-              <a:spcBef>
-                <a:spcPts val="0"/>
-              </a:spcBef>
-              <a:spcAft>
-                <a:spcPts val="0"/>
-              </a:spcAft>
-              <a:buNone/>
-            </a:pPr>
-            <a:r>
-              <a:rPr lang="en"/>
-              <a:t>YggFinance Web App - In Progress</a:t>
-            </a:r>
-            <a:endParaRPr/>
-          </a:p>
-        </p:txBody>
-      </p:sp>
-      <p:sp>
-        <p:nvSpPr>
-          <p:cNvPr id="231" name="Google Shape;231;p28"/>
-          <p:cNvSpPr txBox="1"/>
-          <p:nvPr>
-            <p:ph idx="1" type="body"/>
-          </p:nvPr>
-        </p:nvSpPr>
-        <p:spPr>
-          <a:xfrm>
-            <a:off x="0" y="1307850"/>
-            <a:ext cx="7038900" cy="2911200"/>
-          </a:xfrm>
-          <a:prstGeom prst="rect">
-            <a:avLst/>
-          </a:prstGeom>
-        </p:spPr>
-        <p:txBody>
-          <a:bodyPr anchorCtr="0" anchor="t" bIns="91425" lIns="91425" spcFirstLastPara="1" rIns="91425" wrap="square" tIns="91425">
-            <a:normAutofit/>
-          </a:bodyPr>
-          <a:lstStyle/>
-          <a:p>
-            <a:pPr indent="-311150" lvl="0" marL="457200" rtl="0" algn="l">
-              <a:spcBef>
-                <a:spcPts val="0"/>
-              </a:spcBef>
-              <a:spcAft>
-                <a:spcPts val="0"/>
-              </a:spcAft>
-              <a:buSzPts val="1300"/>
-              <a:buChar char="●"/>
-            </a:pPr>
-            <a:r>
-              <a:rPr lang="en"/>
-              <a:t>Testing data handling locally through Net Worth page</a:t>
-            </a:r>
-            <a:endParaRPr/>
-          </a:p>
-          <a:p>
-            <a:pPr indent="-298450" lvl="1" marL="914400" rtl="0" algn="l">
-              <a:spcBef>
-                <a:spcPts val="0"/>
-              </a:spcBef>
-              <a:spcAft>
-                <a:spcPts val="0"/>
-              </a:spcAft>
-              <a:buSzPts val="1100"/>
-              <a:buChar char="○"/>
-            </a:pPr>
-            <a:r>
-              <a:rPr lang="en"/>
-              <a:t>All other data will be transferred through server to back end</a:t>
-            </a:r>
-            <a:endParaRPr/>
-          </a:p>
-          <a:p>
-            <a:pPr indent="-311150" lvl="0" marL="457200" rtl="0" algn="l">
-              <a:spcBef>
-                <a:spcPts val="0"/>
-              </a:spcBef>
-              <a:spcAft>
-                <a:spcPts val="0"/>
-              </a:spcAft>
-              <a:buSzPts val="1300"/>
-              <a:buChar char="●"/>
-            </a:pPr>
-            <a:r>
-              <a:rPr lang="en"/>
-              <a:t>Dockerizing App pages for server  communication</a:t>
-            </a:r>
-            <a:endParaRPr/>
-          </a:p>
-          <a:p>
-            <a:pPr indent="-298450" lvl="1" marL="914400" rtl="0" algn="l">
-              <a:spcBef>
-                <a:spcPts val="0"/>
-              </a:spcBef>
-              <a:spcAft>
-                <a:spcPts val="0"/>
-              </a:spcAft>
-              <a:buSzPts val="1100"/>
-              <a:buChar char="○"/>
-            </a:pPr>
-            <a:r>
-              <a:rPr lang="en"/>
-              <a:t>Attempt made to dockerize early on. Realized dockerization is best done after most of setup has </a:t>
-            </a:r>
-            <a:r>
-              <a:rPr lang="en"/>
-              <a:t>occurred</a:t>
-            </a:r>
-            <a:endParaRPr/>
-          </a:p>
-          <a:p>
-            <a:pPr indent="-311150" lvl="0" marL="457200" rtl="0" algn="l">
-              <a:spcBef>
-                <a:spcPts val="0"/>
-              </a:spcBef>
-              <a:spcAft>
-                <a:spcPts val="0"/>
-              </a:spcAft>
-              <a:buSzPts val="1300"/>
-              <a:buChar char="●"/>
-            </a:pPr>
-            <a:r>
-              <a:rPr lang="en"/>
-              <a:t>Editing all pages to look more clean (professional)</a:t>
-            </a:r>
-            <a:endParaRPr/>
-          </a:p>
-          <a:p>
-            <a:pPr indent="-298450" lvl="1" marL="914400" rtl="0" algn="l">
-              <a:spcBef>
-                <a:spcPts val="0"/>
-              </a:spcBef>
-              <a:spcAft>
-                <a:spcPts val="0"/>
-              </a:spcAft>
-              <a:buSzPts val="1100"/>
-              <a:buChar char="○"/>
-            </a:pPr>
-            <a:r>
-              <a:rPr lang="en"/>
-              <a:t>Customization from defaults is a long process</a:t>
-            </a:r>
-            <a:endParaRPr/>
-          </a:p>
-        </p:txBody>
-      </p:sp>
-      <p:pic>
-        <p:nvPicPr>
-          <p:cNvPr id="232" name="Google Shape;232;p28"/>
-          <p:cNvPicPr preferRelativeResize="0"/>
-          <p:nvPr/>
-        </p:nvPicPr>
-        <p:blipFill>
-          <a:blip r:embed="rId3">
-            <a:alphaModFix/>
-          </a:blip>
-          <a:stretch>
-            <a:fillRect/>
-          </a:stretch>
-        </p:blipFill>
-        <p:spPr>
-          <a:xfrm>
-            <a:off x="4716225" y="2311025"/>
-            <a:ext cx="4427775" cy="2832475"/>
-          </a:xfrm>
-          <a:prstGeom prst="rect">
-            <a:avLst/>
-          </a:prstGeom>
-          <a:noFill/>
-          <a:ln>
-            <a:noFill/>
-          </a:ln>
-        </p:spPr>
-      </p:pic>
-    </p:spTree>
-  </p:cSld>
-  <p:clrMapOvr>
-    <a:masterClrMapping/>
-  </p:clrMapOvr>
-</p:sld>
-</file>
-
-<file path=ppt/slides/slide17.xml><?xml version="1.0" encoding="utf-8"?>
-<p:sld xmlns:a="http://schemas.openxmlformats.org/drawingml/2006/main" xmlns:r="http://schemas.openxmlformats.org/officeDocument/2006/relationships" xmlns:mc="http://schemas.openxmlformats.org/markup-compatibility/2006" xmlns:mv="urn:schemas-microsoft-com:mac:vml" xmlns:p="http://schemas.openxmlformats.org/presentationml/2006/main" xmlns:c="http://schemas.openxmlformats.org/drawingml/2006/chart" xmlns:dgm="http://schemas.openxmlformats.org/drawingml/2006/diagram" xmlns:o="urn:schemas-microsoft-com:office:office" xmlns:v="urn:schemas-microsoft-com:vml" xmlns:pvml="urn:schemas-microsoft-com:office:powerpoint" xmlns:com="http://schemas.openxmlformats.org/drawingml/2006/compatibility" xmlns:p14="http://schemas.microsoft.com/office/powerpoint/2010/main" xmlns:p15="http://schemas.microsoft.com/office/powerpoint/2012/main" xmlns:ahyp="http://schemas.microsoft.com/office/drawing/2018/hyperlinkcolor">
-  <p:cSld>
-    <p:spTree>
-      <p:nvGrpSpPr>
-        <p:cNvPr id="236" name="Shape 236"/>
-        <p:cNvGrpSpPr/>
-        <p:nvPr/>
-      </p:nvGrpSpPr>
-      <p:grpSpPr>
-        <a:xfrm>
-          <a:off x="0" y="0"/>
-          <a:ext cx="0" cy="0"/>
-          <a:chOff x="0" y="0"/>
-          <a:chExt cx="0" cy="0"/>
-        </a:xfrm>
-      </p:grpSpPr>
-      <p:sp>
-        <p:nvSpPr>
-          <p:cNvPr id="237" name="Google Shape;237;p29"/>
-          <p:cNvSpPr txBox="1"/>
-          <p:nvPr>
-            <p:ph type="title"/>
-          </p:nvPr>
-        </p:nvSpPr>
-        <p:spPr>
-          <a:xfrm>
-            <a:off x="1297500" y="393750"/>
-            <a:ext cx="7038900" cy="914100"/>
-          </a:xfrm>
-          <a:prstGeom prst="rect">
-            <a:avLst/>
-          </a:prstGeom>
-        </p:spPr>
-        <p:txBody>
-          <a:bodyPr anchorCtr="0" anchor="t" bIns="91425" lIns="91425" spcFirstLastPara="1" rIns="91425" wrap="square" tIns="91425">
-            <a:normAutofit/>
-          </a:bodyPr>
-          <a:lstStyle/>
-          <a:p>
-            <a:pPr indent="0" lvl="0" marL="0" rtl="0" algn="l">
-              <a:spcBef>
-                <a:spcPts val="0"/>
-              </a:spcBef>
-              <a:spcAft>
-                <a:spcPts val="0"/>
-              </a:spcAft>
-              <a:buNone/>
-            </a:pPr>
-            <a:r>
-              <a:rPr lang="en"/>
-              <a:t>YggFinance Web App - Potential Issues</a:t>
-            </a:r>
-            <a:endParaRPr/>
-          </a:p>
-        </p:txBody>
-      </p:sp>
-      <p:sp>
-        <p:nvSpPr>
-          <p:cNvPr id="238" name="Google Shape;238;p29"/>
-          <p:cNvSpPr txBox="1"/>
-          <p:nvPr>
-            <p:ph idx="1" type="body"/>
-          </p:nvPr>
-        </p:nvSpPr>
-        <p:spPr>
-          <a:xfrm>
-            <a:off x="1052550" y="1307850"/>
-            <a:ext cx="7038900" cy="2911200"/>
-          </a:xfrm>
-          <a:prstGeom prst="rect">
-            <a:avLst/>
-          </a:prstGeom>
-        </p:spPr>
-        <p:txBody>
-          <a:bodyPr anchorCtr="0" anchor="t" bIns="91425" lIns="91425" spcFirstLastPara="1" rIns="91425" wrap="square" tIns="91425">
-            <a:normAutofit/>
-          </a:bodyPr>
-          <a:lstStyle/>
-          <a:p>
-            <a:pPr indent="-330200" lvl="0" marL="457200" rtl="0" algn="l">
-              <a:spcBef>
-                <a:spcPts val="0"/>
-              </a:spcBef>
-              <a:spcAft>
-                <a:spcPts val="0"/>
-              </a:spcAft>
-              <a:buSzPts val="1600"/>
-              <a:buChar char="●"/>
-            </a:pPr>
-            <a:r>
-              <a:rPr lang="en" sz="1600"/>
-              <a:t>As data-handling components are compartmentalized to </a:t>
-            </a:r>
-            <a:r>
-              <a:rPr lang="en" sz="1600"/>
-              <a:t>their</a:t>
-            </a:r>
-            <a:r>
-              <a:rPr lang="en" sz="1600"/>
-              <a:t> own .js files, data communication of data between server and UI may be difficult</a:t>
-            </a:r>
-            <a:endParaRPr sz="1600"/>
-          </a:p>
-          <a:p>
-            <a:pPr indent="-330200" lvl="0" marL="457200" rtl="0" algn="l">
-              <a:spcBef>
-                <a:spcPts val="0"/>
-              </a:spcBef>
-              <a:spcAft>
-                <a:spcPts val="0"/>
-              </a:spcAft>
-              <a:buSzPts val="1600"/>
-              <a:buChar char="●"/>
-            </a:pPr>
-            <a:r>
-              <a:rPr lang="en" sz="1600"/>
-              <a:t>Stored user data will have to be loaded in upon opening the app (user log-in?)</a:t>
-            </a:r>
-            <a:endParaRPr sz="1600"/>
-          </a:p>
-        </p:txBody>
-      </p:sp>
-      <p:pic>
-        <p:nvPicPr>
-          <p:cNvPr id="239" name="Google Shape;239;p29"/>
-          <p:cNvPicPr preferRelativeResize="0"/>
-          <p:nvPr/>
-        </p:nvPicPr>
-        <p:blipFill>
-          <a:blip r:embed="rId3">
-            <a:alphaModFix/>
-          </a:blip>
-          <a:stretch>
-            <a:fillRect/>
-          </a:stretch>
-        </p:blipFill>
-        <p:spPr>
-          <a:xfrm>
-            <a:off x="4309625" y="2985475"/>
-            <a:ext cx="4462475" cy="1595525"/>
-          </a:xfrm>
-          <a:prstGeom prst="rect">
-            <a:avLst/>
-          </a:prstGeom>
-          <a:noFill/>
-          <a:ln>
-            <a:noFill/>
-          </a:ln>
-        </p:spPr>
-      </p:pic>
     </p:spTree>
   </p:cSld>
   <p:clrMapOvr>
@@ -12680,7 +13534,7 @@
             </a:pPr>
             <a:r>
               <a:rPr lang="en"/>
-              <a:t>Services - To be Implemented</a:t>
+              <a:t>Introduction</a:t>
             </a:r>
             <a:endParaRPr/>
           </a:p>
@@ -12696,8 +13550,8 @@
         </p:nvSpPr>
         <p:spPr>
           <a:xfrm>
-            <a:off x="268825" y="1437700"/>
-            <a:ext cx="4435200" cy="815400"/>
+            <a:off x="1297500" y="1567550"/>
+            <a:ext cx="7038900" cy="2911200"/>
           </a:xfrm>
           <a:prstGeom prst="rect">
             <a:avLst/>
@@ -12705,118 +13559,26 @@
         </p:spPr>
         <p:txBody>
           <a:bodyPr anchorCtr="0" anchor="t" bIns="91425" lIns="91425" spcFirstLastPara="1" rIns="91425" wrap="square" tIns="91425">
-            <a:normAutofit lnSpcReduction="10000"/>
+            <a:normAutofit/>
           </a:bodyPr>
           <a:lstStyle/>
           <a:p>
-            <a:pPr indent="-311150" lvl="0" marL="457200" rtl="0" algn="l">
-              <a:spcBef>
-                <a:spcPts val="0"/>
-              </a:spcBef>
-              <a:spcAft>
-                <a:spcPts val="0"/>
-              </a:spcAft>
-              <a:buSzPts val="1300"/>
-              <a:buChar char="●"/>
-            </a:pPr>
-            <a:r>
-              <a:rPr lang="en"/>
-              <a:t>Monthly Budget</a:t>
-            </a:r>
-            <a:endParaRPr/>
-          </a:p>
-          <a:p>
-            <a:pPr indent="-311150" lvl="0" marL="457200" rtl="0" algn="l">
-              <a:spcBef>
-                <a:spcPts val="0"/>
-              </a:spcBef>
-              <a:spcAft>
-                <a:spcPts val="0"/>
-              </a:spcAft>
-              <a:buSzPts val="1300"/>
-              <a:buChar char="●"/>
-            </a:pPr>
-            <a:r>
-              <a:rPr lang="en"/>
-              <a:t>Savings Planner</a:t>
-            </a:r>
-            <a:endParaRPr/>
-          </a:p>
-          <a:p>
-            <a:pPr indent="-311150" lvl="0" marL="457200" rtl="0" algn="l">
-              <a:spcBef>
-                <a:spcPts val="0"/>
-              </a:spcBef>
-              <a:spcAft>
-                <a:spcPts val="0"/>
-              </a:spcAft>
-              <a:buSzPts val="1300"/>
-              <a:buChar char="●"/>
-            </a:pPr>
-            <a:r>
-              <a:rPr lang="en"/>
-              <a:t>Net Worth </a:t>
+            <a:pPr indent="0" lvl="0" marL="0" rtl="0" algn="l">
+              <a:spcBef>
+                <a:spcPts val="0"/>
+              </a:spcBef>
+              <a:spcAft>
+                <a:spcPts val="1200"/>
+              </a:spcAft>
+              <a:buNone/>
+            </a:pPr>
+            <a:r>
+              <a:t/>
             </a:r>
             <a:endParaRPr/>
           </a:p>
         </p:txBody>
       </p:sp>
-      <p:pic>
-        <p:nvPicPr>
-          <p:cNvPr id="142" name="Google Shape;142;p14"/>
-          <p:cNvPicPr preferRelativeResize="0"/>
-          <p:nvPr/>
-        </p:nvPicPr>
-        <p:blipFill>
-          <a:blip r:embed="rId3">
-            <a:alphaModFix/>
-          </a:blip>
-          <a:stretch>
-            <a:fillRect/>
-          </a:stretch>
-        </p:blipFill>
-        <p:spPr>
-          <a:xfrm>
-            <a:off x="5435750" y="1051275"/>
-            <a:ext cx="3629025" cy="2933700"/>
-          </a:xfrm>
-          <a:prstGeom prst="rect">
-            <a:avLst/>
-          </a:prstGeom>
-          <a:noFill/>
-          <a:ln>
-            <a:noFill/>
-          </a:ln>
-        </p:spPr>
-      </p:pic>
-      <p:pic>
-        <p:nvPicPr>
-          <p:cNvPr id="143" name="Google Shape;143;p14"/>
-          <p:cNvPicPr preferRelativeResize="0"/>
-          <p:nvPr/>
-        </p:nvPicPr>
-        <p:blipFill>
-          <a:blip r:embed="rId4">
-            <a:alphaModFix/>
-          </a:blip>
-          <a:stretch>
-            <a:fillRect/>
-          </a:stretch>
-        </p:blipFill>
-        <p:spPr>
-          <a:xfrm>
-            <a:off x="419450" y="2382950"/>
-            <a:ext cx="5143525" cy="2647925"/>
-          </a:xfrm>
-          <a:prstGeom prst="rect">
-            <a:avLst/>
-          </a:prstGeom>
-          <a:noFill/>
-          <a:ln>
-            <a:noFill/>
-          </a:ln>
-        </p:spPr>
-      </p:pic>
     </p:spTree>
   </p:cSld>
   <p:clrMapOvr>
@@ -12830,7 +13592,7 @@
   <p:cSld>
     <p:spTree>
       <p:nvGrpSpPr>
-        <p:cNvPr id="147" name="Shape 147"/>
+        <p:cNvPr id="145" name="Shape 145"/>
         <p:cNvGrpSpPr/>
         <p:nvPr/>
       </p:nvGrpSpPr>
@@ -12844,7 +13606,7 @@
       </p:grpSpPr>
       <p:sp>
         <p:nvSpPr>
-          <p:cNvPr id="148" name="Google Shape;148;p15"/>
+          <p:cNvPr id="146" name="Google Shape;146;p15"/>
           <p:cNvSpPr txBox="1"/>
           <p:nvPr>
             <p:ph type="title"/>
@@ -12876,7 +13638,7 @@
             </a:pPr>
             <a:r>
               <a:rPr lang="en"/>
-              <a:t>Functions - Completed</a:t>
+              <a:t>YggFinance Web App - Changes</a:t>
             </a:r>
             <a:endParaRPr/>
           </a:p>
@@ -12884,7 +13646,7 @@
       </p:sp>
       <p:sp>
         <p:nvSpPr>
-          <p:cNvPr id="149" name="Google Shape;149;p15"/>
+          <p:cNvPr id="147" name="Google Shape;147;p15"/>
           <p:cNvSpPr txBox="1"/>
           <p:nvPr>
             <p:ph idx="1" type="body"/>
@@ -12892,7 +13654,7 @@
         </p:nvSpPr>
         <p:spPr>
           <a:xfrm>
-            <a:off x="1297500" y="1567550"/>
+            <a:off x="1052550" y="1055250"/>
             <a:ext cx="7038900" cy="2911200"/>
           </a:xfrm>
           <a:prstGeom prst="rect">
@@ -12917,7 +13679,7 @@
             </a:pPr>
             <a:r>
               <a:rPr lang="en"/>
-              <a:t>The two functions of the Planning service have been written and tested some</a:t>
+              <a:t>Using text fields for Monthly Budget data</a:t>
             </a:r>
             <a:endParaRPr/>
           </a:p>
@@ -12933,8 +13695,8 @@
               <a:buChar char="○"/>
             </a:pPr>
             <a:r>
-              <a:rPr lang="en"/>
-              <a:t>Two functions are calcTimeFrame() and calcEndBalance()</a:t>
+              <a:rPr lang="en" sz="1300"/>
+              <a:t>EditTableAPI last updated 2017</a:t>
             </a:r>
             <a:endParaRPr/>
           </a:p>
@@ -12951,15 +13713,7 @@
             </a:pPr>
             <a:r>
               <a:rPr lang="en"/>
-              <a:t>The Monthly Budget </a:t>
-            </a:r>
-            <a:r>
-              <a:rPr lang="en"/>
-              <a:t>service</a:t>
-            </a:r>
-            <a:r>
-              <a:rPr lang="en"/>
-              <a:t> has been written besides CSV implementation</a:t>
+              <a:t>Using text field for time period selection</a:t>
             </a:r>
             <a:endParaRPr/>
           </a:p>
@@ -12976,7 +13730,7 @@
             </a:pPr>
             <a:r>
               <a:rPr lang="en"/>
-              <a:t>Function parseCSV() partially implemented</a:t>
+              <a:t>Slider gives less freedom</a:t>
             </a:r>
             <a:endParaRPr/>
           </a:p>
@@ -12993,12 +13747,57 @@
             </a:pPr>
             <a:r>
               <a:rPr lang="en"/>
-              <a:t>The Net Worth service portion for receiving inputs has been implemented, along with the calculation</a:t>
+              <a:t>Dropdown menu for month names</a:t>
+            </a:r>
+            <a:endParaRPr/>
+          </a:p>
+          <a:p>
+            <a:pPr indent="-298450" lvl="1" marL="914400" rtl="0" algn="l">
+              <a:spcBef>
+                <a:spcPts val="0"/>
+              </a:spcBef>
+              <a:spcAft>
+                <a:spcPts val="0"/>
+              </a:spcAft>
+              <a:buSzPts val="1100"/>
+              <a:buChar char="○"/>
+            </a:pPr>
+            <a:r>
+              <a:rPr lang="en"/>
+              <a:t>Easier for data manipulation</a:t>
             </a:r>
             <a:endParaRPr/>
           </a:p>
         </p:txBody>
       </p:sp>
+      <p:pic>
+        <p:nvPicPr>
+          <p:cNvPr id="148" name="Google Shape;148;p15"/>
+          <p:cNvPicPr preferRelativeResize="0"/>
+          <p:nvPr/>
+        </p:nvPicPr>
+        <p:blipFill>
+          <a:blip r:embed="rId3">
+            <a:alphaModFix/>
+          </a:blip>
+          <a:stretch>
+            <a:fillRect/>
+          </a:stretch>
+        </p:blipFill>
+        <p:spPr>
+          <a:xfrm>
+            <a:off x="4709800" y="1307850"/>
+            <a:ext cx="4318825" cy="3490175"/>
+          </a:xfrm>
+          <a:prstGeom prst="rect">
+            <a:avLst/>
+          </a:prstGeom>
+          <a:noFill/>
+          <a:ln>
+            <a:noFill/>
+          </a:ln>
+        </p:spPr>
+      </p:pic>
     </p:spTree>
   </p:cSld>
   <p:clrMapOvr>
@@ -13012,7 +13811,7 @@
   <p:cSld>
     <p:spTree>
       <p:nvGrpSpPr>
-        <p:cNvPr id="153" name="Shape 153"/>
+        <p:cNvPr id="152" name="Shape 152"/>
         <p:cNvGrpSpPr/>
         <p:nvPr/>
       </p:nvGrpSpPr>
@@ -13026,7 +13825,7 @@
       </p:grpSpPr>
       <p:sp>
         <p:nvSpPr>
-          <p:cNvPr id="154" name="Google Shape;154;p16"/>
+          <p:cNvPr id="153" name="Google Shape;153;p16"/>
           <p:cNvSpPr txBox="1"/>
           <p:nvPr>
             <p:ph type="title"/>
@@ -13034,7 +13833,7 @@
         </p:nvSpPr>
         <p:spPr>
           <a:xfrm>
-            <a:off x="1297500" y="393750"/>
+            <a:off x="1297500" y="206275"/>
             <a:ext cx="7038900" cy="914100"/>
           </a:xfrm>
           <a:prstGeom prst="rect">
@@ -13058,7 +13857,7 @@
             </a:pPr>
             <a:r>
               <a:rPr lang="en"/>
-              <a:t>Services - Changes</a:t>
+              <a:t>YggFinance Web App - Completed</a:t>
             </a:r>
             <a:endParaRPr/>
           </a:p>
@@ -13066,7 +13865,7 @@
       </p:sp>
       <p:sp>
         <p:nvSpPr>
-          <p:cNvPr id="155" name="Google Shape;155;p16"/>
+          <p:cNvPr id="154" name="Google Shape;154;p16"/>
           <p:cNvSpPr txBox="1"/>
           <p:nvPr>
             <p:ph idx="1" type="body"/>
@@ -13074,8 +13873,8 @@
         </p:nvSpPr>
         <p:spPr>
           <a:xfrm>
-            <a:off x="1297500" y="1567550"/>
-            <a:ext cx="7038900" cy="509700"/>
+            <a:off x="1052550" y="772750"/>
+            <a:ext cx="7038900" cy="3521700"/>
           </a:xfrm>
           <a:prstGeom prst="rect">
             <a:avLst/>
@@ -13083,7 +13882,7 @@
         </p:spPr>
         <p:txBody>
           <a:bodyPr anchorCtr="0" anchor="t" bIns="91425" lIns="91425" spcFirstLastPara="1" rIns="91425" wrap="square" tIns="91425">
-            <a:normAutofit/>
+            <a:normAutofit lnSpcReduction="20000"/>
           </a:bodyPr>
           <a:lstStyle/>
           <a:p>
@@ -13099,7 +13898,283 @@
             </a:pPr>
             <a:r>
               <a:rPr lang="en"/>
-              <a:t>No changes to the services as of yet, there are a couple of challenges to explore.</a:t>
+              <a:t>Entirety of App contained within NavBar(Top Menu)</a:t>
+            </a:r>
+            <a:endParaRPr/>
+          </a:p>
+          <a:p>
+            <a:pPr indent="-298450" lvl="1" marL="914400" rtl="0" algn="l">
+              <a:spcBef>
+                <a:spcPts val="0"/>
+              </a:spcBef>
+              <a:spcAft>
+                <a:spcPts val="0"/>
+              </a:spcAft>
+              <a:buSzPts val="1100"/>
+              <a:buChar char="○"/>
+            </a:pPr>
+            <a:r>
+              <a:rPr lang="en"/>
+              <a:t>Allows the use of TabPanel to separate pages</a:t>
+            </a:r>
+            <a:endParaRPr/>
+          </a:p>
+          <a:p>
+            <a:pPr indent="-298450" lvl="1" marL="914400" rtl="0" algn="l">
+              <a:spcBef>
+                <a:spcPts val="0"/>
+              </a:spcBef>
+              <a:spcAft>
+                <a:spcPts val="0"/>
+              </a:spcAft>
+              <a:buSzPts val="1100"/>
+              <a:buChar char="○"/>
+            </a:pPr>
+            <a:r>
+              <a:rPr lang="en"/>
+              <a:t>Pages load simultaneously</a:t>
+            </a:r>
+            <a:endParaRPr/>
+          </a:p>
+          <a:p>
+            <a:pPr indent="-311150" lvl="0" marL="457200" rtl="0" algn="l">
+              <a:spcBef>
+                <a:spcPts val="0"/>
+              </a:spcBef>
+              <a:spcAft>
+                <a:spcPts val="0"/>
+              </a:spcAft>
+              <a:buSzPts val="1300"/>
+              <a:buChar char="●"/>
+            </a:pPr>
+            <a:r>
+              <a:rPr lang="en"/>
+              <a:t>Welcome Page</a:t>
+            </a:r>
+            <a:endParaRPr/>
+          </a:p>
+          <a:p>
+            <a:pPr indent="-298450" lvl="1" marL="914400" rtl="0" algn="l">
+              <a:spcBef>
+                <a:spcPts val="0"/>
+              </a:spcBef>
+              <a:spcAft>
+                <a:spcPts val="0"/>
+              </a:spcAft>
+              <a:buSzPts val="1100"/>
+              <a:buChar char="○"/>
+            </a:pPr>
+            <a:r>
+              <a:rPr lang="en"/>
+              <a:t>Full descriptions of all tools available</a:t>
+            </a:r>
+            <a:endParaRPr/>
+          </a:p>
+          <a:p>
+            <a:pPr indent="-311150" lvl="0" marL="457200" rtl="0" algn="l">
+              <a:spcBef>
+                <a:spcPts val="0"/>
+              </a:spcBef>
+              <a:spcAft>
+                <a:spcPts val="0"/>
+              </a:spcAft>
+              <a:buSzPts val="1300"/>
+              <a:buChar char="●"/>
+            </a:pPr>
+            <a:r>
+              <a:rPr lang="en"/>
+              <a:t>Savings Planner page</a:t>
+            </a:r>
+            <a:endParaRPr/>
+          </a:p>
+          <a:p>
+            <a:pPr indent="-298450" lvl="1" marL="914400" rtl="0" algn="l">
+              <a:spcBef>
+                <a:spcPts val="0"/>
+              </a:spcBef>
+              <a:spcAft>
+                <a:spcPts val="0"/>
+              </a:spcAft>
+              <a:buSzPts val="1100"/>
+              <a:buChar char="○"/>
+            </a:pPr>
+            <a:r>
+              <a:rPr lang="en"/>
+              <a:t>UI elements laid out. Prepared for data testing through server</a:t>
+            </a:r>
+            <a:endParaRPr/>
+          </a:p>
+          <a:p>
+            <a:pPr indent="-298450" lvl="1" marL="914400" rtl="0" algn="l">
+              <a:spcBef>
+                <a:spcPts val="0"/>
+              </a:spcBef>
+              <a:spcAft>
+                <a:spcPts val="0"/>
+              </a:spcAft>
+              <a:buSzPts val="1100"/>
+              <a:buChar char="○"/>
+            </a:pPr>
+            <a:r>
+              <a:rPr lang="en"/>
+              <a:t>Data tables are compartmentalized to </a:t>
+            </a:r>
+            <a:r>
+              <a:rPr lang="en"/>
+              <a:t>their</a:t>
+            </a:r>
+            <a:r>
+              <a:rPr lang="en"/>
+              <a:t> own .js script</a:t>
+            </a:r>
+            <a:endParaRPr/>
+          </a:p>
+          <a:p>
+            <a:pPr indent="-311150" lvl="0" marL="457200" rtl="0" algn="l">
+              <a:spcBef>
+                <a:spcPts val="0"/>
+              </a:spcBef>
+              <a:spcAft>
+                <a:spcPts val="0"/>
+              </a:spcAft>
+              <a:buSzPts val="1300"/>
+              <a:buChar char="●"/>
+            </a:pPr>
+            <a:r>
+              <a:rPr lang="en"/>
+              <a:t>Monthly Budget page</a:t>
+            </a:r>
+            <a:endParaRPr/>
+          </a:p>
+          <a:p>
+            <a:pPr indent="-298450" lvl="1" marL="914400" rtl="0" algn="l">
+              <a:spcBef>
+                <a:spcPts val="0"/>
+              </a:spcBef>
+              <a:spcAft>
+                <a:spcPts val="0"/>
+              </a:spcAft>
+              <a:buSzPts val="1100"/>
+              <a:buChar char="○"/>
+            </a:pPr>
+            <a:r>
+              <a:rPr lang="en"/>
+              <a:t>UI Elements laid out</a:t>
+            </a:r>
+            <a:endParaRPr/>
+          </a:p>
+          <a:p>
+            <a:pPr indent="-298450" lvl="1" marL="914400" rtl="0" algn="l">
+              <a:spcBef>
+                <a:spcPts val="0"/>
+              </a:spcBef>
+              <a:spcAft>
+                <a:spcPts val="0"/>
+              </a:spcAft>
+              <a:buSzPts val="1100"/>
+              <a:buChar char="○"/>
+            </a:pPr>
+            <a:r>
+              <a:rPr lang="en"/>
+              <a:t>Reconciliation currently disabled</a:t>
+            </a:r>
+            <a:endParaRPr/>
+          </a:p>
+          <a:p>
+            <a:pPr indent="-298450" lvl="1" marL="914400" rtl="0" algn="l">
+              <a:spcBef>
+                <a:spcPts val="0"/>
+              </a:spcBef>
+              <a:spcAft>
+                <a:spcPts val="0"/>
+              </a:spcAft>
+              <a:buSzPts val="1100"/>
+              <a:buChar char="○"/>
+            </a:pPr>
+            <a:r>
+              <a:rPr lang="en"/>
+              <a:t>History table compartmentalized to its own .js script</a:t>
+            </a:r>
+            <a:endParaRPr/>
+          </a:p>
+          <a:p>
+            <a:pPr indent="-311150" lvl="0" marL="457200" rtl="0" algn="l">
+              <a:spcBef>
+                <a:spcPts val="0"/>
+              </a:spcBef>
+              <a:spcAft>
+                <a:spcPts val="0"/>
+              </a:spcAft>
+              <a:buSzPts val="1300"/>
+              <a:buChar char="●"/>
+            </a:pPr>
+            <a:r>
+              <a:rPr lang="en"/>
+              <a:t>Net Worth Page</a:t>
+            </a:r>
+            <a:endParaRPr/>
+          </a:p>
+          <a:p>
+            <a:pPr indent="-298450" lvl="1" marL="914400" rtl="0" algn="l">
+              <a:spcBef>
+                <a:spcPts val="0"/>
+              </a:spcBef>
+              <a:spcAft>
+                <a:spcPts val="0"/>
+              </a:spcAft>
+              <a:buSzPts val="1100"/>
+              <a:buChar char="○"/>
+            </a:pPr>
+            <a:r>
+              <a:rPr lang="en"/>
+              <a:t>UI Elements laid out</a:t>
+            </a:r>
+            <a:endParaRPr/>
+          </a:p>
+          <a:p>
+            <a:pPr indent="-298450" lvl="1" marL="914400" rtl="0" algn="l">
+              <a:spcBef>
+                <a:spcPts val="0"/>
+              </a:spcBef>
+              <a:spcAft>
+                <a:spcPts val="0"/>
+              </a:spcAft>
+              <a:buSzPts val="1100"/>
+              <a:buChar char="○"/>
+            </a:pPr>
+            <a:r>
+              <a:rPr lang="en"/>
+              <a:t>Ready for local UI data handling</a:t>
+            </a:r>
+            <a:endParaRPr/>
+          </a:p>
+          <a:p>
+            <a:pPr indent="0" lvl="0" marL="0" rtl="0" algn="l">
+              <a:spcBef>
+                <a:spcPts val="1200"/>
+              </a:spcBef>
+              <a:spcAft>
+                <a:spcPts val="0"/>
+              </a:spcAft>
+              <a:buNone/>
+            </a:pPr>
+            <a:r>
+              <a:t/>
+            </a:r>
+            <a:endParaRPr/>
+          </a:p>
+          <a:p>
+            <a:pPr indent="0" lvl="0" marL="0" rtl="0" algn="l">
+              <a:spcBef>
+                <a:spcPts val="1200"/>
+              </a:spcBef>
+              <a:spcAft>
+                <a:spcPts val="1200"/>
+              </a:spcAft>
+              <a:buNone/>
+            </a:pPr>
+            <a:r>
+              <a:t/>
             </a:r>
             <a:endParaRPr/>
           </a:p>
@@ -13107,7 +14182,7 @@
       </p:sp>
       <p:pic>
         <p:nvPicPr>
-          <p:cNvPr id="156" name="Google Shape;156;p16"/>
+          <p:cNvPr id="155" name="Google Shape;155;p16"/>
           <p:cNvPicPr preferRelativeResize="0"/>
           <p:nvPr/>
         </p:nvPicPr>
@@ -13121,8 +14196,8 @@
         </p:blipFill>
         <p:spPr>
           <a:xfrm>
-            <a:off x="4197275" y="2187125"/>
-            <a:ext cx="4772025" cy="2581275"/>
+            <a:off x="5316800" y="2284200"/>
+            <a:ext cx="3827200" cy="2728214"/>
           </a:xfrm>
           <a:prstGeom prst="rect">
             <a:avLst/>
@@ -13146,7 +14221,7 @@
   <p:cSld>
     <p:spTree>
       <p:nvGrpSpPr>
-        <p:cNvPr id="160" name="Shape 160"/>
+        <p:cNvPr id="159" name="Shape 159"/>
         <p:cNvGrpSpPr/>
         <p:nvPr/>
       </p:nvGrpSpPr>
@@ -13160,7 +14235,7 @@
       </p:grpSpPr>
       <p:sp>
         <p:nvSpPr>
-          <p:cNvPr id="161" name="Google Shape;161;p17"/>
+          <p:cNvPr id="160" name="Google Shape;160;p17"/>
           <p:cNvSpPr txBox="1"/>
           <p:nvPr>
             <p:ph type="title"/>
@@ -13192,7 +14267,7 @@
             </a:pPr>
             <a:r>
               <a:rPr lang="en"/>
-              <a:t>Services - In Progress</a:t>
+              <a:t>YggFinance Web App - In Progress</a:t>
             </a:r>
             <a:endParaRPr/>
           </a:p>
@@ -13200,7 +14275,7 @@
       </p:sp>
       <p:sp>
         <p:nvSpPr>
-          <p:cNvPr id="162" name="Google Shape;162;p17"/>
+          <p:cNvPr id="161" name="Google Shape;161;p17"/>
           <p:cNvSpPr txBox="1"/>
           <p:nvPr>
             <p:ph idx="1" type="body"/>
@@ -13208,7 +14283,7 @@
         </p:nvSpPr>
         <p:spPr>
           <a:xfrm>
-            <a:off x="1297500" y="1567550"/>
+            <a:off x="0" y="1956875"/>
             <a:ext cx="7038900" cy="2911200"/>
           </a:xfrm>
           <a:prstGeom prst="rect">
@@ -13233,7 +14308,24 @@
             </a:pPr>
             <a:r>
               <a:rPr lang="en"/>
-              <a:t>Planning service output format not yet implemented</a:t>
+              <a:t>Testing data handling locally through Net Worth page</a:t>
+            </a:r>
+            <a:endParaRPr/>
+          </a:p>
+          <a:p>
+            <a:pPr indent="-298450" lvl="1" marL="914400" rtl="0" algn="l">
+              <a:spcBef>
+                <a:spcPts val="0"/>
+              </a:spcBef>
+              <a:spcAft>
+                <a:spcPts val="0"/>
+              </a:spcAft>
+              <a:buSzPts val="1100"/>
+              <a:buChar char="○"/>
+            </a:pPr>
+            <a:r>
+              <a:rPr lang="en"/>
+              <a:t>All other data will be transferred through server to back end</a:t>
             </a:r>
             <a:endParaRPr/>
           </a:p>
@@ -13250,7 +14342,7 @@
             </a:pPr>
             <a:r>
               <a:rPr lang="en"/>
-              <a:t>Need a filter for the CSV file to get only needed data</a:t>
+              <a:t>Dockerizing App pages for server  communication</a:t>
             </a:r>
             <a:endParaRPr/>
           </a:p>
@@ -13267,29 +14359,57 @@
             </a:pPr>
             <a:r>
               <a:rPr lang="en"/>
-              <a:t>JSON message formatting for Net Worth service incomplete</a:t>
+              <a:t>Editing all pages to look more clean (professional)</a:t>
             </a:r>
             <a:endParaRPr/>
           </a:p>
           <a:p>
-            <a:pPr indent="-311150" lvl="0" marL="457200" rtl="0" algn="l">
-              <a:spcBef>
-                <a:spcPts val="0"/>
-              </a:spcBef>
-              <a:spcAft>
-                <a:spcPts val="0"/>
-              </a:spcAft>
-              <a:buSzPts val="1300"/>
-              <a:buChar char="●"/>
+            <a:pPr indent="-298450" lvl="1" marL="914400" rtl="0" algn="l">
+              <a:spcBef>
+                <a:spcPts val="0"/>
+              </a:spcBef>
+              <a:spcAft>
+                <a:spcPts val="0"/>
+              </a:spcAft>
+              <a:buSzPts val="1100"/>
+              <a:buChar char="○"/>
             </a:pPr>
             <a:r>
               <a:rPr lang="en"/>
-              <a:t>Each service needs to be containerized for Docker</a:t>
+              <a:t>Customization from defaults is a long process</a:t>
             </a:r>
             <a:endParaRPr/>
           </a:p>
         </p:txBody>
       </p:sp>
+      <p:pic>
+        <p:nvPicPr>
+          <p:cNvPr id="162" name="Google Shape;162;p17"/>
+          <p:cNvPicPr preferRelativeResize="0"/>
+          <p:nvPr/>
+        </p:nvPicPr>
+        <p:blipFill>
+          <a:blip r:embed="rId3">
+            <a:alphaModFix/>
+          </a:blip>
+          <a:stretch>
+            <a:fillRect/>
+          </a:stretch>
+        </p:blipFill>
+        <p:spPr>
+          <a:xfrm>
+            <a:off x="4862275" y="1225924"/>
+            <a:ext cx="4281726" cy="3917575"/>
+          </a:xfrm>
+          <a:prstGeom prst="rect">
+            <a:avLst/>
+          </a:prstGeom>
+          <a:noFill/>
+          <a:ln>
+            <a:noFill/>
+          </a:ln>
+        </p:spPr>
+      </p:pic>
     </p:spTree>
   </p:cSld>
   <p:clrMapOvr>
@@ -13349,7 +14469,7 @@
             </a:pPr>
             <a:r>
               <a:rPr lang="en"/>
-              <a:t>Services - Potential Issues</a:t>
+              <a:t>YggFinance Web App - To be Implemented</a:t>
             </a:r>
             <a:endParaRPr/>
           </a:p>
@@ -13365,8 +14485,8 @@
         </p:nvSpPr>
         <p:spPr>
           <a:xfrm>
-            <a:off x="1297650" y="1398225"/>
-            <a:ext cx="7038900" cy="3080400"/>
+            <a:off x="1225375" y="889600"/>
+            <a:ext cx="7038900" cy="2911200"/>
           </a:xfrm>
           <a:prstGeom prst="rect">
             <a:avLst/>
@@ -13390,7 +14510,41 @@
             </a:pPr>
             <a:r>
               <a:rPr lang="en"/>
-              <a:t>It will be a challenge to figure out how to filter out unnecessary data from the CSV files</a:t>
+              <a:t>CSV file handling</a:t>
+            </a:r>
+            <a:endParaRPr/>
+          </a:p>
+          <a:p>
+            <a:pPr indent="-298450" lvl="1" marL="914400" rtl="0" algn="l">
+              <a:spcBef>
+                <a:spcPts val="0"/>
+              </a:spcBef>
+              <a:spcAft>
+                <a:spcPts val="0"/>
+              </a:spcAft>
+              <a:buSzPts val="1100"/>
+              <a:buChar char="○"/>
+            </a:pPr>
+            <a:r>
+              <a:rPr lang="en"/>
+              <a:t>No CSV, no reconciliation</a:t>
+            </a:r>
+            <a:endParaRPr/>
+          </a:p>
+          <a:p>
+            <a:pPr indent="-298450" lvl="1" marL="914400" rtl="0" algn="l">
+              <a:spcBef>
+                <a:spcPts val="0"/>
+              </a:spcBef>
+              <a:spcAft>
+                <a:spcPts val="0"/>
+              </a:spcAft>
+              <a:buSzPts val="1100"/>
+              <a:buChar char="○"/>
+            </a:pPr>
+            <a:r>
+              <a:rPr lang="en"/>
+              <a:t>Upload Button</a:t>
             </a:r>
             <a:endParaRPr/>
           </a:p>
@@ -13407,542 +14561,74 @@
             </a:pPr>
             <a:r>
               <a:rPr lang="en"/>
-              <a:t>One possible </a:t>
-            </a:r>
+              <a:t>Selectable data labels for currencies (select text fields)</a:t>
+            </a:r>
+            <a:endParaRPr/>
+          </a:p>
+          <a:p>
+            <a:pPr indent="-311150" lvl="0" marL="457200" rtl="0" algn="l">
+              <a:spcBef>
+                <a:spcPts val="0"/>
+              </a:spcBef>
+              <a:spcAft>
+                <a:spcPts val="0"/>
+              </a:spcAft>
+              <a:buSzPts val="1300"/>
+              <a:buChar char="●"/>
+            </a:pPr>
             <a:r>
               <a:rPr lang="en"/>
-              <a:t>solution</a:t>
-            </a:r>
+              <a:t>Data input validation through the UI (helpertext)</a:t>
+            </a:r>
+            <a:endParaRPr/>
+          </a:p>
+          <a:p>
+            <a:pPr indent="-311150" lvl="0" marL="457200" rtl="0" algn="l">
+              <a:spcBef>
+                <a:spcPts val="0"/>
+              </a:spcBef>
+              <a:spcAft>
+                <a:spcPts val="0"/>
+              </a:spcAft>
+              <a:buSzPts val="1300"/>
+              <a:buChar char="●"/>
+            </a:pPr>
             <a:r>
               <a:rPr lang="en"/>
-              <a:t> would be to configure the CSV parsing to fit a specific format directly related to a specific financial </a:t>
-            </a:r>
-            <a:r>
-              <a:rPr lang="en"/>
-              <a:t>institution</a:t>
-            </a:r>
-            <a:endParaRPr/>
-          </a:p>
-          <a:p>
-            <a:pPr indent="-292100" lvl="1" marL="914400" rtl="0" algn="l">
-              <a:lnSpc>
-                <a:spcPct val="135714"/>
-              </a:lnSpc>
-              <a:spcBef>
-                <a:spcPts val="0"/>
-              </a:spcBef>
-              <a:spcAft>
-                <a:spcPts val="0"/>
-              </a:spcAft>
-              <a:buClr>
-                <a:srgbClr val="000000"/>
-              </a:buClr>
-              <a:buSzPts val="1000"/>
-              <a:buFont typeface="Arial"/>
-              <a:buChar char="○"/>
-            </a:pPr>
-            <a:r>
-              <a:t/>
-            </a:r>
-            <a:endParaRPr b="1" sz="1050">
-              <a:solidFill>
-                <a:srgbClr val="6A9955"/>
-              </a:solidFill>
-              <a:latin typeface="Courier New"/>
-              <a:ea typeface="Courier New"/>
-              <a:cs typeface="Courier New"/>
-              <a:sym typeface="Courier New"/>
-            </a:endParaRPr>
-          </a:p>
-          <a:p>
-            <a:pPr indent="0" lvl="0" marL="914400" rtl="0" algn="l">
-              <a:lnSpc>
-                <a:spcPct val="135714"/>
-              </a:lnSpc>
-              <a:spcBef>
-                <a:spcPts val="1000"/>
-              </a:spcBef>
-              <a:spcAft>
-                <a:spcPts val="0"/>
-              </a:spcAft>
-              <a:buNone/>
-            </a:pPr>
-            <a:r>
-              <a:rPr b="1" lang="en" sz="1050">
-                <a:solidFill>
-                  <a:srgbClr val="6A9955"/>
-                </a:solidFill>
-                <a:latin typeface="Courier New"/>
-                <a:ea typeface="Courier New"/>
-                <a:cs typeface="Courier New"/>
-                <a:sym typeface="Courier New"/>
-              </a:rPr>
-              <a:t>// set fields</a:t>
-            </a:r>
-            <a:endParaRPr b="1" sz="1050">
-              <a:solidFill>
-                <a:srgbClr val="6A9955"/>
-              </a:solidFill>
-              <a:latin typeface="Courier New"/>
-              <a:ea typeface="Courier New"/>
-              <a:cs typeface="Courier New"/>
-              <a:sym typeface="Courier New"/>
-            </a:endParaRPr>
-          </a:p>
-          <a:p>
-            <a:pPr indent="-292100" lvl="1" marL="914400" rtl="0" algn="l">
-              <a:lnSpc>
-                <a:spcPct val="135714"/>
-              </a:lnSpc>
-              <a:spcBef>
-                <a:spcPts val="1000"/>
-              </a:spcBef>
-              <a:spcAft>
-                <a:spcPts val="0"/>
-              </a:spcAft>
-              <a:buClr>
-                <a:srgbClr val="000000"/>
-              </a:buClr>
-              <a:buSzPts val="1000"/>
-              <a:buFont typeface="Arial"/>
-              <a:buChar char="○"/>
-            </a:pPr>
-            <a:r>
-              <a:rPr b="1" lang="en" sz="1050">
-                <a:solidFill>
-                  <a:srgbClr val="D4D4D4"/>
-                </a:solidFill>
-                <a:latin typeface="Courier New"/>
-                <a:ea typeface="Courier New"/>
-                <a:cs typeface="Courier New"/>
-                <a:sym typeface="Courier New"/>
-              </a:rPr>
-              <a:t>   </a:t>
-            </a:r>
-            <a:r>
-              <a:rPr b="1" lang="en" sz="1050">
-                <a:solidFill>
-                  <a:srgbClr val="C8C8C8"/>
-                </a:solidFill>
-                <a:latin typeface="Courier New"/>
-                <a:ea typeface="Courier New"/>
-                <a:cs typeface="Courier New"/>
-                <a:sym typeface="Courier New"/>
-              </a:rPr>
-              <a:t>hasHeaders</a:t>
-            </a:r>
-            <a:r>
-              <a:rPr b="1" lang="en" sz="1050">
-                <a:solidFill>
-                  <a:srgbClr val="D4D4D4"/>
-                </a:solidFill>
-                <a:latin typeface="Courier New"/>
-                <a:ea typeface="Courier New"/>
-                <a:cs typeface="Courier New"/>
-                <a:sym typeface="Courier New"/>
-              </a:rPr>
-              <a:t>: </a:t>
-            </a:r>
-            <a:r>
-              <a:rPr b="1" lang="en" sz="1050">
-                <a:solidFill>
-                  <a:srgbClr val="9CDCFE"/>
-                </a:solidFill>
-                <a:latin typeface="Courier New"/>
-                <a:ea typeface="Courier New"/>
-                <a:cs typeface="Courier New"/>
-                <a:sym typeface="Courier New"/>
-              </a:rPr>
-              <a:t>boolean</a:t>
-            </a:r>
-            <a:endParaRPr b="1" sz="1050">
-              <a:solidFill>
-                <a:srgbClr val="9CDCFE"/>
-              </a:solidFill>
-              <a:latin typeface="Courier New"/>
-              <a:ea typeface="Courier New"/>
-              <a:cs typeface="Courier New"/>
-              <a:sym typeface="Courier New"/>
-            </a:endParaRPr>
-          </a:p>
-          <a:p>
-            <a:pPr indent="-292100" lvl="1" marL="914400" rtl="0" algn="l">
-              <a:lnSpc>
-                <a:spcPct val="135714"/>
-              </a:lnSpc>
-              <a:spcBef>
-                <a:spcPts val="0"/>
-              </a:spcBef>
-              <a:spcAft>
-                <a:spcPts val="0"/>
-              </a:spcAft>
-              <a:buClr>
-                <a:srgbClr val="000000"/>
-              </a:buClr>
-              <a:buSzPts val="1000"/>
-              <a:buFont typeface="Arial"/>
-              <a:buChar char="○"/>
-            </a:pPr>
-            <a:r>
-              <a:rPr b="1" lang="en" sz="1050">
-                <a:solidFill>
-                  <a:srgbClr val="D4D4D4"/>
-                </a:solidFill>
-                <a:latin typeface="Courier New"/>
-                <a:ea typeface="Courier New"/>
-                <a:cs typeface="Courier New"/>
-                <a:sym typeface="Courier New"/>
-              </a:rPr>
-              <a:t>   </a:t>
-            </a:r>
-            <a:r>
-              <a:rPr b="1" lang="en" sz="1050">
-                <a:solidFill>
-                  <a:srgbClr val="C8C8C8"/>
-                </a:solidFill>
-                <a:latin typeface="Courier New"/>
-                <a:ea typeface="Courier New"/>
-                <a:cs typeface="Courier New"/>
-                <a:sym typeface="Courier New"/>
-              </a:rPr>
-              <a:t>merchantColumn</a:t>
-            </a:r>
-            <a:r>
-              <a:rPr b="1" lang="en" sz="1050">
-                <a:solidFill>
-                  <a:srgbClr val="D4D4D4"/>
-                </a:solidFill>
-                <a:latin typeface="Courier New"/>
-                <a:ea typeface="Courier New"/>
-                <a:cs typeface="Courier New"/>
-                <a:sym typeface="Courier New"/>
-              </a:rPr>
-              <a:t>: </a:t>
-            </a:r>
-            <a:r>
-              <a:rPr b="1" lang="en" sz="1050">
-                <a:solidFill>
-                  <a:srgbClr val="9CDCFE"/>
-                </a:solidFill>
-                <a:latin typeface="Courier New"/>
-                <a:ea typeface="Courier New"/>
-                <a:cs typeface="Courier New"/>
-                <a:sym typeface="Courier New"/>
-              </a:rPr>
-              <a:t>string</a:t>
-            </a:r>
-            <a:endParaRPr b="1" sz="1050">
-              <a:solidFill>
-                <a:srgbClr val="9CDCFE"/>
-              </a:solidFill>
-              <a:latin typeface="Courier New"/>
-              <a:ea typeface="Courier New"/>
-              <a:cs typeface="Courier New"/>
-              <a:sym typeface="Courier New"/>
-            </a:endParaRPr>
-          </a:p>
-          <a:p>
-            <a:pPr indent="-292100" lvl="1" marL="914400" rtl="0" algn="l">
-              <a:lnSpc>
-                <a:spcPct val="135714"/>
-              </a:lnSpc>
-              <a:spcBef>
-                <a:spcPts val="0"/>
-              </a:spcBef>
-              <a:spcAft>
-                <a:spcPts val="0"/>
-              </a:spcAft>
-              <a:buClr>
-                <a:srgbClr val="000000"/>
-              </a:buClr>
-              <a:buSzPts val="1000"/>
-              <a:buFont typeface="Arial"/>
-              <a:buChar char="○"/>
-            </a:pPr>
-            <a:r>
-              <a:rPr b="1" lang="en" sz="1050">
-                <a:solidFill>
-                  <a:srgbClr val="D4D4D4"/>
-                </a:solidFill>
-                <a:latin typeface="Courier New"/>
-                <a:ea typeface="Courier New"/>
-                <a:cs typeface="Courier New"/>
-                <a:sym typeface="Courier New"/>
-              </a:rPr>
-              <a:t>   </a:t>
-            </a:r>
-            <a:r>
-              <a:rPr b="1" lang="en" sz="1050">
-                <a:solidFill>
-                  <a:srgbClr val="C8C8C8"/>
-                </a:solidFill>
-                <a:latin typeface="Courier New"/>
-                <a:ea typeface="Courier New"/>
-                <a:cs typeface="Courier New"/>
-                <a:sym typeface="Courier New"/>
-              </a:rPr>
-              <a:t>amountColumn</a:t>
-            </a:r>
-            <a:r>
-              <a:rPr b="1" lang="en" sz="1050">
-                <a:solidFill>
-                  <a:srgbClr val="D4D4D4"/>
-                </a:solidFill>
-                <a:latin typeface="Courier New"/>
-                <a:ea typeface="Courier New"/>
-                <a:cs typeface="Courier New"/>
-                <a:sym typeface="Courier New"/>
-              </a:rPr>
-              <a:t>: </a:t>
-            </a:r>
-            <a:r>
-              <a:rPr b="1" lang="en" sz="1050">
-                <a:solidFill>
-                  <a:srgbClr val="9CDCFE"/>
-                </a:solidFill>
-                <a:latin typeface="Courier New"/>
-                <a:ea typeface="Courier New"/>
-                <a:cs typeface="Courier New"/>
-                <a:sym typeface="Courier New"/>
-              </a:rPr>
-              <a:t>string</a:t>
-            </a:r>
-            <a:endParaRPr b="1" sz="1050">
-              <a:solidFill>
-                <a:srgbClr val="9CDCFE"/>
-              </a:solidFill>
-              <a:latin typeface="Courier New"/>
-              <a:ea typeface="Courier New"/>
-              <a:cs typeface="Courier New"/>
-              <a:sym typeface="Courier New"/>
-            </a:endParaRPr>
-          </a:p>
-          <a:p>
-            <a:pPr indent="-292100" lvl="1" marL="914400" rtl="0" algn="l">
-              <a:lnSpc>
-                <a:spcPct val="135714"/>
-              </a:lnSpc>
-              <a:spcBef>
-                <a:spcPts val="0"/>
-              </a:spcBef>
-              <a:spcAft>
-                <a:spcPts val="0"/>
-              </a:spcAft>
-              <a:buClr>
-                <a:srgbClr val="000000"/>
-              </a:buClr>
-              <a:buSzPts val="1000"/>
-              <a:buFont typeface="Arial"/>
-              <a:buChar char="○"/>
-            </a:pPr>
-            <a:r>
-              <a:rPr b="1" lang="en" sz="1050">
-                <a:solidFill>
-                  <a:srgbClr val="D4D4D4"/>
-                </a:solidFill>
-                <a:latin typeface="Courier New"/>
-                <a:ea typeface="Courier New"/>
-                <a:cs typeface="Courier New"/>
-                <a:sym typeface="Courier New"/>
-              </a:rPr>
-              <a:t>   </a:t>
-            </a:r>
-            <a:r>
-              <a:rPr b="1" lang="en" sz="1050">
-                <a:solidFill>
-                  <a:srgbClr val="C8C8C8"/>
-                </a:solidFill>
-                <a:latin typeface="Courier New"/>
-                <a:ea typeface="Courier New"/>
-                <a:cs typeface="Courier New"/>
-                <a:sym typeface="Courier New"/>
-              </a:rPr>
-              <a:t>dateColumn</a:t>
-            </a:r>
-            <a:r>
-              <a:rPr b="1" lang="en" sz="1050">
-                <a:solidFill>
-                  <a:srgbClr val="D4D4D4"/>
-                </a:solidFill>
-                <a:latin typeface="Courier New"/>
-                <a:ea typeface="Courier New"/>
-                <a:cs typeface="Courier New"/>
-                <a:sym typeface="Courier New"/>
-              </a:rPr>
-              <a:t>: </a:t>
-            </a:r>
-            <a:r>
-              <a:rPr b="1" lang="en" sz="1050">
-                <a:solidFill>
-                  <a:srgbClr val="9CDCFE"/>
-                </a:solidFill>
-                <a:latin typeface="Courier New"/>
-                <a:ea typeface="Courier New"/>
-                <a:cs typeface="Courier New"/>
-                <a:sym typeface="Courier New"/>
-              </a:rPr>
-              <a:t>string</a:t>
-            </a:r>
-            <a:endParaRPr b="1" sz="1050">
-              <a:solidFill>
-                <a:srgbClr val="9CDCFE"/>
-              </a:solidFill>
-              <a:latin typeface="Courier New"/>
-              <a:ea typeface="Courier New"/>
-              <a:cs typeface="Courier New"/>
-              <a:sym typeface="Courier New"/>
-            </a:endParaRPr>
-          </a:p>
-          <a:p>
-            <a:pPr indent="-292100" lvl="1" marL="914400" rtl="0" algn="l">
-              <a:lnSpc>
-                <a:spcPct val="135714"/>
-              </a:lnSpc>
-              <a:spcBef>
-                <a:spcPts val="0"/>
-              </a:spcBef>
-              <a:spcAft>
-                <a:spcPts val="0"/>
-              </a:spcAft>
-              <a:buClr>
-                <a:srgbClr val="000000"/>
-              </a:buClr>
-              <a:buSzPts val="1000"/>
-              <a:buFont typeface="Arial"/>
-              <a:buChar char="○"/>
-            </a:pPr>
-            <a:r>
-              <a:rPr b="1" lang="en" sz="1050">
-                <a:solidFill>
-                  <a:srgbClr val="6A9955"/>
-                </a:solidFill>
-                <a:latin typeface="Courier New"/>
-                <a:ea typeface="Courier New"/>
-                <a:cs typeface="Courier New"/>
-                <a:sym typeface="Courier New"/>
-              </a:rPr>
-              <a:t>// appended files</a:t>
-            </a:r>
-            <a:endParaRPr b="1" sz="1050">
-              <a:solidFill>
-                <a:srgbClr val="6A9955"/>
-              </a:solidFill>
-              <a:latin typeface="Courier New"/>
-              <a:ea typeface="Courier New"/>
-              <a:cs typeface="Courier New"/>
-              <a:sym typeface="Courier New"/>
-            </a:endParaRPr>
-          </a:p>
-          <a:p>
-            <a:pPr indent="-292100" lvl="1" marL="914400" rtl="0" algn="l">
-              <a:lnSpc>
-                <a:spcPct val="135714"/>
-              </a:lnSpc>
-              <a:spcBef>
-                <a:spcPts val="0"/>
-              </a:spcBef>
-              <a:spcAft>
-                <a:spcPts val="0"/>
-              </a:spcAft>
-              <a:buClr>
-                <a:srgbClr val="000000"/>
-              </a:buClr>
-              <a:buSzPts val="1000"/>
-              <a:buFont typeface="Arial"/>
-              <a:buChar char="○"/>
-            </a:pPr>
-            <a:r>
-              <a:rPr b="1" lang="en" sz="1050">
-                <a:solidFill>
-                  <a:srgbClr val="D4D4D4"/>
-                </a:solidFill>
-                <a:latin typeface="Courier New"/>
-                <a:ea typeface="Courier New"/>
-                <a:cs typeface="Courier New"/>
-                <a:sym typeface="Courier New"/>
-              </a:rPr>
-              <a:t>   </a:t>
-            </a:r>
-            <a:r>
-              <a:rPr b="1" lang="en" sz="1050">
-                <a:solidFill>
-                  <a:srgbClr val="C8C8C8"/>
-                </a:solidFill>
-                <a:latin typeface="Courier New"/>
-                <a:ea typeface="Courier New"/>
-                <a:cs typeface="Courier New"/>
-                <a:sym typeface="Courier New"/>
-              </a:rPr>
-              <a:t>file</a:t>
-            </a:r>
-            <a:r>
-              <a:rPr b="1" lang="en" sz="1050">
-                <a:solidFill>
-                  <a:srgbClr val="D4D4D4"/>
-                </a:solidFill>
-                <a:latin typeface="Courier New"/>
-                <a:ea typeface="Courier New"/>
-                <a:cs typeface="Courier New"/>
-                <a:sym typeface="Courier New"/>
-              </a:rPr>
-              <a:t>: </a:t>
-            </a:r>
-            <a:r>
-              <a:rPr b="1" lang="en" sz="1050">
-                <a:solidFill>
-                  <a:srgbClr val="9CDCFE"/>
-                </a:solidFill>
-                <a:latin typeface="Courier New"/>
-                <a:ea typeface="Courier New"/>
-                <a:cs typeface="Courier New"/>
-                <a:sym typeface="Courier New"/>
-              </a:rPr>
-              <a:t>file</a:t>
-            </a:r>
-            <a:endParaRPr b="1" sz="1000">
-              <a:solidFill>
-                <a:srgbClr val="000000"/>
-              </a:solidFill>
-              <a:latin typeface="Arial"/>
-              <a:ea typeface="Arial"/>
-              <a:cs typeface="Arial"/>
-              <a:sym typeface="Arial"/>
-            </a:endParaRPr>
-          </a:p>
-          <a:p>
-            <a:pPr indent="-292100" lvl="0" marL="457200" rtl="0" algn="l">
-              <a:lnSpc>
-                <a:spcPct val="114999"/>
-              </a:lnSpc>
-              <a:spcBef>
-                <a:spcPts val="0"/>
-              </a:spcBef>
-              <a:spcAft>
-                <a:spcPts val="0"/>
-              </a:spcAft>
-              <a:buClr>
-                <a:srgbClr val="000000"/>
-              </a:buClr>
-              <a:buSzPts val="1000"/>
-              <a:buFont typeface="Arial"/>
-              <a:buChar char="●"/>
-            </a:pPr>
-            <a:r>
-              <a:rPr b="1" lang="en" sz="1000">
-                <a:solidFill>
-                  <a:srgbClr val="000000"/>
-                </a:solidFill>
-                <a:latin typeface="Arial"/>
-                <a:ea typeface="Arial"/>
-                <a:cs typeface="Arial"/>
-                <a:sym typeface="Arial"/>
-              </a:rPr>
-              <a:t>csv-process-response-msg</a:t>
+              <a:t>UI grid editing</a:t>
             </a:r>
             <a:endParaRPr/>
           </a:p>
         </p:txBody>
       </p:sp>
+      <p:pic>
+        <p:nvPicPr>
+          <p:cNvPr id="169" name="Google Shape;169;p18"/>
+          <p:cNvPicPr preferRelativeResize="0"/>
+          <p:nvPr/>
+        </p:nvPicPr>
+        <p:blipFill>
+          <a:blip r:embed="rId3">
+            <a:alphaModFix/>
+          </a:blip>
+          <a:stretch>
+            <a:fillRect/>
+          </a:stretch>
+        </p:blipFill>
+        <p:spPr>
+          <a:xfrm>
+            <a:off x="1776438" y="2322050"/>
+            <a:ext cx="5591125" cy="2821450"/>
+          </a:xfrm>
+          <a:prstGeom prst="rect">
+            <a:avLst/>
+          </a:prstGeom>
+          <a:noFill/>
+          <a:ln>
+            <a:noFill/>
+          </a:ln>
+        </p:spPr>
+      </p:pic>
     </p:spTree>
   </p:cSld>
   <p:clrMapOvr>
@@ -13956,7 +14642,7 @@
   <p:cSld>
     <p:spTree>
       <p:nvGrpSpPr>
-        <p:cNvPr id="172" name="Shape 172"/>
+        <p:cNvPr id="173" name="Shape 173"/>
         <p:cNvGrpSpPr/>
         <p:nvPr/>
       </p:nvGrpSpPr>
@@ -13970,7 +14656,7 @@
       </p:grpSpPr>
       <p:sp>
         <p:nvSpPr>
-          <p:cNvPr id="173" name="Google Shape;173;p19"/>
+          <p:cNvPr id="174" name="Google Shape;174;p19"/>
           <p:cNvSpPr txBox="1"/>
           <p:nvPr>
             <p:ph type="title"/>
@@ -14002,7 +14688,7 @@
             </a:pPr>
             <a:r>
               <a:rPr lang="en"/>
-              <a:t>Yggdrasil Server - Issues</a:t>
+              <a:t>YggFinance Web App - Potential Issues</a:t>
             </a:r>
             <a:endParaRPr/>
           </a:p>
@@ -14010,7 +14696,405 @@
       </p:sp>
       <p:sp>
         <p:nvSpPr>
-          <p:cNvPr id="174" name="Google Shape;174;p19"/>
+          <p:cNvPr id="175" name="Google Shape;175;p19"/>
+          <p:cNvSpPr txBox="1"/>
+          <p:nvPr>
+            <p:ph idx="1" type="body"/>
+          </p:nvPr>
+        </p:nvSpPr>
+        <p:spPr>
+          <a:xfrm>
+            <a:off x="1052550" y="1307850"/>
+            <a:ext cx="7038900" cy="2911200"/>
+          </a:xfrm>
+          <a:prstGeom prst="rect">
+            <a:avLst/>
+          </a:prstGeom>
+        </p:spPr>
+        <p:txBody>
+          <a:bodyPr anchorCtr="0" anchor="t" bIns="91425" lIns="91425" spcFirstLastPara="1" rIns="91425" wrap="square" tIns="91425">
+            <a:normAutofit/>
+          </a:bodyPr>
+          <a:lstStyle/>
+          <a:p>
+            <a:pPr indent="-330200" lvl="0" marL="457200" rtl="0" algn="l">
+              <a:spcBef>
+                <a:spcPts val="0"/>
+              </a:spcBef>
+              <a:spcAft>
+                <a:spcPts val="0"/>
+              </a:spcAft>
+              <a:buSzPts val="1600"/>
+              <a:buChar char="●"/>
+            </a:pPr>
+            <a:r>
+              <a:rPr lang="en" sz="1600"/>
+              <a:t>Items are compartmentalized</a:t>
+            </a:r>
+            <a:endParaRPr sz="1600"/>
+          </a:p>
+          <a:p>
+            <a:pPr indent="-330200" lvl="1" marL="914400" rtl="0" algn="l">
+              <a:spcBef>
+                <a:spcPts val="0"/>
+              </a:spcBef>
+              <a:spcAft>
+                <a:spcPts val="0"/>
+              </a:spcAft>
+              <a:buSzPts val="1600"/>
+              <a:buChar char="○"/>
+            </a:pPr>
+            <a:r>
+              <a:rPr lang="en" sz="1600"/>
+              <a:t>Proper communication of data</a:t>
+            </a:r>
+            <a:endParaRPr sz="1600"/>
+          </a:p>
+          <a:p>
+            <a:pPr indent="-330200" lvl="0" marL="457200" rtl="0" algn="l">
+              <a:spcBef>
+                <a:spcPts val="0"/>
+              </a:spcBef>
+              <a:spcAft>
+                <a:spcPts val="0"/>
+              </a:spcAft>
+              <a:buSzPts val="1600"/>
+              <a:buChar char="●"/>
+            </a:pPr>
+            <a:r>
+              <a:rPr lang="en" sz="1600"/>
+              <a:t>Stored user data loaded upon app load</a:t>
+            </a:r>
+            <a:endParaRPr sz="1600"/>
+          </a:p>
+          <a:p>
+            <a:pPr indent="-330200" lvl="1" marL="914400" rtl="0" algn="l">
+              <a:spcBef>
+                <a:spcPts val="0"/>
+              </a:spcBef>
+              <a:spcAft>
+                <a:spcPts val="0"/>
+              </a:spcAft>
+              <a:buSzPts val="1600"/>
+              <a:buChar char="○"/>
+            </a:pPr>
+            <a:r>
+              <a:rPr lang="en" sz="1600"/>
+              <a:t>User sign-in?</a:t>
+            </a:r>
+            <a:endParaRPr sz="1600"/>
+          </a:p>
+          <a:p>
+            <a:pPr indent="-330200" lvl="0" marL="457200" rtl="0" algn="l">
+              <a:spcBef>
+                <a:spcPts val="0"/>
+              </a:spcBef>
+              <a:spcAft>
+                <a:spcPts val="0"/>
+              </a:spcAft>
+              <a:buSzPts val="1600"/>
+              <a:buChar char="●"/>
+            </a:pPr>
+            <a:r>
+              <a:rPr lang="en" sz="1600"/>
+              <a:t>Auto-update item fields</a:t>
+            </a:r>
+            <a:endParaRPr sz="1600"/>
+          </a:p>
+        </p:txBody>
+      </p:sp>
+      <p:pic>
+        <p:nvPicPr>
+          <p:cNvPr id="176" name="Google Shape;176;p19"/>
+          <p:cNvPicPr preferRelativeResize="0"/>
+          <p:nvPr/>
+        </p:nvPicPr>
+        <p:blipFill>
+          <a:blip r:embed="rId3">
+            <a:alphaModFix/>
+          </a:blip>
+          <a:stretch>
+            <a:fillRect/>
+          </a:stretch>
+        </p:blipFill>
+        <p:spPr>
+          <a:xfrm>
+            <a:off x="4309625" y="2985475"/>
+            <a:ext cx="4462475" cy="1595525"/>
+          </a:xfrm>
+          <a:prstGeom prst="rect">
+            <a:avLst/>
+          </a:prstGeom>
+          <a:noFill/>
+          <a:ln>
+            <a:noFill/>
+          </a:ln>
+        </p:spPr>
+      </p:pic>
+    </p:spTree>
+  </p:cSld>
+  <p:clrMapOvr>
+    <a:masterClrMapping/>
+  </p:clrMapOvr>
+</p:sld>
+</file>
+
+<file path=ppt/slides/slide8.xml><?xml version="1.0" encoding="utf-8"?>
+<p:sld xmlns:a="http://schemas.openxmlformats.org/drawingml/2006/main" xmlns:r="http://schemas.openxmlformats.org/officeDocument/2006/relationships" xmlns:mc="http://schemas.openxmlformats.org/markup-compatibility/2006" xmlns:mv="urn:schemas-microsoft-com:mac:vml" xmlns:p="http://schemas.openxmlformats.org/presentationml/2006/main" xmlns:c="http://schemas.openxmlformats.org/drawingml/2006/chart" xmlns:dgm="http://schemas.openxmlformats.org/drawingml/2006/diagram" xmlns:o="urn:schemas-microsoft-com:office:office" xmlns:v="urn:schemas-microsoft-com:vml" xmlns:pvml="urn:schemas-microsoft-com:office:powerpoint" xmlns:com="http://schemas.openxmlformats.org/drawingml/2006/compatibility" xmlns:p14="http://schemas.microsoft.com/office/powerpoint/2010/main" xmlns:p15="http://schemas.microsoft.com/office/powerpoint/2012/main" xmlns:ahyp="http://schemas.microsoft.com/office/drawing/2018/hyperlinkcolor">
+  <p:cSld>
+    <p:spTree>
+      <p:nvGrpSpPr>
+        <p:cNvPr id="180" name="Shape 180"/>
+        <p:cNvGrpSpPr/>
+        <p:nvPr/>
+      </p:nvGrpSpPr>
+      <p:grpSpPr>
+        <a:xfrm>
+          <a:off x="0" y="0"/>
+          <a:ext cx="0" cy="0"/>
+          <a:chOff x="0" y="0"/>
+          <a:chExt cx="0" cy="0"/>
+        </a:xfrm>
+      </p:grpSpPr>
+      <p:sp>
+        <p:nvSpPr>
+          <p:cNvPr id="181" name="Google Shape;181;p20"/>
+          <p:cNvSpPr txBox="1"/>
+          <p:nvPr>
+            <p:ph type="title"/>
+          </p:nvPr>
+        </p:nvSpPr>
+        <p:spPr>
+          <a:xfrm>
+            <a:off x="1297500" y="393750"/>
+            <a:ext cx="7038900" cy="914100"/>
+          </a:xfrm>
+          <a:prstGeom prst="rect">
+            <a:avLst/>
+          </a:prstGeom>
+        </p:spPr>
+        <p:txBody>
+          <a:bodyPr anchorCtr="0" anchor="t" bIns="91425" lIns="91425" spcFirstLastPara="1" rIns="91425" wrap="square" tIns="91425">
+            <a:normAutofit/>
+          </a:bodyPr>
+          <a:lstStyle/>
+          <a:p>
+            <a:pPr indent="0" lvl="0" marL="0" rtl="0" algn="l">
+              <a:spcBef>
+                <a:spcPts val="0"/>
+              </a:spcBef>
+              <a:spcAft>
+                <a:spcPts val="0"/>
+              </a:spcAft>
+              <a:buNone/>
+            </a:pPr>
+            <a:r>
+              <a:rPr lang="en"/>
+              <a:t>Services - To be Implemented</a:t>
+            </a:r>
+            <a:endParaRPr/>
+          </a:p>
+        </p:txBody>
+      </p:sp>
+      <p:sp>
+        <p:nvSpPr>
+          <p:cNvPr id="182" name="Google Shape;182;p20"/>
+          <p:cNvSpPr txBox="1"/>
+          <p:nvPr>
+            <p:ph idx="1" type="body"/>
+          </p:nvPr>
+        </p:nvSpPr>
+        <p:spPr>
+          <a:xfrm>
+            <a:off x="268825" y="1437700"/>
+            <a:ext cx="4435200" cy="815400"/>
+          </a:xfrm>
+          <a:prstGeom prst="rect">
+            <a:avLst/>
+          </a:prstGeom>
+        </p:spPr>
+        <p:txBody>
+          <a:bodyPr anchorCtr="0" anchor="t" bIns="91425" lIns="91425" spcFirstLastPara="1" rIns="91425" wrap="square" tIns="91425">
+            <a:normAutofit lnSpcReduction="10000"/>
+          </a:bodyPr>
+          <a:lstStyle/>
+          <a:p>
+            <a:pPr indent="-311150" lvl="0" marL="457200" rtl="0" algn="l">
+              <a:spcBef>
+                <a:spcPts val="0"/>
+              </a:spcBef>
+              <a:spcAft>
+                <a:spcPts val="0"/>
+              </a:spcAft>
+              <a:buSzPts val="1300"/>
+              <a:buChar char="●"/>
+            </a:pPr>
+            <a:r>
+              <a:rPr lang="en"/>
+              <a:t>Monthly Budget</a:t>
+            </a:r>
+            <a:endParaRPr/>
+          </a:p>
+          <a:p>
+            <a:pPr indent="-311150" lvl="0" marL="457200" rtl="0" algn="l">
+              <a:spcBef>
+                <a:spcPts val="0"/>
+              </a:spcBef>
+              <a:spcAft>
+                <a:spcPts val="0"/>
+              </a:spcAft>
+              <a:buSzPts val="1300"/>
+              <a:buChar char="●"/>
+            </a:pPr>
+            <a:r>
+              <a:rPr lang="en"/>
+              <a:t>Savings Planner</a:t>
+            </a:r>
+            <a:endParaRPr/>
+          </a:p>
+          <a:p>
+            <a:pPr indent="-311150" lvl="0" marL="457200" rtl="0" algn="l">
+              <a:spcBef>
+                <a:spcPts val="0"/>
+              </a:spcBef>
+              <a:spcAft>
+                <a:spcPts val="0"/>
+              </a:spcAft>
+              <a:buSzPts val="1300"/>
+              <a:buChar char="●"/>
+            </a:pPr>
+            <a:r>
+              <a:rPr lang="en"/>
+              <a:t>Net Worth </a:t>
+            </a:r>
+            <a:endParaRPr/>
+          </a:p>
+        </p:txBody>
+      </p:sp>
+      <p:pic>
+        <p:nvPicPr>
+          <p:cNvPr id="183" name="Google Shape;183;p20"/>
+          <p:cNvPicPr preferRelativeResize="0"/>
+          <p:nvPr/>
+        </p:nvPicPr>
+        <p:blipFill>
+          <a:blip r:embed="rId3">
+            <a:alphaModFix/>
+          </a:blip>
+          <a:stretch>
+            <a:fillRect/>
+          </a:stretch>
+        </p:blipFill>
+        <p:spPr>
+          <a:xfrm>
+            <a:off x="5435750" y="1051275"/>
+            <a:ext cx="3629025" cy="2933700"/>
+          </a:xfrm>
+          <a:prstGeom prst="rect">
+            <a:avLst/>
+          </a:prstGeom>
+          <a:noFill/>
+          <a:ln>
+            <a:noFill/>
+          </a:ln>
+        </p:spPr>
+      </p:pic>
+      <p:pic>
+        <p:nvPicPr>
+          <p:cNvPr id="184" name="Google Shape;184;p20"/>
+          <p:cNvPicPr preferRelativeResize="0"/>
+          <p:nvPr/>
+        </p:nvPicPr>
+        <p:blipFill>
+          <a:blip r:embed="rId4">
+            <a:alphaModFix/>
+          </a:blip>
+          <a:stretch>
+            <a:fillRect/>
+          </a:stretch>
+        </p:blipFill>
+        <p:spPr>
+          <a:xfrm>
+            <a:off x="419450" y="2382950"/>
+            <a:ext cx="5143525" cy="2647925"/>
+          </a:xfrm>
+          <a:prstGeom prst="rect">
+            <a:avLst/>
+          </a:prstGeom>
+          <a:noFill/>
+          <a:ln>
+            <a:noFill/>
+          </a:ln>
+        </p:spPr>
+      </p:pic>
+    </p:spTree>
+  </p:cSld>
+  <p:clrMapOvr>
+    <a:masterClrMapping/>
+  </p:clrMapOvr>
+</p:sld>
+</file>
+
+<file path=ppt/slides/slide9.xml><?xml version="1.0" encoding="utf-8"?>
+<p:sld xmlns:a="http://schemas.openxmlformats.org/drawingml/2006/main" xmlns:r="http://schemas.openxmlformats.org/officeDocument/2006/relationships" xmlns:mc="http://schemas.openxmlformats.org/markup-compatibility/2006" xmlns:mv="urn:schemas-microsoft-com:mac:vml" xmlns:p="http://schemas.openxmlformats.org/presentationml/2006/main" xmlns:c="http://schemas.openxmlformats.org/drawingml/2006/chart" xmlns:dgm="http://schemas.openxmlformats.org/drawingml/2006/diagram" xmlns:o="urn:schemas-microsoft-com:office:office" xmlns:v="urn:schemas-microsoft-com:vml" xmlns:pvml="urn:schemas-microsoft-com:office:powerpoint" xmlns:com="http://schemas.openxmlformats.org/drawingml/2006/compatibility" xmlns:p14="http://schemas.microsoft.com/office/powerpoint/2010/main" xmlns:p15="http://schemas.microsoft.com/office/powerpoint/2012/main" xmlns:ahyp="http://schemas.microsoft.com/office/drawing/2018/hyperlinkcolor">
+  <p:cSld>
+    <p:spTree>
+      <p:nvGrpSpPr>
+        <p:cNvPr id="188" name="Shape 188"/>
+        <p:cNvGrpSpPr/>
+        <p:nvPr/>
+      </p:nvGrpSpPr>
+      <p:grpSpPr>
+        <a:xfrm>
+          <a:off x="0" y="0"/>
+          <a:ext cx="0" cy="0"/>
+          <a:chOff x="0" y="0"/>
+          <a:chExt cx="0" cy="0"/>
+        </a:xfrm>
+      </p:grpSpPr>
+      <p:sp>
+        <p:nvSpPr>
+          <p:cNvPr id="189" name="Google Shape;189;p21"/>
+          <p:cNvSpPr txBox="1"/>
+          <p:nvPr>
+            <p:ph type="title"/>
+          </p:nvPr>
+        </p:nvSpPr>
+        <p:spPr>
+          <a:xfrm>
+            <a:off x="1297500" y="393750"/>
+            <a:ext cx="7038900" cy="914100"/>
+          </a:xfrm>
+          <a:prstGeom prst="rect">
+            <a:avLst/>
+          </a:prstGeom>
+        </p:spPr>
+        <p:txBody>
+          <a:bodyPr anchorCtr="0" anchor="t" bIns="91425" lIns="91425" spcFirstLastPara="1" rIns="91425" wrap="square" tIns="91425">
+            <a:normAutofit/>
+          </a:bodyPr>
+          <a:lstStyle/>
+          <a:p>
+            <a:pPr indent="0" lvl="0" marL="0" rtl="0" algn="l">
+              <a:spcBef>
+                <a:spcPts val="0"/>
+              </a:spcBef>
+              <a:spcAft>
+                <a:spcPts val="0"/>
+              </a:spcAft>
+              <a:buNone/>
+            </a:pPr>
+            <a:r>
+              <a:rPr lang="en"/>
+              <a:t>Functions - Completed</a:t>
+            </a:r>
+            <a:endParaRPr/>
+          </a:p>
+        </p:txBody>
+      </p:sp>
+      <p:sp>
+        <p:nvSpPr>
+          <p:cNvPr id="190" name="Google Shape;190;p21"/>
           <p:cNvSpPr txBox="1"/>
           <p:nvPr>
             <p:ph idx="1" type="body"/>
@@ -14031,25 +15115,9 @@
           </a:bodyPr>
           <a:lstStyle/>
           <a:p>
-            <a:pPr indent="0" lvl="0" marL="0" rtl="0" algn="l">
-              <a:spcBef>
-                <a:spcPts val="0"/>
-              </a:spcBef>
-              <a:spcAft>
-                <a:spcPts val="0"/>
-              </a:spcAft>
-              <a:buNone/>
-            </a:pPr>
-            <a:r>
-              <a:rPr lang="en"/>
-              <a:t>Host on LAN? Easy and lots of experience with!</a:t>
-            </a:r>
-            <a:endParaRPr/>
-          </a:p>
-          <a:p>
             <a:pPr indent="-311150" lvl="0" marL="457200" rtl="0" algn="l">
               <a:spcBef>
-                <a:spcPts val="1200"/>
+                <a:spcPts val="0"/>
               </a:spcBef>
               <a:spcAft>
                 <a:spcPts val="0"/>
@@ -14059,7 +15127,24 @@
             </a:pPr>
             <a:r>
               <a:rPr lang="en"/>
-              <a:t>Q. how about opening it to the internet?</a:t>
+              <a:t>The two functions of the Planning service have been written and tested some</a:t>
+            </a:r>
+            <a:endParaRPr/>
+          </a:p>
+          <a:p>
+            <a:pPr indent="-298450" lvl="1" marL="914400" rtl="0" algn="l">
+              <a:spcBef>
+                <a:spcPts val="0"/>
+              </a:spcBef>
+              <a:spcAft>
+                <a:spcPts val="0"/>
+              </a:spcAft>
+              <a:buSzPts val="1100"/>
+              <a:buChar char="○"/>
+            </a:pPr>
+            <a:r>
+              <a:rPr lang="en"/>
+              <a:t>Two functions are calcTimeFrame() and calcEndBalance()</a:t>
             </a:r>
             <a:endParaRPr/>
           </a:p>
@@ -14076,30 +15161,39 @@
             </a:pPr>
             <a:r>
               <a:rPr lang="en"/>
-              <a:t>A. Have fun with that!</a:t>
+              <a:t>The Monthly Budget </a:t>
+            </a:r>
+            <a:r>
+              <a:rPr lang="en"/>
+              <a:t>service</a:t>
+            </a:r>
+            <a:r>
+              <a:rPr lang="en"/>
+              <a:t> has been written besides CSV implementation</a:t>
             </a:r>
             <a:endParaRPr/>
           </a:p>
           <a:p>
-            <a:pPr indent="0" lvl="0" marL="0" rtl="0" algn="l">
-              <a:spcBef>
-                <a:spcPts val="1200"/>
-              </a:spcBef>
-              <a:spcAft>
-                <a:spcPts val="0"/>
-              </a:spcAft>
-              <a:buNone/>
+            <a:pPr indent="-298450" lvl="1" marL="914400" rtl="0" algn="l">
+              <a:spcBef>
+                <a:spcPts val="0"/>
+              </a:spcBef>
+              <a:spcAft>
+                <a:spcPts val="0"/>
+              </a:spcAft>
+              <a:buSzPts val="1100"/>
+              <a:buChar char="○"/>
             </a:pPr>
             <a:r>
               <a:rPr lang="en"/>
-              <a:t>Issues:</a:t>
+              <a:t>Function parseCSV() partially implemented</a:t>
             </a:r>
             <a:endParaRPr/>
           </a:p>
           <a:p>
             <a:pPr indent="-311150" lvl="0" marL="457200" rtl="0" algn="l">
               <a:spcBef>
-                <a:spcPts val="1200"/>
+                <a:spcPts val="0"/>
               </a:spcBef>
               <a:spcAft>
                 <a:spcPts val="0"/>
@@ -14109,559 +15203,7 @@
             </a:pPr>
             <a:r>
               <a:rPr lang="en"/>
-              <a:t>Port Forwarding</a:t>
-            </a:r>
-            <a:endParaRPr/>
-          </a:p>
-          <a:p>
-            <a:pPr indent="-311150" lvl="0" marL="457200" rtl="0" algn="l">
-              <a:spcBef>
-                <a:spcPts val="0"/>
-              </a:spcBef>
-              <a:spcAft>
-                <a:spcPts val="0"/>
-              </a:spcAft>
-              <a:buSzPts val="1300"/>
-              <a:buChar char="●"/>
-            </a:pPr>
-            <a:r>
-              <a:rPr lang="en"/>
-              <a:t>Domain </a:t>
-            </a:r>
-            <a:r>
-              <a:rPr lang="en"/>
-              <a:t>acquisition</a:t>
-            </a:r>
-            <a:endParaRPr/>
-          </a:p>
-          <a:p>
-            <a:pPr indent="-311150" lvl="0" marL="457200" rtl="0" algn="l">
-              <a:spcBef>
-                <a:spcPts val="0"/>
-              </a:spcBef>
-              <a:spcAft>
-                <a:spcPts val="0"/>
-              </a:spcAft>
-              <a:buSzPts val="1300"/>
-              <a:buChar char="●"/>
-            </a:pPr>
-            <a:r>
-              <a:rPr lang="en"/>
-              <a:t>Static IP Addresses</a:t>
-            </a:r>
-            <a:endParaRPr/>
-          </a:p>
-          <a:p>
-            <a:pPr indent="-311150" lvl="0" marL="457200" rtl="0" algn="l">
-              <a:spcBef>
-                <a:spcPts val="0"/>
-              </a:spcBef>
-              <a:spcAft>
-                <a:spcPts val="0"/>
-              </a:spcAft>
-              <a:buSzPts val="1300"/>
-              <a:buChar char="●"/>
-            </a:pPr>
-            <a:r>
-              <a:rPr lang="en"/>
-              <a:t>Public IP Addresses</a:t>
-            </a:r>
-            <a:endParaRPr/>
-          </a:p>
-          <a:p>
-            <a:pPr indent="-311150" lvl="0" marL="457200" rtl="0" algn="l">
-              <a:spcBef>
-                <a:spcPts val="0"/>
-              </a:spcBef>
-              <a:spcAft>
-                <a:spcPts val="0"/>
-              </a:spcAft>
-              <a:buSzPts val="1300"/>
-              <a:buChar char="●"/>
-            </a:pPr>
-            <a:r>
-              <a:rPr lang="en"/>
-              <a:t>A Headache...</a:t>
-            </a:r>
-            <a:endParaRPr/>
-          </a:p>
-        </p:txBody>
-      </p:sp>
-    </p:spTree>
-  </p:cSld>
-  <p:clrMapOvr>
-    <a:masterClrMapping/>
-  </p:clrMapOvr>
-</p:sld>
-</file>
-
-<file path=ppt/slides/slide8.xml><?xml version="1.0" encoding="utf-8"?>
-<p:sld xmlns:a="http://schemas.openxmlformats.org/drawingml/2006/main" xmlns:r="http://schemas.openxmlformats.org/officeDocument/2006/relationships" xmlns:mc="http://schemas.openxmlformats.org/markup-compatibility/2006" xmlns:mv="urn:schemas-microsoft-com:mac:vml" xmlns:p="http://schemas.openxmlformats.org/presentationml/2006/main" xmlns:c="http://schemas.openxmlformats.org/drawingml/2006/chart" xmlns:dgm="http://schemas.openxmlformats.org/drawingml/2006/diagram" xmlns:o="urn:schemas-microsoft-com:office:office" xmlns:v="urn:schemas-microsoft-com:vml" xmlns:pvml="urn:schemas-microsoft-com:office:powerpoint" xmlns:com="http://schemas.openxmlformats.org/drawingml/2006/compatibility" xmlns:p14="http://schemas.microsoft.com/office/powerpoint/2010/main" xmlns:p15="http://schemas.microsoft.com/office/powerpoint/2012/main" xmlns:ahyp="http://schemas.microsoft.com/office/drawing/2018/hyperlinkcolor">
-  <p:cSld>
-    <p:spTree>
-      <p:nvGrpSpPr>
-        <p:cNvPr id="178" name="Shape 178"/>
-        <p:cNvGrpSpPr/>
-        <p:nvPr/>
-      </p:nvGrpSpPr>
-      <p:grpSpPr>
-        <a:xfrm>
-          <a:off x="0" y="0"/>
-          <a:ext cx="0" cy="0"/>
-          <a:chOff x="0" y="0"/>
-          <a:chExt cx="0" cy="0"/>
-        </a:xfrm>
-      </p:grpSpPr>
-      <p:sp>
-        <p:nvSpPr>
-          <p:cNvPr id="179" name="Google Shape;179;p20"/>
-          <p:cNvSpPr txBox="1"/>
-          <p:nvPr>
-            <p:ph type="title"/>
-          </p:nvPr>
-        </p:nvSpPr>
-        <p:spPr>
-          <a:xfrm>
-            <a:off x="1297500" y="393750"/>
-            <a:ext cx="7038900" cy="914100"/>
-          </a:xfrm>
-          <a:prstGeom prst="rect">
-            <a:avLst/>
-          </a:prstGeom>
-        </p:spPr>
-        <p:txBody>
-          <a:bodyPr anchorCtr="0" anchor="t" bIns="91425" lIns="91425" spcFirstLastPara="1" rIns="91425" wrap="square" tIns="91425">
-            <a:normAutofit/>
-          </a:bodyPr>
-          <a:lstStyle/>
-          <a:p>
-            <a:pPr indent="0" lvl="0" marL="0" rtl="0" algn="l">
-              <a:spcBef>
-                <a:spcPts val="0"/>
-              </a:spcBef>
-              <a:spcAft>
-                <a:spcPts val="0"/>
-              </a:spcAft>
-              <a:buNone/>
-            </a:pPr>
-            <a:r>
-              <a:rPr lang="en"/>
-              <a:t>Yggdrasil </a:t>
-            </a:r>
-            <a:r>
-              <a:rPr lang="en"/>
-              <a:t>Server - Issues (cont.)</a:t>
-            </a:r>
-            <a:endParaRPr/>
-          </a:p>
-        </p:txBody>
-      </p:sp>
-      <p:sp>
-        <p:nvSpPr>
-          <p:cNvPr id="180" name="Google Shape;180;p20"/>
-          <p:cNvSpPr txBox="1"/>
-          <p:nvPr>
-            <p:ph idx="1" type="body"/>
-          </p:nvPr>
-        </p:nvSpPr>
-        <p:spPr>
-          <a:xfrm>
-            <a:off x="1297500" y="1567550"/>
-            <a:ext cx="7038900" cy="2911200"/>
-          </a:xfrm>
-          <a:prstGeom prst="rect">
-            <a:avLst/>
-          </a:prstGeom>
-        </p:spPr>
-        <p:txBody>
-          <a:bodyPr anchorCtr="0" anchor="t" bIns="91425" lIns="91425" spcFirstLastPara="1" rIns="91425" wrap="square" tIns="91425">
-            <a:normAutofit/>
-          </a:bodyPr>
-          <a:lstStyle/>
-          <a:p>
-            <a:pPr indent="0" lvl="0" marL="0" rtl="0" algn="l">
-              <a:spcBef>
-                <a:spcPts val="0"/>
-              </a:spcBef>
-              <a:spcAft>
-                <a:spcPts val="0"/>
-              </a:spcAft>
-              <a:buNone/>
-            </a:pPr>
-            <a:r>
-              <a:rPr lang="en"/>
-              <a:t>Q. How about using AWS?</a:t>
-            </a:r>
-            <a:endParaRPr/>
-          </a:p>
-          <a:p>
-            <a:pPr indent="-311150" lvl="0" marL="457200" rtl="0" algn="l">
-              <a:spcBef>
-                <a:spcPts val="1200"/>
-              </a:spcBef>
-              <a:spcAft>
-                <a:spcPts val="0"/>
-              </a:spcAft>
-              <a:buSzPts val="1300"/>
-              <a:buAutoNum type="alphaUcPeriod"/>
-            </a:pPr>
-            <a:r>
-              <a:rPr lang="en"/>
-              <a:t>Issues:</a:t>
-            </a:r>
-            <a:endParaRPr/>
-          </a:p>
-          <a:p>
-            <a:pPr indent="-298450" lvl="0" marL="457200" rtl="0" algn="l">
-              <a:spcBef>
-                <a:spcPts val="0"/>
-              </a:spcBef>
-              <a:spcAft>
-                <a:spcPts val="0"/>
-              </a:spcAft>
-              <a:buSzPts val="1100"/>
-              <a:buChar char="●"/>
-            </a:pPr>
-            <a:r>
-              <a:rPr lang="en" sz="1100"/>
-              <a:t>High Learning Curve</a:t>
-            </a:r>
-            <a:endParaRPr sz="1100"/>
-          </a:p>
-          <a:p>
-            <a:pPr indent="-298450" lvl="0" marL="457200" rtl="0" algn="l">
-              <a:spcBef>
-                <a:spcPts val="0"/>
-              </a:spcBef>
-              <a:spcAft>
-                <a:spcPts val="0"/>
-              </a:spcAft>
-              <a:buSzPts val="1100"/>
-              <a:buChar char="●"/>
-            </a:pPr>
-            <a:r>
-              <a:rPr lang="en" sz="1100"/>
-              <a:t>Pricing is impossible to figure out (free? Or $0.36? Or what?)</a:t>
-            </a:r>
-            <a:endParaRPr sz="1100"/>
-          </a:p>
-          <a:p>
-            <a:pPr indent="-298450" lvl="0" marL="457200" rtl="0" algn="l">
-              <a:spcBef>
-                <a:spcPts val="0"/>
-              </a:spcBef>
-              <a:spcAft>
-                <a:spcPts val="0"/>
-              </a:spcAft>
-              <a:buSzPts val="1100"/>
-              <a:buChar char="●"/>
-            </a:pPr>
-            <a:r>
-              <a:rPr lang="en" sz="1100"/>
-              <a:t>Too many services (you can do the same thing in 5-10 different ways with different costs)</a:t>
-            </a:r>
-            <a:endParaRPr sz="1100"/>
-          </a:p>
-          <a:p>
-            <a:pPr indent="0" lvl="0" marL="0" rtl="0" algn="l">
-              <a:spcBef>
-                <a:spcPts val="1200"/>
-              </a:spcBef>
-              <a:spcAft>
-                <a:spcPts val="0"/>
-              </a:spcAft>
-              <a:buNone/>
-            </a:pPr>
-            <a:r>
-              <a:rPr lang="en" sz="1100"/>
-              <a:t>Q. How about another Hosting Provider?</a:t>
-            </a:r>
-            <a:endParaRPr sz="1100"/>
-          </a:p>
-          <a:p>
-            <a:pPr indent="-298450" lvl="0" marL="457200" rtl="0" algn="l">
-              <a:spcBef>
-                <a:spcPts val="1200"/>
-              </a:spcBef>
-              <a:spcAft>
-                <a:spcPts val="0"/>
-              </a:spcAft>
-              <a:buSzPts val="1100"/>
-              <a:buAutoNum type="alphaUcPeriod"/>
-            </a:pPr>
-            <a:r>
-              <a:rPr lang="en" sz="1100"/>
-              <a:t>Try to find a free VPS, it’s hard and often incredibly limited…</a:t>
-            </a:r>
-            <a:endParaRPr sz="1100"/>
-          </a:p>
-          <a:p>
-            <a:pPr indent="-298450" lvl="1" marL="914400" rtl="0" algn="l">
-              <a:spcBef>
-                <a:spcPts val="0"/>
-              </a:spcBef>
-              <a:spcAft>
-                <a:spcPts val="0"/>
-              </a:spcAft>
-              <a:buSzPts val="1100"/>
-              <a:buAutoNum type="alphaLcPeriod"/>
-            </a:pPr>
-            <a:r>
-              <a:rPr lang="en"/>
-              <a:t>We decided to direct our efforts elsewhere on this front.</a:t>
-            </a:r>
-            <a:endParaRPr sz="1100"/>
-          </a:p>
-        </p:txBody>
-      </p:sp>
-    </p:spTree>
-  </p:cSld>
-  <p:clrMapOvr>
-    <a:masterClrMapping/>
-  </p:clrMapOvr>
-</p:sld>
-</file>
-
-<file path=ppt/slides/slide9.xml><?xml version="1.0" encoding="utf-8"?>
-<p:sld xmlns:a="http://schemas.openxmlformats.org/drawingml/2006/main" xmlns:r="http://schemas.openxmlformats.org/officeDocument/2006/relationships" xmlns:mc="http://schemas.openxmlformats.org/markup-compatibility/2006" xmlns:mv="urn:schemas-microsoft-com:mac:vml" xmlns:p="http://schemas.openxmlformats.org/presentationml/2006/main" xmlns:c="http://schemas.openxmlformats.org/drawingml/2006/chart" xmlns:dgm="http://schemas.openxmlformats.org/drawingml/2006/diagram" xmlns:o="urn:schemas-microsoft-com:office:office" xmlns:v="urn:schemas-microsoft-com:vml" xmlns:pvml="urn:schemas-microsoft-com:office:powerpoint" xmlns:com="http://schemas.openxmlformats.org/drawingml/2006/compatibility" xmlns:p14="http://schemas.microsoft.com/office/powerpoint/2010/main" xmlns:p15="http://schemas.microsoft.com/office/powerpoint/2012/main" xmlns:ahyp="http://schemas.microsoft.com/office/drawing/2018/hyperlinkcolor">
-  <p:cSld>
-    <p:spTree>
-      <p:nvGrpSpPr>
-        <p:cNvPr id="184" name="Shape 184"/>
-        <p:cNvGrpSpPr/>
-        <p:nvPr/>
-      </p:nvGrpSpPr>
-      <p:grpSpPr>
-        <a:xfrm>
-          <a:off x="0" y="0"/>
-          <a:ext cx="0" cy="0"/>
-          <a:chOff x="0" y="0"/>
-          <a:chExt cx="0" cy="0"/>
-        </a:xfrm>
-      </p:grpSpPr>
-      <p:sp>
-        <p:nvSpPr>
-          <p:cNvPr id="185" name="Google Shape;185;p21"/>
-          <p:cNvSpPr txBox="1"/>
-          <p:nvPr>
-            <p:ph type="title"/>
-          </p:nvPr>
-        </p:nvSpPr>
-        <p:spPr>
-          <a:xfrm>
-            <a:off x="1297500" y="393750"/>
-            <a:ext cx="7038900" cy="914100"/>
-          </a:xfrm>
-          <a:prstGeom prst="rect">
-            <a:avLst/>
-          </a:prstGeom>
-        </p:spPr>
-        <p:txBody>
-          <a:bodyPr anchorCtr="0" anchor="t" bIns="91425" lIns="91425" spcFirstLastPara="1" rIns="91425" wrap="square" tIns="91425">
-            <a:normAutofit/>
-          </a:bodyPr>
-          <a:lstStyle/>
-          <a:p>
-            <a:pPr indent="0" lvl="0" marL="0" rtl="0" algn="l">
-              <a:spcBef>
-                <a:spcPts val="0"/>
-              </a:spcBef>
-              <a:spcAft>
-                <a:spcPts val="0"/>
-              </a:spcAft>
-              <a:buNone/>
-            </a:pPr>
-            <a:r>
-              <a:rPr lang="en"/>
-              <a:t>Yggdrasil Server - Solution</a:t>
-            </a:r>
-            <a:endParaRPr/>
-          </a:p>
-        </p:txBody>
-      </p:sp>
-      <p:sp>
-        <p:nvSpPr>
-          <p:cNvPr id="186" name="Google Shape;186;p21"/>
-          <p:cNvSpPr txBox="1"/>
-          <p:nvPr>
-            <p:ph idx="1" type="body"/>
-          </p:nvPr>
-        </p:nvSpPr>
-        <p:spPr>
-          <a:xfrm>
-            <a:off x="1297500" y="1567550"/>
-            <a:ext cx="7038900" cy="2911200"/>
-          </a:xfrm>
-          <a:prstGeom prst="rect">
-            <a:avLst/>
-          </a:prstGeom>
-        </p:spPr>
-        <p:txBody>
-          <a:bodyPr anchorCtr="0" anchor="t" bIns="91425" lIns="91425" spcFirstLastPara="1" rIns="91425" wrap="square" tIns="91425">
-            <a:normAutofit/>
-          </a:bodyPr>
-          <a:lstStyle/>
-          <a:p>
-            <a:pPr indent="0" lvl="0" marL="0" rtl="0" algn="l">
-              <a:spcBef>
-                <a:spcPts val="0"/>
-              </a:spcBef>
-              <a:spcAft>
-                <a:spcPts val="0"/>
-              </a:spcAft>
-              <a:buNone/>
-            </a:pPr>
-            <a:r>
-              <a:rPr lang="en"/>
-              <a:t>The solution?  Tunneling to a proxy!</a:t>
-            </a:r>
-            <a:endParaRPr/>
-          </a:p>
-          <a:p>
-            <a:pPr indent="0" lvl="0" marL="0" rtl="0" algn="l">
-              <a:spcBef>
-                <a:spcPts val="1200"/>
-              </a:spcBef>
-              <a:spcAft>
-                <a:spcPts val="0"/>
-              </a:spcAft>
-              <a:buNone/>
-            </a:pPr>
-            <a:r>
-              <a:rPr lang="en"/>
-              <a:t>Local Tunnel</a:t>
-            </a:r>
-            <a:endParaRPr/>
-          </a:p>
-          <a:p>
-            <a:pPr indent="-311150" lvl="0" marL="457200" rtl="0" algn="l">
-              <a:spcBef>
-                <a:spcPts val="1200"/>
-              </a:spcBef>
-              <a:spcAft>
-                <a:spcPts val="0"/>
-              </a:spcAft>
-              <a:buSzPts val="1300"/>
-              <a:buChar char="●"/>
-            </a:pPr>
-            <a:r>
-              <a:rPr lang="en"/>
-              <a:t>No need to open router ports</a:t>
-            </a:r>
-            <a:endParaRPr/>
-          </a:p>
-          <a:p>
-            <a:pPr indent="-298450" lvl="1" marL="914400" rtl="0" algn="l">
-              <a:spcBef>
-                <a:spcPts val="0"/>
-              </a:spcBef>
-              <a:spcAft>
-                <a:spcPts val="0"/>
-              </a:spcAft>
-              <a:buSzPts val="1100"/>
-              <a:buChar char="○"/>
-            </a:pPr>
-            <a:r>
-              <a:rPr lang="en"/>
-              <a:t>All traffic is wrapped in a TLS tunnel to the proxy server only.</a:t>
-            </a:r>
-            <a:endParaRPr/>
-          </a:p>
-          <a:p>
-            <a:pPr indent="-311150" lvl="0" marL="457200" rtl="0" algn="l">
-              <a:spcBef>
-                <a:spcPts val="0"/>
-              </a:spcBef>
-              <a:spcAft>
-                <a:spcPts val="0"/>
-              </a:spcAft>
-              <a:buSzPts val="1300"/>
-              <a:buChar char="●"/>
-            </a:pPr>
-            <a:r>
-              <a:rPr lang="en"/>
-              <a:t>No need to have a static or dedicated IP</a:t>
-            </a:r>
-            <a:endParaRPr/>
-          </a:p>
-          <a:p>
-            <a:pPr indent="-298450" lvl="1" marL="914400" rtl="0" algn="l">
-              <a:spcBef>
-                <a:spcPts val="0"/>
-              </a:spcBef>
-              <a:spcAft>
-                <a:spcPts val="0"/>
-              </a:spcAft>
-              <a:buSzPts val="1100"/>
-              <a:buChar char="○"/>
-            </a:pPr>
-            <a:r>
-              <a:rPr lang="en"/>
-              <a:t>The client application on our server is in continuous contact with the proxy server, so the router our server is connected to needn’t be configured to allow any special traffic through as it isn’t being directly accessed publicly.</a:t>
-            </a:r>
-            <a:endParaRPr/>
-          </a:p>
-          <a:p>
-            <a:pPr indent="-311150" lvl="0" marL="457200" rtl="0" algn="l">
-              <a:spcBef>
-                <a:spcPts val="0"/>
-              </a:spcBef>
-              <a:spcAft>
-                <a:spcPts val="0"/>
-              </a:spcAft>
-              <a:buSzPts val="1300"/>
-              <a:buChar char="●"/>
-            </a:pPr>
-            <a:r>
-              <a:rPr lang="en"/>
-              <a:t>Free choice of subdomain (3rd level domain) names assuming they aren’t currently in use.</a:t>
-            </a:r>
-            <a:endParaRPr/>
-          </a:p>
-          <a:p>
-            <a:pPr indent="-311150" lvl="0" marL="457200" rtl="0" algn="l">
-              <a:spcBef>
-                <a:spcPts val="0"/>
-              </a:spcBef>
-              <a:spcAft>
-                <a:spcPts val="0"/>
-              </a:spcAft>
-              <a:buSzPts val="1300"/>
-              <a:buChar char="●"/>
-            </a:pPr>
-            <a:r>
-              <a:rPr lang="en"/>
-              <a:t>Free and Open Source Software (FOSS)!</a:t>
-            </a:r>
-            <a:endParaRPr/>
-          </a:p>
-          <a:p>
-            <a:pPr indent="-311150" lvl="0" marL="457200" rtl="0" algn="l">
-              <a:spcBef>
-                <a:spcPts val="0"/>
-              </a:spcBef>
-              <a:spcAft>
-                <a:spcPts val="0"/>
-              </a:spcAft>
-              <a:buSzPts val="1300"/>
-              <a:buChar char="●"/>
-            </a:pPr>
-            <a:r>
-              <a:rPr lang="en"/>
-              <a:t>Https connection:  </a:t>
-            </a:r>
-            <a:r>
-              <a:rPr lang="en" u="sng">
-                <a:solidFill>
-                  <a:schemeClr val="hlink"/>
-                </a:solidFill>
-                <a:hlinkClick r:id="rId3"/>
-              </a:rPr>
-              <a:t>https://yggfinance.loca.lt</a:t>
-            </a:r>
-            <a:r>
-              <a:rPr lang="en"/>
-              <a:t> </a:t>
+              <a:t>The Net Worth service portion for receiving inputs has been implemented, along with the calculation</a:t>
             </a:r>
             <a:endParaRPr/>
           </a:p>
